--- a/slides/10-data-wrangling-mutate-arr-sum.pptx
+++ b/slides/10-data-wrangling-mutate-arr-sum.pptx
@@ -5,7 +5,7 @@
     <p:sldMasterId id="2147483852" r:id="rId1"/>
   </p:sldMasterIdLst>
   <p:notesMasterIdLst>
-    <p:notesMasterId r:id="rId10"/>
+    <p:notesMasterId r:id="rId24"/>
   </p:notesMasterIdLst>
   <p:sldIdLst>
     <p:sldId id="256" r:id="rId2"/>
@@ -13,9 +13,23 @@
     <p:sldId id="275" r:id="rId4"/>
     <p:sldId id="281" r:id="rId5"/>
     <p:sldId id="282" r:id="rId6"/>
-    <p:sldId id="283" r:id="rId7"/>
-    <p:sldId id="284" r:id="rId8"/>
-    <p:sldId id="285" r:id="rId9"/>
+    <p:sldId id="286" r:id="rId7"/>
+    <p:sldId id="287" r:id="rId8"/>
+    <p:sldId id="288" r:id="rId9"/>
+    <p:sldId id="289" r:id="rId10"/>
+    <p:sldId id="290" r:id="rId11"/>
+    <p:sldId id="291" r:id="rId12"/>
+    <p:sldId id="292" r:id="rId13"/>
+    <p:sldId id="293" r:id="rId14"/>
+    <p:sldId id="283" r:id="rId15"/>
+    <p:sldId id="284" r:id="rId16"/>
+    <p:sldId id="294" r:id="rId17"/>
+    <p:sldId id="295" r:id="rId18"/>
+    <p:sldId id="285" r:id="rId19"/>
+    <p:sldId id="296" r:id="rId20"/>
+    <p:sldId id="297" r:id="rId21"/>
+    <p:sldId id="298" r:id="rId22"/>
+    <p:sldId id="299" r:id="rId23"/>
   </p:sldIdLst>
   <p:sldSz cx="12192000" cy="6858000"/>
   <p:notesSz cx="6858000" cy="9144000"/>
@@ -204,7 +218,7 @@
           <a:p>
             <a:fld id="{9C3DEDD4-2C78-554A-AEF5-E26038B7904F}" type="datetimeFigureOut">
               <a:rPr lang="en-US" smtClean="0"/>
-              <a:t>9/28/23</a:t>
+              <a:t>10/1/23</a:t>
             </a:fld>
             <a:endParaRPr lang="en-US"/>
           </a:p>
@@ -696,7 +710,7 @@
             <a:fld id="{5586B75A-687E-405C-8A0B-8D00578BA2C3}" type="datetimeFigureOut">
               <a:rPr lang="en-US" smtClean="0"/>
               <a:pPr/>
-              <a:t>9/28/23</a:t>
+              <a:t>10/1/23</a:t>
             </a:fld>
             <a:endParaRPr lang="en-US" dirty="0"/>
           </a:p>
@@ -868,7 +882,7 @@
             <a:fld id="{5586B75A-687E-405C-8A0B-8D00578BA2C3}" type="datetimeFigureOut">
               <a:rPr lang="en-US" smtClean="0"/>
               <a:pPr/>
-              <a:t>9/28/23</a:t>
+              <a:t>10/1/23</a:t>
             </a:fld>
             <a:endParaRPr lang="en-US" dirty="0"/>
           </a:p>
@@ -1050,7 +1064,7 @@
             <a:fld id="{5586B75A-687E-405C-8A0B-8D00578BA2C3}" type="datetimeFigureOut">
               <a:rPr lang="en-US" smtClean="0"/>
               <a:pPr/>
-              <a:t>9/28/23</a:t>
+              <a:t>10/1/23</a:t>
             </a:fld>
             <a:endParaRPr lang="en-US" dirty="0"/>
           </a:p>
@@ -1222,7 +1236,7 @@
             <a:fld id="{5586B75A-687E-405C-8A0B-8D00578BA2C3}" type="datetimeFigureOut">
               <a:rPr lang="en-US" smtClean="0"/>
               <a:pPr/>
-              <a:t>9/28/23</a:t>
+              <a:t>10/1/23</a:t>
             </a:fld>
             <a:endParaRPr lang="en-US" dirty="0"/>
           </a:p>
@@ -1478,7 +1492,7 @@
             <a:fld id="{5586B75A-687E-405C-8A0B-8D00578BA2C3}" type="datetimeFigureOut">
               <a:rPr lang="en-US" smtClean="0"/>
               <a:pPr/>
-              <a:t>9/28/23</a:t>
+              <a:t>10/1/23</a:t>
             </a:fld>
             <a:endParaRPr lang="en-US" dirty="0"/>
           </a:p>
@@ -1768,7 +1782,7 @@
             <a:fld id="{5586B75A-687E-405C-8A0B-8D00578BA2C3}" type="datetimeFigureOut">
               <a:rPr lang="en-US" smtClean="0"/>
               <a:pPr/>
-              <a:t>9/28/23</a:t>
+              <a:t>10/1/23</a:t>
             </a:fld>
             <a:endParaRPr lang="en-US" dirty="0"/>
           </a:p>
@@ -2212,7 +2226,7 @@
             <a:fld id="{5586B75A-687E-405C-8A0B-8D00578BA2C3}" type="datetimeFigureOut">
               <a:rPr lang="en-US" smtClean="0"/>
               <a:pPr/>
-              <a:t>9/28/23</a:t>
+              <a:t>10/1/23</a:t>
             </a:fld>
             <a:endParaRPr lang="en-US" dirty="0"/>
           </a:p>
@@ -2332,7 +2346,7 @@
             <a:fld id="{5586B75A-687E-405C-8A0B-8D00578BA2C3}" type="datetimeFigureOut">
               <a:rPr lang="en-US" smtClean="0"/>
               <a:pPr/>
-              <a:t>9/28/23</a:t>
+              <a:t>10/1/23</a:t>
             </a:fld>
             <a:endParaRPr lang="en-US" dirty="0"/>
           </a:p>
@@ -2429,7 +2443,7 @@
             <a:fld id="{5586B75A-687E-405C-8A0B-8D00578BA2C3}" type="datetimeFigureOut">
               <a:rPr lang="en-US" smtClean="0"/>
               <a:pPr/>
-              <a:t>9/28/23</a:t>
+              <a:t>10/1/23</a:t>
             </a:fld>
             <a:endParaRPr lang="en-US" dirty="0"/>
           </a:p>
@@ -2719,7 +2733,7 @@
             <a:fld id="{5586B75A-687E-405C-8A0B-8D00578BA2C3}" type="datetimeFigureOut">
               <a:rPr lang="en-US" smtClean="0"/>
               <a:pPr/>
-              <a:t>9/28/23</a:t>
+              <a:t>10/1/23</a:t>
             </a:fld>
             <a:endParaRPr lang="en-US" dirty="0"/>
           </a:p>
@@ -2994,7 +3008,7 @@
             <a:fld id="{5586B75A-687E-405C-8A0B-8D00578BA2C3}" type="datetimeFigureOut">
               <a:rPr lang="en-US" smtClean="0"/>
               <a:pPr/>
-              <a:t>9/28/23</a:t>
+              <a:t>10/1/23</a:t>
             </a:fld>
             <a:endParaRPr lang="en-US" dirty="0"/>
           </a:p>
@@ -3293,7 +3307,7 @@
             <a:fld id="{5586B75A-687E-405C-8A0B-8D00578BA2C3}" type="datetimeFigureOut">
               <a:rPr lang="en-US" smtClean="0"/>
               <a:pPr/>
-              <a:t>9/28/23</a:t>
+              <a:t>10/1/23</a:t>
             </a:fld>
             <a:endParaRPr lang="en-US" dirty="0"/>
           </a:p>
@@ -3891,6 +3905,4128 @@
 </p:sld>
 </file>
 
+<file path=ppt/slides/slide10.xml><?xml version="1.0" encoding="utf-8"?>
+<p:sld xmlns:a="http://schemas.openxmlformats.org/drawingml/2006/main" xmlns:r="http://schemas.openxmlformats.org/officeDocument/2006/relationships" xmlns:p="http://schemas.openxmlformats.org/presentationml/2006/main">
+  <p:cSld>
+    <p:spTree>
+      <p:nvGrpSpPr>
+        <p:cNvPr id="1" name=""/>
+        <p:cNvGrpSpPr/>
+        <p:nvPr/>
+      </p:nvGrpSpPr>
+      <p:grpSpPr>
+        <a:xfrm>
+          <a:off x="0" y="0"/>
+          <a:ext cx="0" cy="0"/>
+          <a:chOff x="0" y="0"/>
+          <a:chExt cx="0" cy="0"/>
+        </a:xfrm>
+      </p:grpSpPr>
+      <p:sp>
+        <p:nvSpPr>
+          <p:cNvPr id="2" name="Title 1">
+            <a:extLst>
+              <a:ext uri="{FF2B5EF4-FFF2-40B4-BE49-F238E27FC236}">
+                <a16:creationId xmlns:a16="http://schemas.microsoft.com/office/drawing/2014/main" id="{A37F20A1-B9B8-F8C1-AC48-36671967C2B5}"/>
+              </a:ext>
+            </a:extLst>
+          </p:cNvPr>
+          <p:cNvSpPr>
+            <a:spLocks noGrp="1"/>
+          </p:cNvSpPr>
+          <p:nvPr>
+            <p:ph type="title"/>
+          </p:nvPr>
+        </p:nvSpPr>
+        <p:spPr/>
+        <p:txBody>
+          <a:bodyPr/>
+          <a:lstStyle/>
+          <a:p>
+            <a:r>
+              <a:rPr lang="en-US" dirty="0"/>
+              <a:t>Review</a:t>
+            </a:r>
+            <a:endParaRPr lang="en-US" dirty="0">
+              <a:latin typeface="Courier" pitchFamily="2" charset="0"/>
+            </a:endParaRPr>
+          </a:p>
+        </p:txBody>
+      </p:sp>
+      <p:sp>
+        <p:nvSpPr>
+          <p:cNvPr id="3" name="Content Placeholder 2">
+            <a:extLst>
+              <a:ext uri="{FF2B5EF4-FFF2-40B4-BE49-F238E27FC236}">
+                <a16:creationId xmlns:a16="http://schemas.microsoft.com/office/drawing/2014/main" id="{EE2D95F3-876D-BA1B-1C7A-74E262A4A6CD}"/>
+              </a:ext>
+            </a:extLst>
+          </p:cNvPr>
+          <p:cNvSpPr>
+            <a:spLocks noGrp="1"/>
+          </p:cNvSpPr>
+          <p:nvPr>
+            <p:ph idx="1"/>
+          </p:nvPr>
+        </p:nvSpPr>
+        <p:spPr>
+          <a:xfrm>
+            <a:off x="3869268" y="864108"/>
+            <a:ext cx="7750646" cy="5120640"/>
+          </a:xfrm>
+        </p:spPr>
+        <p:txBody>
+          <a:bodyPr anchor="t">
+            <a:normAutofit/>
+          </a:bodyPr>
+          <a:lstStyle/>
+          <a:p>
+            <a:pPr marL="0" indent="0">
+              <a:buNone/>
+            </a:pPr>
+            <a:r>
+              <a:rPr lang="en-US" sz="2800" dirty="0"/>
+              <a:t>Use </a:t>
+            </a:r>
+            <a:r>
+              <a:rPr lang="en-US" sz="2800" dirty="0" err="1">
+                <a:latin typeface="Consolas" panose="020B0609020204030204" pitchFamily="49" charset="0"/>
+                <a:cs typeface="Consolas" panose="020B0609020204030204" pitchFamily="49" charset="0"/>
+              </a:rPr>
+              <a:t>is_popular</a:t>
+            </a:r>
+            <a:r>
+              <a:rPr lang="en-US" sz="2800" dirty="0">
+                <a:latin typeface="Consolas" panose="020B0609020204030204" pitchFamily="49" charset="0"/>
+                <a:cs typeface="Consolas" panose="020B0609020204030204" pitchFamily="49" charset="0"/>
+              </a:rPr>
+              <a:t> </a:t>
+            </a:r>
+            <a:r>
+              <a:rPr lang="en-US" sz="2800" dirty="0"/>
+              <a:t>and </a:t>
+            </a:r>
+            <a:r>
+              <a:rPr lang="en-US" sz="2800" dirty="0">
+                <a:latin typeface="Consolas" panose="020B0609020204030204" pitchFamily="49" charset="0"/>
+                <a:cs typeface="Consolas" panose="020B0609020204030204" pitchFamily="49" charset="0"/>
+              </a:rPr>
+              <a:t>filter() </a:t>
+            </a:r>
+            <a:r>
+              <a:rPr lang="en-US" sz="2800" dirty="0"/>
+              <a:t>to create a subset of </a:t>
+            </a:r>
+            <a:r>
+              <a:rPr lang="en-US" sz="2800" dirty="0" err="1"/>
+              <a:t>babynames</a:t>
+            </a:r>
+            <a:r>
+              <a:rPr lang="en-US" sz="2800" dirty="0"/>
+              <a:t> that contains only popular names</a:t>
+            </a:r>
+          </a:p>
+        </p:txBody>
+      </p:sp>
+    </p:spTree>
+    <p:extLst>
+      <p:ext uri="{BB962C8B-B14F-4D97-AF65-F5344CB8AC3E}">
+        <p14:creationId xmlns:p14="http://schemas.microsoft.com/office/powerpoint/2010/main" val="3737958278"/>
+      </p:ext>
+    </p:extLst>
+  </p:cSld>
+  <p:clrMapOvr>
+    <a:masterClrMapping/>
+  </p:clrMapOvr>
+</p:sld>
+</file>
+
+<file path=ppt/slides/slide11.xml><?xml version="1.0" encoding="utf-8"?>
+<p:sld xmlns:a="http://schemas.openxmlformats.org/drawingml/2006/main" xmlns:r="http://schemas.openxmlformats.org/officeDocument/2006/relationships" xmlns:p="http://schemas.openxmlformats.org/presentationml/2006/main">
+  <p:cSld>
+    <p:spTree>
+      <p:nvGrpSpPr>
+        <p:cNvPr id="1" name=""/>
+        <p:cNvGrpSpPr/>
+        <p:nvPr/>
+      </p:nvGrpSpPr>
+      <p:grpSpPr>
+        <a:xfrm>
+          <a:off x="0" y="0"/>
+          <a:ext cx="0" cy="0"/>
+          <a:chOff x="0" y="0"/>
+          <a:chExt cx="0" cy="0"/>
+        </a:xfrm>
+      </p:grpSpPr>
+      <p:sp>
+        <p:nvSpPr>
+          <p:cNvPr id="2" name="Title 1">
+            <a:extLst>
+              <a:ext uri="{FF2B5EF4-FFF2-40B4-BE49-F238E27FC236}">
+                <a16:creationId xmlns:a16="http://schemas.microsoft.com/office/drawing/2014/main" id="{A37F20A1-B9B8-F8C1-AC48-36671967C2B5}"/>
+              </a:ext>
+            </a:extLst>
+          </p:cNvPr>
+          <p:cNvSpPr>
+            <a:spLocks noGrp="1"/>
+          </p:cNvSpPr>
+          <p:nvPr>
+            <p:ph type="title"/>
+          </p:nvPr>
+        </p:nvSpPr>
+        <p:spPr/>
+        <p:txBody>
+          <a:bodyPr/>
+          <a:lstStyle/>
+          <a:p>
+            <a:r>
+              <a:rPr lang="en-US" dirty="0"/>
+              <a:t>Review</a:t>
+            </a:r>
+            <a:endParaRPr lang="en-US" dirty="0">
+              <a:latin typeface="Courier" pitchFamily="2" charset="0"/>
+            </a:endParaRPr>
+          </a:p>
+        </p:txBody>
+      </p:sp>
+      <p:sp>
+        <p:nvSpPr>
+          <p:cNvPr id="3" name="Content Placeholder 2">
+            <a:extLst>
+              <a:ext uri="{FF2B5EF4-FFF2-40B4-BE49-F238E27FC236}">
+                <a16:creationId xmlns:a16="http://schemas.microsoft.com/office/drawing/2014/main" id="{EE2D95F3-876D-BA1B-1C7A-74E262A4A6CD}"/>
+              </a:ext>
+            </a:extLst>
+          </p:cNvPr>
+          <p:cNvSpPr>
+            <a:spLocks noGrp="1"/>
+          </p:cNvSpPr>
+          <p:nvPr>
+            <p:ph idx="1"/>
+          </p:nvPr>
+        </p:nvSpPr>
+        <p:spPr>
+          <a:xfrm>
+            <a:off x="3869268" y="864108"/>
+            <a:ext cx="7750646" cy="5120640"/>
+          </a:xfrm>
+        </p:spPr>
+        <p:txBody>
+          <a:bodyPr anchor="t">
+            <a:normAutofit/>
+          </a:bodyPr>
+          <a:lstStyle/>
+          <a:p>
+            <a:pPr marL="0" indent="0">
+              <a:buNone/>
+            </a:pPr>
+            <a:r>
+              <a:rPr lang="en-US" sz="2800" dirty="0"/>
+              <a:t>Use </a:t>
+            </a:r>
+            <a:r>
+              <a:rPr lang="en-US" sz="2800" dirty="0" err="1">
+                <a:latin typeface="Consolas" panose="020B0609020204030204" pitchFamily="49" charset="0"/>
+                <a:cs typeface="Consolas" panose="020B0609020204030204" pitchFamily="49" charset="0"/>
+              </a:rPr>
+              <a:t>is_popular</a:t>
+            </a:r>
+            <a:r>
+              <a:rPr lang="en-US" sz="2800" dirty="0">
+                <a:latin typeface="Consolas" panose="020B0609020204030204" pitchFamily="49" charset="0"/>
+                <a:cs typeface="Consolas" panose="020B0609020204030204" pitchFamily="49" charset="0"/>
+              </a:rPr>
+              <a:t> </a:t>
+            </a:r>
+            <a:r>
+              <a:rPr lang="en-US" sz="2800" dirty="0"/>
+              <a:t>and </a:t>
+            </a:r>
+            <a:r>
+              <a:rPr lang="en-US" sz="2800" dirty="0">
+                <a:latin typeface="Consolas" panose="020B0609020204030204" pitchFamily="49" charset="0"/>
+                <a:cs typeface="Consolas" panose="020B0609020204030204" pitchFamily="49" charset="0"/>
+              </a:rPr>
+              <a:t>filter() </a:t>
+            </a:r>
+            <a:r>
+              <a:rPr lang="en-US" sz="2800" dirty="0"/>
+              <a:t>to create a subset of </a:t>
+            </a:r>
+            <a:r>
+              <a:rPr lang="en-US" sz="2800" dirty="0" err="1"/>
+              <a:t>babynames</a:t>
+            </a:r>
+            <a:r>
+              <a:rPr lang="en-US" sz="2800" dirty="0"/>
+              <a:t> that contains only popular names</a:t>
+            </a:r>
+          </a:p>
+        </p:txBody>
+      </p:sp>
+      <p:sp>
+        <p:nvSpPr>
+          <p:cNvPr id="5" name="Rectangle 4">
+            <a:extLst>
+              <a:ext uri="{FF2B5EF4-FFF2-40B4-BE49-F238E27FC236}">
+                <a16:creationId xmlns:a16="http://schemas.microsoft.com/office/drawing/2014/main" id="{E64D6CAD-1851-9801-71D4-07143EB08493}"/>
+              </a:ext>
+            </a:extLst>
+          </p:cNvPr>
+          <p:cNvSpPr/>
+          <p:nvPr/>
+        </p:nvSpPr>
+        <p:spPr>
+          <a:xfrm>
+            <a:off x="3540369" y="2095957"/>
+            <a:ext cx="8208499" cy="1503026"/>
+          </a:xfrm>
+          <a:prstGeom prst="rect">
+            <a:avLst/>
+          </a:prstGeom>
+          <a:solidFill>
+            <a:schemeClr val="bg1">
+              <a:lumMod val="95000"/>
+            </a:schemeClr>
+          </a:solidFill>
+          <a:ln>
+            <a:noFill/>
+          </a:ln>
+        </p:spPr>
+        <p:style>
+          <a:lnRef idx="2">
+            <a:schemeClr val="accent4">
+              <a:shade val="50000"/>
+            </a:schemeClr>
+          </a:lnRef>
+          <a:fillRef idx="1">
+            <a:schemeClr val="accent4"/>
+          </a:fillRef>
+          <a:effectRef idx="0">
+            <a:schemeClr val="accent4"/>
+          </a:effectRef>
+          <a:fontRef idx="minor">
+            <a:schemeClr val="lt1"/>
+          </a:fontRef>
+        </p:style>
+        <p:txBody>
+          <a:bodyPr rtlCol="0" anchor="ctr"/>
+          <a:lstStyle/>
+          <a:p>
+            <a:r>
+              <a:rPr lang="en-US" sz="3200" dirty="0">
+                <a:solidFill>
+                  <a:schemeClr val="tx1"/>
+                </a:solidFill>
+                <a:latin typeface="Courier" pitchFamily="2" charset="0"/>
+              </a:rPr>
+              <a:t>popular &lt;- </a:t>
+            </a:r>
+            <a:r>
+              <a:rPr lang="en-US" sz="3200" dirty="0" err="1">
+                <a:solidFill>
+                  <a:schemeClr val="tx1"/>
+                </a:solidFill>
+                <a:latin typeface="Courier" pitchFamily="2" charset="0"/>
+              </a:rPr>
+              <a:t>babynames</a:t>
+            </a:r>
+            <a:r>
+              <a:rPr lang="en-US" sz="3200" dirty="0">
+                <a:solidFill>
+                  <a:schemeClr val="tx1"/>
+                </a:solidFill>
+                <a:latin typeface="Courier" pitchFamily="2" charset="0"/>
+              </a:rPr>
+              <a:t> %&gt;%</a:t>
+            </a:r>
+          </a:p>
+          <a:p>
+            <a:r>
+              <a:rPr lang="en-US" sz="3200" dirty="0">
+                <a:solidFill>
+                  <a:schemeClr val="tx1"/>
+                </a:solidFill>
+                <a:latin typeface="Courier" pitchFamily="2" charset="0"/>
+              </a:rPr>
+              <a:t>	filter(</a:t>
+            </a:r>
+            <a:r>
+              <a:rPr lang="en-US" sz="3200" dirty="0" err="1">
+                <a:solidFill>
+                  <a:schemeClr val="tx1"/>
+                </a:solidFill>
+                <a:latin typeface="Courier" pitchFamily="2" charset="0"/>
+              </a:rPr>
+              <a:t>is_popular</a:t>
+            </a:r>
+            <a:r>
+              <a:rPr lang="en-US" sz="3200" dirty="0">
+                <a:solidFill>
+                  <a:schemeClr val="tx1"/>
+                </a:solidFill>
+                <a:latin typeface="Courier" pitchFamily="2" charset="0"/>
+              </a:rPr>
+              <a:t>)</a:t>
+            </a:r>
+          </a:p>
+        </p:txBody>
+      </p:sp>
+    </p:spTree>
+    <p:extLst>
+      <p:ext uri="{BB962C8B-B14F-4D97-AF65-F5344CB8AC3E}">
+        <p14:creationId xmlns:p14="http://schemas.microsoft.com/office/powerpoint/2010/main" val="984896054"/>
+      </p:ext>
+    </p:extLst>
+  </p:cSld>
+  <p:clrMapOvr>
+    <a:masterClrMapping/>
+  </p:clrMapOvr>
+</p:sld>
+</file>
+
+<file path=ppt/slides/slide12.xml><?xml version="1.0" encoding="utf-8"?>
+<p:sld xmlns:a="http://schemas.openxmlformats.org/drawingml/2006/main" xmlns:r="http://schemas.openxmlformats.org/officeDocument/2006/relationships" xmlns:p="http://schemas.openxmlformats.org/presentationml/2006/main">
+  <p:cSld>
+    <p:spTree>
+      <p:nvGrpSpPr>
+        <p:cNvPr id="1" name=""/>
+        <p:cNvGrpSpPr/>
+        <p:nvPr/>
+      </p:nvGrpSpPr>
+      <p:grpSpPr>
+        <a:xfrm>
+          <a:off x="0" y="0"/>
+          <a:ext cx="0" cy="0"/>
+          <a:chOff x="0" y="0"/>
+          <a:chExt cx="0" cy="0"/>
+        </a:xfrm>
+      </p:grpSpPr>
+      <p:sp>
+        <p:nvSpPr>
+          <p:cNvPr id="2" name="Title 1">
+            <a:extLst>
+              <a:ext uri="{FF2B5EF4-FFF2-40B4-BE49-F238E27FC236}">
+                <a16:creationId xmlns:a16="http://schemas.microsoft.com/office/drawing/2014/main" id="{A37F20A1-B9B8-F8C1-AC48-36671967C2B5}"/>
+              </a:ext>
+            </a:extLst>
+          </p:cNvPr>
+          <p:cNvSpPr>
+            <a:spLocks noGrp="1"/>
+          </p:cNvSpPr>
+          <p:nvPr>
+            <p:ph type="title"/>
+          </p:nvPr>
+        </p:nvSpPr>
+        <p:spPr/>
+        <p:txBody>
+          <a:bodyPr/>
+          <a:lstStyle/>
+          <a:p>
+            <a:r>
+              <a:rPr lang="en-US" dirty="0"/>
+              <a:t>Review</a:t>
+            </a:r>
+            <a:endParaRPr lang="en-US" dirty="0">
+              <a:latin typeface="Courier" pitchFamily="2" charset="0"/>
+            </a:endParaRPr>
+          </a:p>
+        </p:txBody>
+      </p:sp>
+      <p:sp>
+        <p:nvSpPr>
+          <p:cNvPr id="3" name="Content Placeholder 2">
+            <a:extLst>
+              <a:ext uri="{FF2B5EF4-FFF2-40B4-BE49-F238E27FC236}">
+                <a16:creationId xmlns:a16="http://schemas.microsoft.com/office/drawing/2014/main" id="{EE2D95F3-876D-BA1B-1C7A-74E262A4A6CD}"/>
+              </a:ext>
+            </a:extLst>
+          </p:cNvPr>
+          <p:cNvSpPr>
+            <a:spLocks noGrp="1"/>
+          </p:cNvSpPr>
+          <p:nvPr>
+            <p:ph idx="1"/>
+          </p:nvPr>
+        </p:nvSpPr>
+        <p:spPr>
+          <a:xfrm>
+            <a:off x="3869268" y="864108"/>
+            <a:ext cx="7750646" cy="5120640"/>
+          </a:xfrm>
+        </p:spPr>
+        <p:txBody>
+          <a:bodyPr anchor="t">
+            <a:normAutofit/>
+          </a:bodyPr>
+          <a:lstStyle/>
+          <a:p>
+            <a:pPr marL="0" indent="0">
+              <a:buNone/>
+            </a:pPr>
+            <a:r>
+              <a:rPr lang="en-US" sz="2800" dirty="0"/>
+              <a:t>Use </a:t>
+            </a:r>
+            <a:r>
+              <a:rPr lang="en-US" sz="2800" dirty="0" err="1">
+                <a:latin typeface="Consolas" panose="020B0609020204030204" pitchFamily="49" charset="0"/>
+                <a:cs typeface="Consolas" panose="020B0609020204030204" pitchFamily="49" charset="0"/>
+              </a:rPr>
+              <a:t>is_popular</a:t>
+            </a:r>
+            <a:r>
+              <a:rPr lang="en-US" sz="2800" dirty="0">
+                <a:latin typeface="Consolas" panose="020B0609020204030204" pitchFamily="49" charset="0"/>
+                <a:cs typeface="Consolas" panose="020B0609020204030204" pitchFamily="49" charset="0"/>
+              </a:rPr>
+              <a:t> </a:t>
+            </a:r>
+            <a:r>
+              <a:rPr lang="en-US" sz="2800" dirty="0"/>
+              <a:t>and </a:t>
+            </a:r>
+            <a:r>
+              <a:rPr lang="en-US" sz="2800" dirty="0">
+                <a:latin typeface="Consolas" panose="020B0609020204030204" pitchFamily="49" charset="0"/>
+                <a:cs typeface="Consolas" panose="020B0609020204030204" pitchFamily="49" charset="0"/>
+              </a:rPr>
+              <a:t>filter() </a:t>
+            </a:r>
+            <a:r>
+              <a:rPr lang="en-US" sz="2800" dirty="0"/>
+              <a:t>to create a subset of </a:t>
+            </a:r>
+            <a:r>
+              <a:rPr lang="en-US" sz="2800" dirty="0" err="1"/>
+              <a:t>babynames</a:t>
+            </a:r>
+            <a:r>
+              <a:rPr lang="en-US" sz="2800" dirty="0"/>
+              <a:t> that contains only popular names</a:t>
+            </a:r>
+          </a:p>
+          <a:p>
+            <a:pPr marL="0" indent="0">
+              <a:buNone/>
+            </a:pPr>
+            <a:endParaRPr lang="en-US" sz="2800" dirty="0"/>
+          </a:p>
+          <a:p>
+            <a:pPr marL="0" indent="0">
+              <a:buNone/>
+            </a:pPr>
+            <a:endParaRPr lang="en-US" sz="2800" dirty="0"/>
+          </a:p>
+          <a:p>
+            <a:pPr marL="0" indent="0">
+              <a:buNone/>
+            </a:pPr>
+            <a:endParaRPr lang="en-US" sz="2800" dirty="0"/>
+          </a:p>
+          <a:p>
+            <a:pPr marL="0" indent="0">
+              <a:buNone/>
+            </a:pPr>
+            <a:r>
+              <a:rPr lang="en-US" sz="2800" dirty="0"/>
+              <a:t>How many names are popular?</a:t>
+            </a:r>
+          </a:p>
+        </p:txBody>
+      </p:sp>
+      <p:sp>
+        <p:nvSpPr>
+          <p:cNvPr id="4" name="Rectangle 3">
+            <a:extLst>
+              <a:ext uri="{FF2B5EF4-FFF2-40B4-BE49-F238E27FC236}">
+                <a16:creationId xmlns:a16="http://schemas.microsoft.com/office/drawing/2014/main" id="{2D7C9772-605A-9D6C-846F-6DCE55C8C038}"/>
+              </a:ext>
+            </a:extLst>
+          </p:cNvPr>
+          <p:cNvSpPr/>
+          <p:nvPr/>
+        </p:nvSpPr>
+        <p:spPr>
+          <a:xfrm>
+            <a:off x="3540369" y="2095957"/>
+            <a:ext cx="8208499" cy="1503026"/>
+          </a:xfrm>
+          <a:prstGeom prst="rect">
+            <a:avLst/>
+          </a:prstGeom>
+          <a:solidFill>
+            <a:schemeClr val="bg1">
+              <a:lumMod val="95000"/>
+            </a:schemeClr>
+          </a:solidFill>
+          <a:ln>
+            <a:noFill/>
+          </a:ln>
+        </p:spPr>
+        <p:style>
+          <a:lnRef idx="2">
+            <a:schemeClr val="accent4">
+              <a:shade val="50000"/>
+            </a:schemeClr>
+          </a:lnRef>
+          <a:fillRef idx="1">
+            <a:schemeClr val="accent4"/>
+          </a:fillRef>
+          <a:effectRef idx="0">
+            <a:schemeClr val="accent4"/>
+          </a:effectRef>
+          <a:fontRef idx="minor">
+            <a:schemeClr val="lt1"/>
+          </a:fontRef>
+        </p:style>
+        <p:txBody>
+          <a:bodyPr rtlCol="0" anchor="ctr"/>
+          <a:lstStyle/>
+          <a:p>
+            <a:r>
+              <a:rPr lang="en-US" sz="3200" dirty="0">
+                <a:solidFill>
+                  <a:schemeClr val="tx1"/>
+                </a:solidFill>
+                <a:latin typeface="Courier" pitchFamily="2" charset="0"/>
+              </a:rPr>
+              <a:t>popular &lt;- </a:t>
+            </a:r>
+            <a:r>
+              <a:rPr lang="en-US" sz="3200" dirty="0" err="1">
+                <a:solidFill>
+                  <a:schemeClr val="tx1"/>
+                </a:solidFill>
+                <a:latin typeface="Courier" pitchFamily="2" charset="0"/>
+              </a:rPr>
+              <a:t>babynames</a:t>
+            </a:r>
+            <a:r>
+              <a:rPr lang="en-US" sz="3200" dirty="0">
+                <a:solidFill>
+                  <a:schemeClr val="tx1"/>
+                </a:solidFill>
+                <a:latin typeface="Courier" pitchFamily="2" charset="0"/>
+              </a:rPr>
+              <a:t> %&gt;%</a:t>
+            </a:r>
+          </a:p>
+          <a:p>
+            <a:r>
+              <a:rPr lang="en-US" sz="3200" dirty="0">
+                <a:solidFill>
+                  <a:schemeClr val="tx1"/>
+                </a:solidFill>
+                <a:latin typeface="Courier" pitchFamily="2" charset="0"/>
+              </a:rPr>
+              <a:t>	filter(</a:t>
+            </a:r>
+            <a:r>
+              <a:rPr lang="en-US" sz="3200" dirty="0" err="1">
+                <a:solidFill>
+                  <a:schemeClr val="tx1"/>
+                </a:solidFill>
+                <a:latin typeface="Courier" pitchFamily="2" charset="0"/>
+              </a:rPr>
+              <a:t>is_popular</a:t>
+            </a:r>
+            <a:r>
+              <a:rPr lang="en-US" sz="3200" dirty="0">
+                <a:solidFill>
+                  <a:schemeClr val="tx1"/>
+                </a:solidFill>
+                <a:latin typeface="Courier" pitchFamily="2" charset="0"/>
+              </a:rPr>
+              <a:t>)</a:t>
+            </a:r>
+          </a:p>
+        </p:txBody>
+      </p:sp>
+    </p:spTree>
+    <p:extLst>
+      <p:ext uri="{BB962C8B-B14F-4D97-AF65-F5344CB8AC3E}">
+        <p14:creationId xmlns:p14="http://schemas.microsoft.com/office/powerpoint/2010/main" val="495781656"/>
+      </p:ext>
+    </p:extLst>
+  </p:cSld>
+  <p:clrMapOvr>
+    <a:masterClrMapping/>
+  </p:clrMapOvr>
+</p:sld>
+</file>
+
+<file path=ppt/slides/slide13.xml><?xml version="1.0" encoding="utf-8"?>
+<p:sld xmlns:a="http://schemas.openxmlformats.org/drawingml/2006/main" xmlns:r="http://schemas.openxmlformats.org/officeDocument/2006/relationships" xmlns:p="http://schemas.openxmlformats.org/presentationml/2006/main">
+  <p:cSld>
+    <p:spTree>
+      <p:nvGrpSpPr>
+        <p:cNvPr id="1" name=""/>
+        <p:cNvGrpSpPr/>
+        <p:nvPr/>
+      </p:nvGrpSpPr>
+      <p:grpSpPr>
+        <a:xfrm>
+          <a:off x="0" y="0"/>
+          <a:ext cx="0" cy="0"/>
+          <a:chOff x="0" y="0"/>
+          <a:chExt cx="0" cy="0"/>
+        </a:xfrm>
+      </p:grpSpPr>
+      <p:sp>
+        <p:nvSpPr>
+          <p:cNvPr id="2" name="Title 1">
+            <a:extLst>
+              <a:ext uri="{FF2B5EF4-FFF2-40B4-BE49-F238E27FC236}">
+                <a16:creationId xmlns:a16="http://schemas.microsoft.com/office/drawing/2014/main" id="{A37F20A1-B9B8-F8C1-AC48-36671967C2B5}"/>
+              </a:ext>
+            </a:extLst>
+          </p:cNvPr>
+          <p:cNvSpPr>
+            <a:spLocks noGrp="1"/>
+          </p:cNvSpPr>
+          <p:nvPr>
+            <p:ph type="title"/>
+          </p:nvPr>
+        </p:nvSpPr>
+        <p:spPr/>
+        <p:txBody>
+          <a:bodyPr/>
+          <a:lstStyle/>
+          <a:p>
+            <a:r>
+              <a:rPr lang="en-US" dirty="0"/>
+              <a:t>Review</a:t>
+            </a:r>
+            <a:endParaRPr lang="en-US" dirty="0">
+              <a:latin typeface="Courier" pitchFamily="2" charset="0"/>
+            </a:endParaRPr>
+          </a:p>
+        </p:txBody>
+      </p:sp>
+      <p:sp>
+        <p:nvSpPr>
+          <p:cNvPr id="3" name="Content Placeholder 2">
+            <a:extLst>
+              <a:ext uri="{FF2B5EF4-FFF2-40B4-BE49-F238E27FC236}">
+                <a16:creationId xmlns:a16="http://schemas.microsoft.com/office/drawing/2014/main" id="{EE2D95F3-876D-BA1B-1C7A-74E262A4A6CD}"/>
+              </a:ext>
+            </a:extLst>
+          </p:cNvPr>
+          <p:cNvSpPr>
+            <a:spLocks noGrp="1"/>
+          </p:cNvSpPr>
+          <p:nvPr>
+            <p:ph idx="1"/>
+          </p:nvPr>
+        </p:nvSpPr>
+        <p:spPr>
+          <a:xfrm>
+            <a:off x="3869268" y="864108"/>
+            <a:ext cx="7750646" cy="5120640"/>
+          </a:xfrm>
+        </p:spPr>
+        <p:txBody>
+          <a:bodyPr anchor="t">
+            <a:normAutofit/>
+          </a:bodyPr>
+          <a:lstStyle/>
+          <a:p>
+            <a:pPr marL="0" indent="0">
+              <a:buNone/>
+            </a:pPr>
+            <a:r>
+              <a:rPr lang="en-US" sz="2800" dirty="0"/>
+              <a:t>Use </a:t>
+            </a:r>
+            <a:r>
+              <a:rPr lang="en-US" sz="2800" dirty="0" err="1">
+                <a:latin typeface="Consolas" panose="020B0609020204030204" pitchFamily="49" charset="0"/>
+                <a:cs typeface="Consolas" panose="020B0609020204030204" pitchFamily="49" charset="0"/>
+              </a:rPr>
+              <a:t>is_popular</a:t>
+            </a:r>
+            <a:r>
+              <a:rPr lang="en-US" sz="2800" dirty="0">
+                <a:latin typeface="Consolas" panose="020B0609020204030204" pitchFamily="49" charset="0"/>
+                <a:cs typeface="Consolas" panose="020B0609020204030204" pitchFamily="49" charset="0"/>
+              </a:rPr>
+              <a:t> </a:t>
+            </a:r>
+            <a:r>
+              <a:rPr lang="en-US" sz="2800" dirty="0"/>
+              <a:t>and </a:t>
+            </a:r>
+            <a:r>
+              <a:rPr lang="en-US" sz="2800" dirty="0">
+                <a:latin typeface="Consolas" panose="020B0609020204030204" pitchFamily="49" charset="0"/>
+                <a:cs typeface="Consolas" panose="020B0609020204030204" pitchFamily="49" charset="0"/>
+              </a:rPr>
+              <a:t>filter() </a:t>
+            </a:r>
+            <a:r>
+              <a:rPr lang="en-US" sz="2800" dirty="0"/>
+              <a:t>to create a subset of </a:t>
+            </a:r>
+            <a:r>
+              <a:rPr lang="en-US" sz="2800" dirty="0" err="1"/>
+              <a:t>babynames</a:t>
+            </a:r>
+            <a:r>
+              <a:rPr lang="en-US" sz="2800" dirty="0"/>
+              <a:t> that contains only popular names</a:t>
+            </a:r>
+          </a:p>
+          <a:p>
+            <a:pPr marL="0" indent="0">
+              <a:buNone/>
+            </a:pPr>
+            <a:endParaRPr lang="en-US" sz="2800" dirty="0"/>
+          </a:p>
+          <a:p>
+            <a:pPr marL="0" indent="0">
+              <a:buNone/>
+            </a:pPr>
+            <a:endParaRPr lang="en-US" sz="2800" dirty="0"/>
+          </a:p>
+          <a:p>
+            <a:pPr marL="0" indent="0">
+              <a:buNone/>
+            </a:pPr>
+            <a:endParaRPr lang="en-US" sz="2800" dirty="0"/>
+          </a:p>
+          <a:p>
+            <a:pPr marL="0" indent="0">
+              <a:buNone/>
+            </a:pPr>
+            <a:r>
+              <a:rPr lang="en-US" sz="2800" dirty="0"/>
+              <a:t>How many names are popular?</a:t>
+            </a:r>
+          </a:p>
+          <a:p>
+            <a:pPr marL="0" indent="0">
+              <a:buNone/>
+            </a:pPr>
+            <a:endParaRPr lang="en-US" sz="2800" dirty="0"/>
+          </a:p>
+          <a:p>
+            <a:pPr marL="0" indent="0">
+              <a:buNone/>
+            </a:pPr>
+            <a:endParaRPr lang="en-US" sz="2800" dirty="0"/>
+          </a:p>
+          <a:p>
+            <a:pPr marL="0" indent="0">
+              <a:buNone/>
+            </a:pPr>
+            <a:r>
+              <a:rPr lang="en-US" sz="2800" dirty="0"/>
+              <a:t>3878</a:t>
+            </a:r>
+          </a:p>
+          <a:p>
+            <a:pPr marL="0" indent="0">
+              <a:buNone/>
+            </a:pPr>
+            <a:endParaRPr lang="en-US" sz="2800" dirty="0"/>
+          </a:p>
+        </p:txBody>
+      </p:sp>
+      <p:sp>
+        <p:nvSpPr>
+          <p:cNvPr id="4" name="Rectangle 3">
+            <a:extLst>
+              <a:ext uri="{FF2B5EF4-FFF2-40B4-BE49-F238E27FC236}">
+                <a16:creationId xmlns:a16="http://schemas.microsoft.com/office/drawing/2014/main" id="{2D7C9772-605A-9D6C-846F-6DCE55C8C038}"/>
+              </a:ext>
+            </a:extLst>
+          </p:cNvPr>
+          <p:cNvSpPr/>
+          <p:nvPr/>
+        </p:nvSpPr>
+        <p:spPr>
+          <a:xfrm>
+            <a:off x="3540369" y="2095957"/>
+            <a:ext cx="8208499" cy="1503026"/>
+          </a:xfrm>
+          <a:prstGeom prst="rect">
+            <a:avLst/>
+          </a:prstGeom>
+          <a:solidFill>
+            <a:schemeClr val="bg1">
+              <a:lumMod val="95000"/>
+            </a:schemeClr>
+          </a:solidFill>
+          <a:ln>
+            <a:noFill/>
+          </a:ln>
+        </p:spPr>
+        <p:style>
+          <a:lnRef idx="2">
+            <a:schemeClr val="accent4">
+              <a:shade val="50000"/>
+            </a:schemeClr>
+          </a:lnRef>
+          <a:fillRef idx="1">
+            <a:schemeClr val="accent4"/>
+          </a:fillRef>
+          <a:effectRef idx="0">
+            <a:schemeClr val="accent4"/>
+          </a:effectRef>
+          <a:fontRef idx="minor">
+            <a:schemeClr val="lt1"/>
+          </a:fontRef>
+        </p:style>
+        <p:txBody>
+          <a:bodyPr rtlCol="0" anchor="ctr"/>
+          <a:lstStyle/>
+          <a:p>
+            <a:r>
+              <a:rPr lang="en-US" sz="3200" dirty="0">
+                <a:solidFill>
+                  <a:schemeClr val="tx1"/>
+                </a:solidFill>
+                <a:latin typeface="Courier" pitchFamily="2" charset="0"/>
+              </a:rPr>
+              <a:t>popular &lt;- </a:t>
+            </a:r>
+            <a:r>
+              <a:rPr lang="en-US" sz="3200" dirty="0" err="1">
+                <a:solidFill>
+                  <a:schemeClr val="tx1"/>
+                </a:solidFill>
+                <a:latin typeface="Courier" pitchFamily="2" charset="0"/>
+              </a:rPr>
+              <a:t>babynames</a:t>
+            </a:r>
+            <a:r>
+              <a:rPr lang="en-US" sz="3200" dirty="0">
+                <a:solidFill>
+                  <a:schemeClr val="tx1"/>
+                </a:solidFill>
+                <a:latin typeface="Courier" pitchFamily="2" charset="0"/>
+              </a:rPr>
+              <a:t> %&gt;%</a:t>
+            </a:r>
+          </a:p>
+          <a:p>
+            <a:r>
+              <a:rPr lang="en-US" sz="3200" dirty="0">
+                <a:solidFill>
+                  <a:schemeClr val="tx1"/>
+                </a:solidFill>
+                <a:latin typeface="Courier" pitchFamily="2" charset="0"/>
+              </a:rPr>
+              <a:t>	filter(</a:t>
+            </a:r>
+            <a:r>
+              <a:rPr lang="en-US" sz="3200" dirty="0" err="1">
+                <a:solidFill>
+                  <a:schemeClr val="tx1"/>
+                </a:solidFill>
+                <a:latin typeface="Courier" pitchFamily="2" charset="0"/>
+              </a:rPr>
+              <a:t>is_popular</a:t>
+            </a:r>
+            <a:r>
+              <a:rPr lang="en-US" sz="3200" dirty="0">
+                <a:solidFill>
+                  <a:schemeClr val="tx1"/>
+                </a:solidFill>
+                <a:latin typeface="Courier" pitchFamily="2" charset="0"/>
+              </a:rPr>
+              <a:t>)</a:t>
+            </a:r>
+          </a:p>
+        </p:txBody>
+      </p:sp>
+      <p:sp>
+        <p:nvSpPr>
+          <p:cNvPr id="5" name="Rectangle 4">
+            <a:extLst>
+              <a:ext uri="{FF2B5EF4-FFF2-40B4-BE49-F238E27FC236}">
+                <a16:creationId xmlns:a16="http://schemas.microsoft.com/office/drawing/2014/main" id="{DE7C4251-AF7A-6CDA-F3C7-92776B5D5FC4}"/>
+              </a:ext>
+            </a:extLst>
+          </p:cNvPr>
+          <p:cNvSpPr/>
+          <p:nvPr/>
+        </p:nvSpPr>
+        <p:spPr>
+          <a:xfrm>
+            <a:off x="3540368" y="4292331"/>
+            <a:ext cx="8208499" cy="725146"/>
+          </a:xfrm>
+          <a:prstGeom prst="rect">
+            <a:avLst/>
+          </a:prstGeom>
+          <a:solidFill>
+            <a:schemeClr val="bg1">
+              <a:lumMod val="95000"/>
+            </a:schemeClr>
+          </a:solidFill>
+          <a:ln>
+            <a:noFill/>
+          </a:ln>
+        </p:spPr>
+        <p:style>
+          <a:lnRef idx="2">
+            <a:schemeClr val="accent4">
+              <a:shade val="50000"/>
+            </a:schemeClr>
+          </a:lnRef>
+          <a:fillRef idx="1">
+            <a:schemeClr val="accent4"/>
+          </a:fillRef>
+          <a:effectRef idx="0">
+            <a:schemeClr val="accent4"/>
+          </a:effectRef>
+          <a:fontRef idx="minor">
+            <a:schemeClr val="lt1"/>
+          </a:fontRef>
+        </p:style>
+        <p:txBody>
+          <a:bodyPr rtlCol="0" anchor="ctr"/>
+          <a:lstStyle/>
+          <a:p>
+            <a:r>
+              <a:rPr lang="en-US" sz="3200" dirty="0" err="1">
+                <a:solidFill>
+                  <a:schemeClr val="tx1"/>
+                </a:solidFill>
+                <a:latin typeface="Courier" pitchFamily="2" charset="0"/>
+              </a:rPr>
+              <a:t>nrow</a:t>
+            </a:r>
+            <a:r>
+              <a:rPr lang="en-US" sz="3200" dirty="0">
+                <a:solidFill>
+                  <a:schemeClr val="tx1"/>
+                </a:solidFill>
+                <a:latin typeface="Courier" pitchFamily="2" charset="0"/>
+              </a:rPr>
+              <a:t>(popular)</a:t>
+            </a:r>
+          </a:p>
+        </p:txBody>
+      </p:sp>
+    </p:spTree>
+    <p:extLst>
+      <p:ext uri="{BB962C8B-B14F-4D97-AF65-F5344CB8AC3E}">
+        <p14:creationId xmlns:p14="http://schemas.microsoft.com/office/powerpoint/2010/main" val="523774294"/>
+      </p:ext>
+    </p:extLst>
+  </p:cSld>
+  <p:clrMapOvr>
+    <a:masterClrMapping/>
+  </p:clrMapOvr>
+</p:sld>
+</file>
+
+<file path=ppt/slides/slide14.xml><?xml version="1.0" encoding="utf-8"?>
+<p:sld xmlns:a="http://schemas.openxmlformats.org/drawingml/2006/main" xmlns:r="http://schemas.openxmlformats.org/officeDocument/2006/relationships" xmlns:p="http://schemas.openxmlformats.org/presentationml/2006/main">
+  <p:cSld>
+    <p:spTree>
+      <p:nvGrpSpPr>
+        <p:cNvPr id="1" name=""/>
+        <p:cNvGrpSpPr/>
+        <p:nvPr/>
+      </p:nvGrpSpPr>
+      <p:grpSpPr>
+        <a:xfrm>
+          <a:off x="0" y="0"/>
+          <a:ext cx="0" cy="0"/>
+          <a:chOff x="0" y="0"/>
+          <a:chExt cx="0" cy="0"/>
+        </a:xfrm>
+      </p:grpSpPr>
+      <p:pic>
+        <p:nvPicPr>
+          <p:cNvPr id="5" name="Picture 4" descr="Shape&#10;&#10;Description automatically generated">
+            <a:extLst>
+              <a:ext uri="{FF2B5EF4-FFF2-40B4-BE49-F238E27FC236}">
+                <a16:creationId xmlns:a16="http://schemas.microsoft.com/office/drawing/2014/main" id="{534CEF08-45CD-0CEA-1D5C-9FB81FCBB888}"/>
+              </a:ext>
+            </a:extLst>
+          </p:cNvPr>
+          <p:cNvPicPr>
+            <a:picLocks noChangeAspect="1"/>
+          </p:cNvPicPr>
+          <p:nvPr/>
+        </p:nvPicPr>
+        <p:blipFill>
+          <a:blip r:embed="rId2"/>
+          <a:stretch>
+            <a:fillRect/>
+          </a:stretch>
+        </p:blipFill>
+        <p:spPr>
+          <a:xfrm>
+            <a:off x="4243736" y="1473202"/>
+            <a:ext cx="4429818" cy="3200400"/>
+          </a:xfrm>
+          <a:prstGeom prst="rect">
+            <a:avLst/>
+          </a:prstGeom>
+        </p:spPr>
+      </p:pic>
+      <p:sp>
+        <p:nvSpPr>
+          <p:cNvPr id="3" name="Content Placeholder 2">
+            <a:extLst>
+              <a:ext uri="{FF2B5EF4-FFF2-40B4-BE49-F238E27FC236}">
+                <a16:creationId xmlns:a16="http://schemas.microsoft.com/office/drawing/2014/main" id="{EE2D95F3-876D-BA1B-1C7A-74E262A4A6CD}"/>
+              </a:ext>
+            </a:extLst>
+          </p:cNvPr>
+          <p:cNvSpPr>
+            <a:spLocks noGrp="1"/>
+          </p:cNvSpPr>
+          <p:nvPr>
+            <p:ph idx="1"/>
+          </p:nvPr>
+        </p:nvSpPr>
+        <p:spPr>
+          <a:xfrm>
+            <a:off x="3869268" y="864108"/>
+            <a:ext cx="7750646" cy="5120640"/>
+          </a:xfrm>
+        </p:spPr>
+        <p:txBody>
+          <a:bodyPr anchor="t">
+            <a:normAutofit/>
+          </a:bodyPr>
+          <a:lstStyle/>
+          <a:p>
+            <a:pPr marL="0" indent="0">
+              <a:buNone/>
+            </a:pPr>
+            <a:r>
+              <a:rPr lang="en-US" sz="2800" b="1" dirty="0">
+                <a:latin typeface="Courier" pitchFamily="2" charset="0"/>
+              </a:rPr>
+              <a:t>arrange() </a:t>
+            </a:r>
+            <a:r>
+              <a:rPr lang="en-US" sz="2800" dirty="0"/>
+              <a:t>the rows in a specific order</a:t>
+            </a:r>
+          </a:p>
+          <a:p>
+            <a:pPr marL="0" indent="0">
+              <a:buNone/>
+            </a:pPr>
+            <a:endParaRPr lang="en-US" sz="2800" dirty="0"/>
+          </a:p>
+          <a:p>
+            <a:pPr marL="0" indent="0">
+              <a:buNone/>
+            </a:pPr>
+            <a:endParaRPr lang="en-US" sz="2800" dirty="0"/>
+          </a:p>
+          <a:p>
+            <a:pPr marL="0" indent="0">
+              <a:buNone/>
+            </a:pPr>
+            <a:endParaRPr lang="en-US" sz="2800" dirty="0"/>
+          </a:p>
+          <a:p>
+            <a:pPr marL="0" indent="0">
+              <a:buNone/>
+            </a:pPr>
+            <a:endParaRPr lang="en-US" sz="2800" dirty="0"/>
+          </a:p>
+          <a:p>
+            <a:pPr lvl="1"/>
+            <a:endParaRPr lang="en-US" sz="2600" dirty="0"/>
+          </a:p>
+          <a:p>
+            <a:pPr lvl="1"/>
+            <a:endParaRPr lang="en-US" sz="2600" dirty="0"/>
+          </a:p>
+          <a:p>
+            <a:pPr lvl="1"/>
+            <a:r>
+              <a:rPr lang="en-US" sz="2600" dirty="0"/>
+              <a:t>Order rows by value of a column(s) from low to high. Ex. </a:t>
+            </a:r>
+          </a:p>
+        </p:txBody>
+      </p:sp>
+      <p:sp>
+        <p:nvSpPr>
+          <p:cNvPr id="2" name="Title 1">
+            <a:extLst>
+              <a:ext uri="{FF2B5EF4-FFF2-40B4-BE49-F238E27FC236}">
+                <a16:creationId xmlns:a16="http://schemas.microsoft.com/office/drawing/2014/main" id="{A37F20A1-B9B8-F8C1-AC48-36671967C2B5}"/>
+              </a:ext>
+            </a:extLst>
+          </p:cNvPr>
+          <p:cNvSpPr>
+            <a:spLocks noGrp="1"/>
+          </p:cNvSpPr>
+          <p:nvPr>
+            <p:ph type="title"/>
+          </p:nvPr>
+        </p:nvSpPr>
+        <p:spPr/>
+        <p:txBody>
+          <a:bodyPr/>
+          <a:lstStyle/>
+          <a:p>
+            <a:r>
+              <a:rPr lang="en-US" dirty="0"/>
+              <a:t>The 5 Verbs: </a:t>
+            </a:r>
+            <a:r>
+              <a:rPr lang="en-US" dirty="0" err="1">
+                <a:latin typeface="Courier" pitchFamily="2" charset="0"/>
+              </a:rPr>
+              <a:t>dplyr</a:t>
+            </a:r>
+            <a:endParaRPr lang="en-US" dirty="0">
+              <a:latin typeface="Courier" pitchFamily="2" charset="0"/>
+            </a:endParaRPr>
+          </a:p>
+        </p:txBody>
+      </p:sp>
+      <p:sp>
+        <p:nvSpPr>
+          <p:cNvPr id="6" name="Rectangle 5">
+            <a:extLst>
+              <a:ext uri="{FF2B5EF4-FFF2-40B4-BE49-F238E27FC236}">
+                <a16:creationId xmlns:a16="http://schemas.microsoft.com/office/drawing/2014/main" id="{4B8C8884-7FD9-2275-95BF-467B2374BB1C}"/>
+              </a:ext>
+            </a:extLst>
+          </p:cNvPr>
+          <p:cNvSpPr/>
+          <p:nvPr/>
+        </p:nvSpPr>
+        <p:spPr>
+          <a:xfrm>
+            <a:off x="4662272" y="5099712"/>
+            <a:ext cx="4863915" cy="1128518"/>
+          </a:xfrm>
+          <a:prstGeom prst="rect">
+            <a:avLst/>
+          </a:prstGeom>
+          <a:solidFill>
+            <a:schemeClr val="bg1">
+              <a:lumMod val="95000"/>
+            </a:schemeClr>
+          </a:solidFill>
+          <a:ln>
+            <a:noFill/>
+          </a:ln>
+        </p:spPr>
+        <p:style>
+          <a:lnRef idx="2">
+            <a:schemeClr val="accent4">
+              <a:shade val="50000"/>
+            </a:schemeClr>
+          </a:lnRef>
+          <a:fillRef idx="1">
+            <a:schemeClr val="accent4"/>
+          </a:fillRef>
+          <a:effectRef idx="0">
+            <a:schemeClr val="accent4"/>
+          </a:effectRef>
+          <a:fontRef idx="minor">
+            <a:schemeClr val="lt1"/>
+          </a:fontRef>
+        </p:style>
+        <p:txBody>
+          <a:bodyPr rtlCol="0" anchor="ctr"/>
+          <a:lstStyle/>
+          <a:p>
+            <a:r>
+              <a:rPr lang="en-US" sz="2000" dirty="0">
+                <a:solidFill>
+                  <a:schemeClr val="tx1"/>
+                </a:solidFill>
+                <a:latin typeface="Courier" pitchFamily="2" charset="0"/>
+              </a:rPr>
+              <a:t>data %&gt;%</a:t>
+            </a:r>
+          </a:p>
+          <a:p>
+            <a:r>
+              <a:rPr lang="en-US" sz="2000" dirty="0">
+                <a:solidFill>
+                  <a:schemeClr val="tx1"/>
+                </a:solidFill>
+                <a:latin typeface="Courier" pitchFamily="2" charset="0"/>
+              </a:rPr>
+              <a:t>	arrange(a0)</a:t>
+            </a:r>
+          </a:p>
+        </p:txBody>
+      </p:sp>
+      <p:sp>
+        <p:nvSpPr>
+          <p:cNvPr id="16" name="Rectangle 15">
+            <a:extLst>
+              <a:ext uri="{FF2B5EF4-FFF2-40B4-BE49-F238E27FC236}">
+                <a16:creationId xmlns:a16="http://schemas.microsoft.com/office/drawing/2014/main" id="{01D988D5-97BA-2250-33E7-0177349A9325}"/>
+              </a:ext>
+            </a:extLst>
+          </p:cNvPr>
+          <p:cNvSpPr/>
+          <p:nvPr/>
+        </p:nvSpPr>
+        <p:spPr>
+          <a:xfrm>
+            <a:off x="4539566" y="1731810"/>
+            <a:ext cx="614271" cy="523220"/>
+          </a:xfrm>
+          <a:prstGeom prst="rect">
+            <a:avLst/>
+          </a:prstGeom>
+          <a:noFill/>
+        </p:spPr>
+        <p:txBody>
+          <a:bodyPr wrap="none" lIns="91440" tIns="45720" rIns="91440" bIns="45720">
+            <a:spAutoFit/>
+          </a:bodyPr>
+          <a:lstStyle/>
+          <a:p>
+            <a:pPr algn="ctr"/>
+            <a:r>
+              <a:rPr lang="en-US" sz="2800" b="1" cap="none" spc="0" dirty="0">
+                <a:ln w="10160">
+                  <a:solidFill>
+                    <a:schemeClr val="accent5"/>
+                  </a:solidFill>
+                  <a:prstDash val="solid"/>
+                </a:ln>
+                <a:solidFill>
+                  <a:srgbClr val="FFFFFF"/>
+                </a:solidFill>
+                <a:effectLst>
+                  <a:outerShdw blurRad="38100" dist="22860" dir="5400000" algn="tl" rotWithShape="0">
+                    <a:srgbClr val="000000">
+                      <a:alpha val="30000"/>
+                    </a:srgbClr>
+                  </a:outerShdw>
+                </a:effectLst>
+                <a:latin typeface="Courier" pitchFamily="2" charset="0"/>
+              </a:rPr>
+              <a:t>a0</a:t>
+            </a:r>
+          </a:p>
+        </p:txBody>
+      </p:sp>
+      <p:sp>
+        <p:nvSpPr>
+          <p:cNvPr id="17" name="Rectangle 16">
+            <a:extLst>
+              <a:ext uri="{FF2B5EF4-FFF2-40B4-BE49-F238E27FC236}">
+                <a16:creationId xmlns:a16="http://schemas.microsoft.com/office/drawing/2014/main" id="{BCF0E3BC-3DDF-6303-49BD-5605683B993A}"/>
+              </a:ext>
+            </a:extLst>
+          </p:cNvPr>
+          <p:cNvSpPr/>
+          <p:nvPr/>
+        </p:nvSpPr>
+        <p:spPr>
+          <a:xfrm>
+            <a:off x="5058450" y="1731810"/>
+            <a:ext cx="614271" cy="523220"/>
+          </a:xfrm>
+          <a:prstGeom prst="rect">
+            <a:avLst/>
+          </a:prstGeom>
+          <a:noFill/>
+        </p:spPr>
+        <p:txBody>
+          <a:bodyPr wrap="none" lIns="91440" tIns="45720" rIns="91440" bIns="45720">
+            <a:spAutoFit/>
+          </a:bodyPr>
+          <a:lstStyle/>
+          <a:p>
+            <a:pPr algn="ctr"/>
+            <a:r>
+              <a:rPr lang="en-US" sz="2800" b="1" cap="none" spc="0" dirty="0">
+                <a:ln w="10160">
+                  <a:solidFill>
+                    <a:schemeClr val="accent5"/>
+                  </a:solidFill>
+                  <a:prstDash val="solid"/>
+                </a:ln>
+                <a:solidFill>
+                  <a:srgbClr val="FFFFFF"/>
+                </a:solidFill>
+                <a:effectLst>
+                  <a:outerShdw blurRad="38100" dist="22860" dir="5400000" algn="tl" rotWithShape="0">
+                    <a:srgbClr val="000000">
+                      <a:alpha val="30000"/>
+                    </a:srgbClr>
+                  </a:outerShdw>
+                </a:effectLst>
+                <a:latin typeface="Courier" pitchFamily="2" charset="0"/>
+              </a:rPr>
+              <a:t>a1</a:t>
+            </a:r>
+          </a:p>
+        </p:txBody>
+      </p:sp>
+      <p:sp>
+        <p:nvSpPr>
+          <p:cNvPr id="18" name="Rectangle 17">
+            <a:extLst>
+              <a:ext uri="{FF2B5EF4-FFF2-40B4-BE49-F238E27FC236}">
+                <a16:creationId xmlns:a16="http://schemas.microsoft.com/office/drawing/2014/main" id="{D65D1DA7-F682-FD31-3471-21BA45712BC4}"/>
+              </a:ext>
+            </a:extLst>
+          </p:cNvPr>
+          <p:cNvSpPr/>
+          <p:nvPr/>
+        </p:nvSpPr>
+        <p:spPr>
+          <a:xfrm>
+            <a:off x="5564190" y="1734882"/>
+            <a:ext cx="614271" cy="523220"/>
+          </a:xfrm>
+          <a:prstGeom prst="rect">
+            <a:avLst/>
+          </a:prstGeom>
+          <a:noFill/>
+        </p:spPr>
+        <p:txBody>
+          <a:bodyPr wrap="none" lIns="91440" tIns="45720" rIns="91440" bIns="45720">
+            <a:spAutoFit/>
+          </a:bodyPr>
+          <a:lstStyle/>
+          <a:p>
+            <a:pPr algn="ctr"/>
+            <a:r>
+              <a:rPr lang="en-US" sz="2800" b="1" dirty="0">
+                <a:ln w="10160">
+                  <a:solidFill>
+                    <a:schemeClr val="accent5"/>
+                  </a:solidFill>
+                  <a:prstDash val="solid"/>
+                </a:ln>
+                <a:solidFill>
+                  <a:srgbClr val="FFFFFF"/>
+                </a:solidFill>
+                <a:effectLst>
+                  <a:outerShdw blurRad="38100" dist="22860" dir="5400000" algn="tl" rotWithShape="0">
+                    <a:srgbClr val="000000">
+                      <a:alpha val="30000"/>
+                    </a:srgbClr>
+                  </a:outerShdw>
+                </a:effectLst>
+                <a:latin typeface="Courier" pitchFamily="2" charset="0"/>
+              </a:rPr>
+              <a:t>b1</a:t>
+            </a:r>
+            <a:endParaRPr lang="en-US" sz="2800" b="1" cap="none" spc="0" dirty="0">
+              <a:ln w="10160">
+                <a:solidFill>
+                  <a:schemeClr val="accent5"/>
+                </a:solidFill>
+                <a:prstDash val="solid"/>
+              </a:ln>
+              <a:solidFill>
+                <a:srgbClr val="FFFFFF"/>
+              </a:solidFill>
+              <a:effectLst>
+                <a:outerShdw blurRad="38100" dist="22860" dir="5400000" algn="tl" rotWithShape="0">
+                  <a:srgbClr val="000000">
+                    <a:alpha val="30000"/>
+                  </a:srgbClr>
+                </a:outerShdw>
+              </a:effectLst>
+              <a:latin typeface="Courier" pitchFamily="2" charset="0"/>
+            </a:endParaRPr>
+          </a:p>
+        </p:txBody>
+      </p:sp>
+      <p:sp>
+        <p:nvSpPr>
+          <p:cNvPr id="21" name="Rectangle 20">
+            <a:extLst>
+              <a:ext uri="{FF2B5EF4-FFF2-40B4-BE49-F238E27FC236}">
+                <a16:creationId xmlns:a16="http://schemas.microsoft.com/office/drawing/2014/main" id="{5A9A0C49-F093-0F3B-1738-97C81799FD73}"/>
+              </a:ext>
+            </a:extLst>
+          </p:cNvPr>
+          <p:cNvSpPr/>
+          <p:nvPr/>
+        </p:nvSpPr>
+        <p:spPr>
+          <a:xfrm>
+            <a:off x="4679669" y="2178150"/>
+            <a:ext cx="399468" cy="523220"/>
+          </a:xfrm>
+          <a:prstGeom prst="rect">
+            <a:avLst/>
+          </a:prstGeom>
+          <a:noFill/>
+        </p:spPr>
+        <p:txBody>
+          <a:bodyPr wrap="none" lIns="91440" tIns="45720" rIns="91440" bIns="45720">
+            <a:spAutoFit/>
+          </a:bodyPr>
+          <a:lstStyle/>
+          <a:p>
+            <a:pPr algn="ctr"/>
+            <a:r>
+              <a:rPr lang="en-US" sz="2800" dirty="0">
+                <a:ln w="0"/>
+                <a:effectLst>
+                  <a:outerShdw blurRad="38100" dist="19050" dir="2700000" algn="tl" rotWithShape="0">
+                    <a:schemeClr val="dk1">
+                      <a:alpha val="40000"/>
+                    </a:schemeClr>
+                  </a:outerShdw>
+                </a:effectLst>
+                <a:latin typeface="Courier" pitchFamily="2" charset="0"/>
+              </a:rPr>
+              <a:t>2</a:t>
+            </a:r>
+          </a:p>
+        </p:txBody>
+      </p:sp>
+      <p:sp>
+        <p:nvSpPr>
+          <p:cNvPr id="22" name="Rectangle 21">
+            <a:extLst>
+              <a:ext uri="{FF2B5EF4-FFF2-40B4-BE49-F238E27FC236}">
+                <a16:creationId xmlns:a16="http://schemas.microsoft.com/office/drawing/2014/main" id="{33D6C51C-585A-7AC3-6EFB-B0D4C49F92E1}"/>
+              </a:ext>
+            </a:extLst>
+          </p:cNvPr>
+          <p:cNvSpPr/>
+          <p:nvPr/>
+        </p:nvSpPr>
+        <p:spPr>
+          <a:xfrm>
+            <a:off x="4675524" y="2699216"/>
+            <a:ext cx="399468" cy="523220"/>
+          </a:xfrm>
+          <a:prstGeom prst="rect">
+            <a:avLst/>
+          </a:prstGeom>
+          <a:noFill/>
+        </p:spPr>
+        <p:txBody>
+          <a:bodyPr wrap="none" lIns="91440" tIns="45720" rIns="91440" bIns="45720">
+            <a:spAutoFit/>
+          </a:bodyPr>
+          <a:lstStyle/>
+          <a:p>
+            <a:pPr algn="ctr"/>
+            <a:r>
+              <a:rPr lang="en-US" sz="2800" dirty="0">
+                <a:ln w="0"/>
+                <a:effectLst>
+                  <a:outerShdw blurRad="38100" dist="19050" dir="2700000" algn="tl" rotWithShape="0">
+                    <a:schemeClr val="dk1">
+                      <a:alpha val="40000"/>
+                    </a:schemeClr>
+                  </a:outerShdw>
+                </a:effectLst>
+                <a:latin typeface="Courier" pitchFamily="2" charset="0"/>
+              </a:rPr>
+              <a:t>5</a:t>
+            </a:r>
+          </a:p>
+        </p:txBody>
+      </p:sp>
+      <p:sp>
+        <p:nvSpPr>
+          <p:cNvPr id="24" name="Rectangle 23">
+            <a:extLst>
+              <a:ext uri="{FF2B5EF4-FFF2-40B4-BE49-F238E27FC236}">
+                <a16:creationId xmlns:a16="http://schemas.microsoft.com/office/drawing/2014/main" id="{D169869C-A7E9-7264-54FD-F5560683ACC8}"/>
+              </a:ext>
+            </a:extLst>
+          </p:cNvPr>
+          <p:cNvSpPr/>
+          <p:nvPr/>
+        </p:nvSpPr>
+        <p:spPr>
+          <a:xfrm>
+            <a:off x="4662272" y="3163037"/>
+            <a:ext cx="399468" cy="523220"/>
+          </a:xfrm>
+          <a:prstGeom prst="rect">
+            <a:avLst/>
+          </a:prstGeom>
+          <a:noFill/>
+        </p:spPr>
+        <p:txBody>
+          <a:bodyPr wrap="none" lIns="91440" tIns="45720" rIns="91440" bIns="45720">
+            <a:spAutoFit/>
+          </a:bodyPr>
+          <a:lstStyle/>
+          <a:p>
+            <a:pPr algn="ctr"/>
+            <a:r>
+              <a:rPr lang="en-US" sz="2800" dirty="0">
+                <a:ln w="0"/>
+                <a:effectLst>
+                  <a:outerShdw blurRad="38100" dist="19050" dir="2700000" algn="tl" rotWithShape="0">
+                    <a:schemeClr val="dk1">
+                      <a:alpha val="40000"/>
+                    </a:schemeClr>
+                  </a:outerShdw>
+                </a:effectLst>
+                <a:latin typeface="Courier" pitchFamily="2" charset="0"/>
+              </a:rPr>
+              <a:t>0</a:t>
+            </a:r>
+          </a:p>
+        </p:txBody>
+      </p:sp>
+      <p:sp>
+        <p:nvSpPr>
+          <p:cNvPr id="33" name="Rectangle 32">
+            <a:extLst>
+              <a:ext uri="{FF2B5EF4-FFF2-40B4-BE49-F238E27FC236}">
+                <a16:creationId xmlns:a16="http://schemas.microsoft.com/office/drawing/2014/main" id="{CBA20353-2624-21D6-159D-A4DFD0045C47}"/>
+              </a:ext>
+            </a:extLst>
+          </p:cNvPr>
+          <p:cNvSpPr/>
+          <p:nvPr/>
+        </p:nvSpPr>
+        <p:spPr>
+          <a:xfrm>
+            <a:off x="6852074" y="1764942"/>
+            <a:ext cx="614271" cy="523220"/>
+          </a:xfrm>
+          <a:prstGeom prst="rect">
+            <a:avLst/>
+          </a:prstGeom>
+          <a:noFill/>
+        </p:spPr>
+        <p:txBody>
+          <a:bodyPr wrap="none" lIns="91440" tIns="45720" rIns="91440" bIns="45720">
+            <a:spAutoFit/>
+          </a:bodyPr>
+          <a:lstStyle/>
+          <a:p>
+            <a:pPr algn="ctr"/>
+            <a:r>
+              <a:rPr lang="en-US" sz="2800" b="1" cap="none" spc="0" dirty="0">
+                <a:ln w="10160">
+                  <a:solidFill>
+                    <a:schemeClr val="accent5"/>
+                  </a:solidFill>
+                  <a:prstDash val="solid"/>
+                </a:ln>
+                <a:solidFill>
+                  <a:srgbClr val="FFFFFF"/>
+                </a:solidFill>
+                <a:effectLst>
+                  <a:outerShdw blurRad="38100" dist="22860" dir="5400000" algn="tl" rotWithShape="0">
+                    <a:srgbClr val="000000">
+                      <a:alpha val="30000"/>
+                    </a:srgbClr>
+                  </a:outerShdw>
+                </a:effectLst>
+                <a:latin typeface="Courier" pitchFamily="2" charset="0"/>
+              </a:rPr>
+              <a:t>a0</a:t>
+            </a:r>
+          </a:p>
+        </p:txBody>
+      </p:sp>
+      <p:sp>
+        <p:nvSpPr>
+          <p:cNvPr id="34" name="Rectangle 33">
+            <a:extLst>
+              <a:ext uri="{FF2B5EF4-FFF2-40B4-BE49-F238E27FC236}">
+                <a16:creationId xmlns:a16="http://schemas.microsoft.com/office/drawing/2014/main" id="{A11405E5-430C-5E36-394E-E7EBBBF6E72F}"/>
+              </a:ext>
+            </a:extLst>
+          </p:cNvPr>
+          <p:cNvSpPr/>
+          <p:nvPr/>
+        </p:nvSpPr>
+        <p:spPr>
+          <a:xfrm>
+            <a:off x="7331202" y="1764942"/>
+            <a:ext cx="614271" cy="523220"/>
+          </a:xfrm>
+          <a:prstGeom prst="rect">
+            <a:avLst/>
+          </a:prstGeom>
+          <a:noFill/>
+        </p:spPr>
+        <p:txBody>
+          <a:bodyPr wrap="none" lIns="91440" tIns="45720" rIns="91440" bIns="45720">
+            <a:spAutoFit/>
+          </a:bodyPr>
+          <a:lstStyle/>
+          <a:p>
+            <a:pPr algn="ctr"/>
+            <a:r>
+              <a:rPr lang="en-US" sz="2800" b="1" cap="none" spc="0" dirty="0">
+                <a:ln w="10160">
+                  <a:solidFill>
+                    <a:schemeClr val="accent5"/>
+                  </a:solidFill>
+                  <a:prstDash val="solid"/>
+                </a:ln>
+                <a:solidFill>
+                  <a:srgbClr val="FFFFFF"/>
+                </a:solidFill>
+                <a:effectLst>
+                  <a:outerShdw blurRad="38100" dist="22860" dir="5400000" algn="tl" rotWithShape="0">
+                    <a:srgbClr val="000000">
+                      <a:alpha val="30000"/>
+                    </a:srgbClr>
+                  </a:outerShdw>
+                </a:effectLst>
+                <a:latin typeface="Courier" pitchFamily="2" charset="0"/>
+              </a:rPr>
+              <a:t>a1</a:t>
+            </a:r>
+          </a:p>
+        </p:txBody>
+      </p:sp>
+      <p:sp>
+        <p:nvSpPr>
+          <p:cNvPr id="35" name="Rectangle 34">
+            <a:extLst>
+              <a:ext uri="{FF2B5EF4-FFF2-40B4-BE49-F238E27FC236}">
+                <a16:creationId xmlns:a16="http://schemas.microsoft.com/office/drawing/2014/main" id="{564274F3-E8A3-9DAD-03BF-90C04E81A59C}"/>
+              </a:ext>
+            </a:extLst>
+          </p:cNvPr>
+          <p:cNvSpPr/>
+          <p:nvPr/>
+        </p:nvSpPr>
+        <p:spPr>
+          <a:xfrm>
+            <a:off x="7797186" y="1768014"/>
+            <a:ext cx="614271" cy="523220"/>
+          </a:xfrm>
+          <a:prstGeom prst="rect">
+            <a:avLst/>
+          </a:prstGeom>
+          <a:noFill/>
+        </p:spPr>
+        <p:txBody>
+          <a:bodyPr wrap="none" lIns="91440" tIns="45720" rIns="91440" bIns="45720">
+            <a:spAutoFit/>
+          </a:bodyPr>
+          <a:lstStyle/>
+          <a:p>
+            <a:pPr algn="ctr"/>
+            <a:r>
+              <a:rPr lang="en-US" sz="2800" b="1" dirty="0">
+                <a:ln w="10160">
+                  <a:solidFill>
+                    <a:schemeClr val="accent5"/>
+                  </a:solidFill>
+                  <a:prstDash val="solid"/>
+                </a:ln>
+                <a:solidFill>
+                  <a:srgbClr val="FFFFFF"/>
+                </a:solidFill>
+                <a:effectLst>
+                  <a:outerShdw blurRad="38100" dist="22860" dir="5400000" algn="tl" rotWithShape="0">
+                    <a:srgbClr val="000000">
+                      <a:alpha val="30000"/>
+                    </a:srgbClr>
+                  </a:outerShdw>
+                </a:effectLst>
+                <a:latin typeface="Courier" pitchFamily="2" charset="0"/>
+              </a:rPr>
+              <a:t>b1</a:t>
+            </a:r>
+            <a:endParaRPr lang="en-US" sz="2800" b="1" cap="none" spc="0" dirty="0">
+              <a:ln w="10160">
+                <a:solidFill>
+                  <a:schemeClr val="accent5"/>
+                </a:solidFill>
+                <a:prstDash val="solid"/>
+              </a:ln>
+              <a:solidFill>
+                <a:srgbClr val="FFFFFF"/>
+              </a:solidFill>
+              <a:effectLst>
+                <a:outerShdw blurRad="38100" dist="22860" dir="5400000" algn="tl" rotWithShape="0">
+                  <a:srgbClr val="000000">
+                    <a:alpha val="30000"/>
+                  </a:srgbClr>
+                </a:outerShdw>
+              </a:effectLst>
+              <a:latin typeface="Courier" pitchFamily="2" charset="0"/>
+            </a:endParaRPr>
+          </a:p>
+        </p:txBody>
+      </p:sp>
+      <p:sp>
+        <p:nvSpPr>
+          <p:cNvPr id="41" name="Rectangle 40">
+            <a:extLst>
+              <a:ext uri="{FF2B5EF4-FFF2-40B4-BE49-F238E27FC236}">
+                <a16:creationId xmlns:a16="http://schemas.microsoft.com/office/drawing/2014/main" id="{025C2D13-524F-1E10-B836-6CBEBEC1CB9C}"/>
+              </a:ext>
+            </a:extLst>
+          </p:cNvPr>
+          <p:cNvSpPr/>
+          <p:nvPr/>
+        </p:nvSpPr>
+        <p:spPr>
+          <a:xfrm>
+            <a:off x="6954901" y="2261894"/>
+            <a:ext cx="399468" cy="523220"/>
+          </a:xfrm>
+          <a:prstGeom prst="rect">
+            <a:avLst/>
+          </a:prstGeom>
+          <a:noFill/>
+        </p:spPr>
+        <p:txBody>
+          <a:bodyPr wrap="none" lIns="91440" tIns="45720" rIns="91440" bIns="45720">
+            <a:spAutoFit/>
+          </a:bodyPr>
+          <a:lstStyle/>
+          <a:p>
+            <a:pPr algn="ctr"/>
+            <a:r>
+              <a:rPr lang="en-US" sz="2800" dirty="0">
+                <a:ln w="0"/>
+                <a:effectLst>
+                  <a:outerShdw blurRad="38100" dist="19050" dir="2700000" algn="tl" rotWithShape="0">
+                    <a:schemeClr val="dk1">
+                      <a:alpha val="40000"/>
+                    </a:schemeClr>
+                  </a:outerShdw>
+                </a:effectLst>
+                <a:latin typeface="Courier" pitchFamily="2" charset="0"/>
+              </a:rPr>
+              <a:t>0</a:t>
+            </a:r>
+          </a:p>
+        </p:txBody>
+      </p:sp>
+      <p:sp>
+        <p:nvSpPr>
+          <p:cNvPr id="42" name="Rectangle 41">
+            <a:extLst>
+              <a:ext uri="{FF2B5EF4-FFF2-40B4-BE49-F238E27FC236}">
+                <a16:creationId xmlns:a16="http://schemas.microsoft.com/office/drawing/2014/main" id="{4C94FB20-8C52-D841-C7DA-D33739B94228}"/>
+              </a:ext>
+            </a:extLst>
+          </p:cNvPr>
+          <p:cNvSpPr/>
+          <p:nvPr/>
+        </p:nvSpPr>
+        <p:spPr>
+          <a:xfrm>
+            <a:off x="6974780" y="2732346"/>
+            <a:ext cx="399468" cy="523220"/>
+          </a:xfrm>
+          <a:prstGeom prst="rect">
+            <a:avLst/>
+          </a:prstGeom>
+          <a:noFill/>
+        </p:spPr>
+        <p:txBody>
+          <a:bodyPr wrap="none" lIns="91440" tIns="45720" rIns="91440" bIns="45720">
+            <a:spAutoFit/>
+          </a:bodyPr>
+          <a:lstStyle/>
+          <a:p>
+            <a:pPr algn="ctr"/>
+            <a:r>
+              <a:rPr lang="en-US" sz="2800" dirty="0">
+                <a:ln w="0"/>
+                <a:effectLst>
+                  <a:outerShdw blurRad="38100" dist="19050" dir="2700000" algn="tl" rotWithShape="0">
+                    <a:schemeClr val="dk1">
+                      <a:alpha val="40000"/>
+                    </a:schemeClr>
+                  </a:outerShdw>
+                </a:effectLst>
+                <a:latin typeface="Courier" pitchFamily="2" charset="0"/>
+              </a:rPr>
+              <a:t>2</a:t>
+            </a:r>
+          </a:p>
+        </p:txBody>
+      </p:sp>
+      <p:sp>
+        <p:nvSpPr>
+          <p:cNvPr id="43" name="Rectangle 42">
+            <a:extLst>
+              <a:ext uri="{FF2B5EF4-FFF2-40B4-BE49-F238E27FC236}">
+                <a16:creationId xmlns:a16="http://schemas.microsoft.com/office/drawing/2014/main" id="{8CE6E607-C5D9-523B-61A1-89E52860D971}"/>
+              </a:ext>
+            </a:extLst>
+          </p:cNvPr>
+          <p:cNvSpPr/>
+          <p:nvPr/>
+        </p:nvSpPr>
+        <p:spPr>
+          <a:xfrm>
+            <a:off x="6974780" y="3222671"/>
+            <a:ext cx="399468" cy="523220"/>
+          </a:xfrm>
+          <a:prstGeom prst="rect">
+            <a:avLst/>
+          </a:prstGeom>
+          <a:noFill/>
+        </p:spPr>
+        <p:txBody>
+          <a:bodyPr wrap="none" lIns="91440" tIns="45720" rIns="91440" bIns="45720">
+            <a:spAutoFit/>
+          </a:bodyPr>
+          <a:lstStyle/>
+          <a:p>
+            <a:pPr algn="ctr"/>
+            <a:r>
+              <a:rPr lang="en-US" sz="2800" dirty="0">
+                <a:ln w="0"/>
+                <a:effectLst>
+                  <a:outerShdw blurRad="38100" dist="19050" dir="2700000" algn="tl" rotWithShape="0">
+                    <a:schemeClr val="dk1">
+                      <a:alpha val="40000"/>
+                    </a:schemeClr>
+                  </a:outerShdw>
+                </a:effectLst>
+                <a:latin typeface="Courier" pitchFamily="2" charset="0"/>
+              </a:rPr>
+              <a:t>3</a:t>
+            </a:r>
+          </a:p>
+        </p:txBody>
+      </p:sp>
+      <p:sp>
+        <p:nvSpPr>
+          <p:cNvPr id="37" name="Rectangle 36">
+            <a:extLst>
+              <a:ext uri="{FF2B5EF4-FFF2-40B4-BE49-F238E27FC236}">
+                <a16:creationId xmlns:a16="http://schemas.microsoft.com/office/drawing/2014/main" id="{6CBB9B0B-DDAC-6BB2-057E-DD712E521803}"/>
+              </a:ext>
+            </a:extLst>
+          </p:cNvPr>
+          <p:cNvSpPr/>
+          <p:nvPr/>
+        </p:nvSpPr>
+        <p:spPr>
+          <a:xfrm>
+            <a:off x="4682152" y="3620235"/>
+            <a:ext cx="399468" cy="523220"/>
+          </a:xfrm>
+          <a:prstGeom prst="rect">
+            <a:avLst/>
+          </a:prstGeom>
+          <a:noFill/>
+        </p:spPr>
+        <p:txBody>
+          <a:bodyPr wrap="none" lIns="91440" tIns="45720" rIns="91440" bIns="45720">
+            <a:spAutoFit/>
+          </a:bodyPr>
+          <a:lstStyle/>
+          <a:p>
+            <a:pPr algn="ctr"/>
+            <a:r>
+              <a:rPr lang="en-US" sz="2800" dirty="0">
+                <a:ln w="0"/>
+                <a:effectLst>
+                  <a:outerShdw blurRad="38100" dist="19050" dir="2700000" algn="tl" rotWithShape="0">
+                    <a:schemeClr val="dk1">
+                      <a:alpha val="40000"/>
+                    </a:schemeClr>
+                  </a:outerShdw>
+                </a:effectLst>
+                <a:latin typeface="Courier" pitchFamily="2" charset="0"/>
+              </a:rPr>
+              <a:t>3</a:t>
+            </a:r>
+          </a:p>
+        </p:txBody>
+      </p:sp>
+      <p:sp>
+        <p:nvSpPr>
+          <p:cNvPr id="38" name="Rectangle 37">
+            <a:extLst>
+              <a:ext uri="{FF2B5EF4-FFF2-40B4-BE49-F238E27FC236}">
+                <a16:creationId xmlns:a16="http://schemas.microsoft.com/office/drawing/2014/main" id="{372801C9-5B70-8B9B-E011-03B660928AFE}"/>
+              </a:ext>
+            </a:extLst>
+          </p:cNvPr>
+          <p:cNvSpPr/>
+          <p:nvPr/>
+        </p:nvSpPr>
+        <p:spPr>
+          <a:xfrm>
+            <a:off x="6968152" y="3675285"/>
+            <a:ext cx="399468" cy="523220"/>
+          </a:xfrm>
+          <a:prstGeom prst="rect">
+            <a:avLst/>
+          </a:prstGeom>
+          <a:noFill/>
+        </p:spPr>
+        <p:txBody>
+          <a:bodyPr wrap="none" lIns="91440" tIns="45720" rIns="91440" bIns="45720">
+            <a:spAutoFit/>
+          </a:bodyPr>
+          <a:lstStyle/>
+          <a:p>
+            <a:pPr algn="ctr"/>
+            <a:r>
+              <a:rPr lang="en-US" sz="2800" dirty="0">
+                <a:ln w="0"/>
+                <a:effectLst>
+                  <a:outerShdw blurRad="38100" dist="19050" dir="2700000" algn="tl" rotWithShape="0">
+                    <a:schemeClr val="dk1">
+                      <a:alpha val="40000"/>
+                    </a:schemeClr>
+                  </a:outerShdw>
+                </a:effectLst>
+                <a:latin typeface="Courier" pitchFamily="2" charset="0"/>
+              </a:rPr>
+              <a:t>5</a:t>
+            </a:r>
+          </a:p>
+        </p:txBody>
+      </p:sp>
+    </p:spTree>
+    <p:extLst>
+      <p:ext uri="{BB962C8B-B14F-4D97-AF65-F5344CB8AC3E}">
+        <p14:creationId xmlns:p14="http://schemas.microsoft.com/office/powerpoint/2010/main" val="4048794534"/>
+      </p:ext>
+    </p:extLst>
+  </p:cSld>
+  <p:clrMapOvr>
+    <a:masterClrMapping/>
+  </p:clrMapOvr>
+</p:sld>
+</file>
+
+<file path=ppt/slides/slide15.xml><?xml version="1.0" encoding="utf-8"?>
+<p:sld xmlns:a="http://schemas.openxmlformats.org/drawingml/2006/main" xmlns:r="http://schemas.openxmlformats.org/officeDocument/2006/relationships" xmlns:p="http://schemas.openxmlformats.org/presentationml/2006/main">
+  <p:cSld>
+    <p:spTree>
+      <p:nvGrpSpPr>
+        <p:cNvPr id="1" name=""/>
+        <p:cNvGrpSpPr/>
+        <p:nvPr/>
+      </p:nvGrpSpPr>
+      <p:grpSpPr>
+        <a:xfrm>
+          <a:off x="0" y="0"/>
+          <a:ext cx="0" cy="0"/>
+          <a:chOff x="0" y="0"/>
+          <a:chExt cx="0" cy="0"/>
+        </a:xfrm>
+      </p:grpSpPr>
+      <p:pic>
+        <p:nvPicPr>
+          <p:cNvPr id="5" name="Picture 4" descr="Shape&#10;&#10;Description automatically generated">
+            <a:extLst>
+              <a:ext uri="{FF2B5EF4-FFF2-40B4-BE49-F238E27FC236}">
+                <a16:creationId xmlns:a16="http://schemas.microsoft.com/office/drawing/2014/main" id="{534CEF08-45CD-0CEA-1D5C-9FB81FCBB888}"/>
+              </a:ext>
+            </a:extLst>
+          </p:cNvPr>
+          <p:cNvPicPr>
+            <a:picLocks noChangeAspect="1"/>
+          </p:cNvPicPr>
+          <p:nvPr/>
+        </p:nvPicPr>
+        <p:blipFill>
+          <a:blip r:embed="rId2"/>
+          <a:stretch>
+            <a:fillRect/>
+          </a:stretch>
+        </p:blipFill>
+        <p:spPr>
+          <a:xfrm>
+            <a:off x="4243736" y="1473202"/>
+            <a:ext cx="4429818" cy="3200400"/>
+          </a:xfrm>
+          <a:prstGeom prst="rect">
+            <a:avLst/>
+          </a:prstGeom>
+        </p:spPr>
+      </p:pic>
+      <p:sp>
+        <p:nvSpPr>
+          <p:cNvPr id="3" name="Content Placeholder 2">
+            <a:extLst>
+              <a:ext uri="{FF2B5EF4-FFF2-40B4-BE49-F238E27FC236}">
+                <a16:creationId xmlns:a16="http://schemas.microsoft.com/office/drawing/2014/main" id="{EE2D95F3-876D-BA1B-1C7A-74E262A4A6CD}"/>
+              </a:ext>
+            </a:extLst>
+          </p:cNvPr>
+          <p:cNvSpPr>
+            <a:spLocks noGrp="1"/>
+          </p:cNvSpPr>
+          <p:nvPr>
+            <p:ph idx="1"/>
+          </p:nvPr>
+        </p:nvSpPr>
+        <p:spPr>
+          <a:xfrm>
+            <a:off x="3869268" y="864108"/>
+            <a:ext cx="7750646" cy="5120640"/>
+          </a:xfrm>
+        </p:spPr>
+        <p:txBody>
+          <a:bodyPr anchor="t">
+            <a:normAutofit/>
+          </a:bodyPr>
+          <a:lstStyle/>
+          <a:p>
+            <a:pPr marL="0" indent="0">
+              <a:buNone/>
+            </a:pPr>
+            <a:r>
+              <a:rPr lang="en-US" sz="2800" b="1" dirty="0">
+                <a:latin typeface="Courier" pitchFamily="2" charset="0"/>
+              </a:rPr>
+              <a:t>arrange() </a:t>
+            </a:r>
+            <a:r>
+              <a:rPr lang="en-US" sz="2800" dirty="0"/>
+              <a:t>the rows in a specific order</a:t>
+            </a:r>
+          </a:p>
+          <a:p>
+            <a:pPr marL="0" indent="0">
+              <a:buNone/>
+            </a:pPr>
+            <a:endParaRPr lang="en-US" sz="2800" dirty="0"/>
+          </a:p>
+          <a:p>
+            <a:pPr marL="0" indent="0">
+              <a:buNone/>
+            </a:pPr>
+            <a:endParaRPr lang="en-US" sz="2800" dirty="0"/>
+          </a:p>
+          <a:p>
+            <a:pPr marL="0" indent="0">
+              <a:buNone/>
+            </a:pPr>
+            <a:endParaRPr lang="en-US" sz="2800" dirty="0"/>
+          </a:p>
+          <a:p>
+            <a:pPr marL="0" indent="0">
+              <a:buNone/>
+            </a:pPr>
+            <a:endParaRPr lang="en-US" sz="2800" dirty="0"/>
+          </a:p>
+          <a:p>
+            <a:pPr lvl="1"/>
+            <a:endParaRPr lang="en-US" sz="2600" dirty="0"/>
+          </a:p>
+          <a:p>
+            <a:pPr lvl="1"/>
+            <a:endParaRPr lang="en-US" sz="2600" dirty="0"/>
+          </a:p>
+          <a:p>
+            <a:pPr lvl="1"/>
+            <a:r>
+              <a:rPr lang="en-US" sz="2600" dirty="0"/>
+              <a:t>Order rows by value of a column(s) from low to high. Use </a:t>
+            </a:r>
+            <a:r>
+              <a:rPr lang="en-US" sz="2600" dirty="0">
+                <a:latin typeface="Courier" pitchFamily="2" charset="0"/>
+              </a:rPr>
+              <a:t>desc() </a:t>
+            </a:r>
+            <a:r>
+              <a:rPr lang="en-US" sz="2600" dirty="0"/>
+              <a:t>to go from high to low. Ex. </a:t>
+            </a:r>
+          </a:p>
+        </p:txBody>
+      </p:sp>
+      <p:sp>
+        <p:nvSpPr>
+          <p:cNvPr id="2" name="Title 1">
+            <a:extLst>
+              <a:ext uri="{FF2B5EF4-FFF2-40B4-BE49-F238E27FC236}">
+                <a16:creationId xmlns:a16="http://schemas.microsoft.com/office/drawing/2014/main" id="{A37F20A1-B9B8-F8C1-AC48-36671967C2B5}"/>
+              </a:ext>
+            </a:extLst>
+          </p:cNvPr>
+          <p:cNvSpPr>
+            <a:spLocks noGrp="1"/>
+          </p:cNvSpPr>
+          <p:nvPr>
+            <p:ph type="title"/>
+          </p:nvPr>
+        </p:nvSpPr>
+        <p:spPr/>
+        <p:txBody>
+          <a:bodyPr/>
+          <a:lstStyle/>
+          <a:p>
+            <a:r>
+              <a:rPr lang="en-US" dirty="0"/>
+              <a:t>The 5 Verbs: </a:t>
+            </a:r>
+            <a:r>
+              <a:rPr lang="en-US" dirty="0" err="1">
+                <a:latin typeface="Courier" pitchFamily="2" charset="0"/>
+              </a:rPr>
+              <a:t>dplyr</a:t>
+            </a:r>
+            <a:endParaRPr lang="en-US" dirty="0">
+              <a:latin typeface="Courier" pitchFamily="2" charset="0"/>
+            </a:endParaRPr>
+          </a:p>
+        </p:txBody>
+      </p:sp>
+      <p:sp>
+        <p:nvSpPr>
+          <p:cNvPr id="6" name="Rectangle 5">
+            <a:extLst>
+              <a:ext uri="{FF2B5EF4-FFF2-40B4-BE49-F238E27FC236}">
+                <a16:creationId xmlns:a16="http://schemas.microsoft.com/office/drawing/2014/main" id="{4B8C8884-7FD9-2275-95BF-467B2374BB1C}"/>
+              </a:ext>
+            </a:extLst>
+          </p:cNvPr>
+          <p:cNvSpPr/>
+          <p:nvPr/>
+        </p:nvSpPr>
+        <p:spPr>
+          <a:xfrm>
+            <a:off x="4662272" y="5099712"/>
+            <a:ext cx="4863915" cy="1128518"/>
+          </a:xfrm>
+          <a:prstGeom prst="rect">
+            <a:avLst/>
+          </a:prstGeom>
+          <a:solidFill>
+            <a:schemeClr val="bg1">
+              <a:lumMod val="95000"/>
+            </a:schemeClr>
+          </a:solidFill>
+          <a:ln>
+            <a:noFill/>
+          </a:ln>
+        </p:spPr>
+        <p:style>
+          <a:lnRef idx="2">
+            <a:schemeClr val="accent4">
+              <a:shade val="50000"/>
+            </a:schemeClr>
+          </a:lnRef>
+          <a:fillRef idx="1">
+            <a:schemeClr val="accent4"/>
+          </a:fillRef>
+          <a:effectRef idx="0">
+            <a:schemeClr val="accent4"/>
+          </a:effectRef>
+          <a:fontRef idx="minor">
+            <a:schemeClr val="lt1"/>
+          </a:fontRef>
+        </p:style>
+        <p:txBody>
+          <a:bodyPr rtlCol="0" anchor="ctr"/>
+          <a:lstStyle/>
+          <a:p>
+            <a:r>
+              <a:rPr lang="en-US" sz="2000" dirty="0">
+                <a:solidFill>
+                  <a:schemeClr val="tx1"/>
+                </a:solidFill>
+                <a:latin typeface="Courier" pitchFamily="2" charset="0"/>
+              </a:rPr>
+              <a:t>data %&gt;%</a:t>
+            </a:r>
+          </a:p>
+          <a:p>
+            <a:r>
+              <a:rPr lang="en-US" sz="2000" dirty="0">
+                <a:solidFill>
+                  <a:schemeClr val="tx1"/>
+                </a:solidFill>
+                <a:latin typeface="Courier" pitchFamily="2" charset="0"/>
+              </a:rPr>
+              <a:t>	arrange(desc(a0))</a:t>
+            </a:r>
+          </a:p>
+        </p:txBody>
+      </p:sp>
+      <p:sp>
+        <p:nvSpPr>
+          <p:cNvPr id="16" name="Rectangle 15">
+            <a:extLst>
+              <a:ext uri="{FF2B5EF4-FFF2-40B4-BE49-F238E27FC236}">
+                <a16:creationId xmlns:a16="http://schemas.microsoft.com/office/drawing/2014/main" id="{01D988D5-97BA-2250-33E7-0177349A9325}"/>
+              </a:ext>
+            </a:extLst>
+          </p:cNvPr>
+          <p:cNvSpPr/>
+          <p:nvPr/>
+        </p:nvSpPr>
+        <p:spPr>
+          <a:xfrm>
+            <a:off x="4539566" y="1731810"/>
+            <a:ext cx="614271" cy="523220"/>
+          </a:xfrm>
+          <a:prstGeom prst="rect">
+            <a:avLst/>
+          </a:prstGeom>
+          <a:noFill/>
+        </p:spPr>
+        <p:txBody>
+          <a:bodyPr wrap="none" lIns="91440" tIns="45720" rIns="91440" bIns="45720">
+            <a:spAutoFit/>
+          </a:bodyPr>
+          <a:lstStyle/>
+          <a:p>
+            <a:pPr algn="ctr"/>
+            <a:r>
+              <a:rPr lang="en-US" sz="2800" b="1" cap="none" spc="0" dirty="0">
+                <a:ln w="10160">
+                  <a:solidFill>
+                    <a:schemeClr val="accent5"/>
+                  </a:solidFill>
+                  <a:prstDash val="solid"/>
+                </a:ln>
+                <a:solidFill>
+                  <a:srgbClr val="FFFFFF"/>
+                </a:solidFill>
+                <a:effectLst>
+                  <a:outerShdw blurRad="38100" dist="22860" dir="5400000" algn="tl" rotWithShape="0">
+                    <a:srgbClr val="000000">
+                      <a:alpha val="30000"/>
+                    </a:srgbClr>
+                  </a:outerShdw>
+                </a:effectLst>
+                <a:latin typeface="Courier" pitchFamily="2" charset="0"/>
+              </a:rPr>
+              <a:t>a0</a:t>
+            </a:r>
+          </a:p>
+        </p:txBody>
+      </p:sp>
+      <p:sp>
+        <p:nvSpPr>
+          <p:cNvPr id="17" name="Rectangle 16">
+            <a:extLst>
+              <a:ext uri="{FF2B5EF4-FFF2-40B4-BE49-F238E27FC236}">
+                <a16:creationId xmlns:a16="http://schemas.microsoft.com/office/drawing/2014/main" id="{BCF0E3BC-3DDF-6303-49BD-5605683B993A}"/>
+              </a:ext>
+            </a:extLst>
+          </p:cNvPr>
+          <p:cNvSpPr/>
+          <p:nvPr/>
+        </p:nvSpPr>
+        <p:spPr>
+          <a:xfrm>
+            <a:off x="5058450" y="1731810"/>
+            <a:ext cx="614271" cy="523220"/>
+          </a:xfrm>
+          <a:prstGeom prst="rect">
+            <a:avLst/>
+          </a:prstGeom>
+          <a:noFill/>
+        </p:spPr>
+        <p:txBody>
+          <a:bodyPr wrap="none" lIns="91440" tIns="45720" rIns="91440" bIns="45720">
+            <a:spAutoFit/>
+          </a:bodyPr>
+          <a:lstStyle/>
+          <a:p>
+            <a:pPr algn="ctr"/>
+            <a:r>
+              <a:rPr lang="en-US" sz="2800" b="1" cap="none" spc="0" dirty="0">
+                <a:ln w="10160">
+                  <a:solidFill>
+                    <a:schemeClr val="accent5"/>
+                  </a:solidFill>
+                  <a:prstDash val="solid"/>
+                </a:ln>
+                <a:solidFill>
+                  <a:srgbClr val="FFFFFF"/>
+                </a:solidFill>
+                <a:effectLst>
+                  <a:outerShdw blurRad="38100" dist="22860" dir="5400000" algn="tl" rotWithShape="0">
+                    <a:srgbClr val="000000">
+                      <a:alpha val="30000"/>
+                    </a:srgbClr>
+                  </a:outerShdw>
+                </a:effectLst>
+                <a:latin typeface="Courier" pitchFamily="2" charset="0"/>
+              </a:rPr>
+              <a:t>a1</a:t>
+            </a:r>
+          </a:p>
+        </p:txBody>
+      </p:sp>
+      <p:sp>
+        <p:nvSpPr>
+          <p:cNvPr id="18" name="Rectangle 17">
+            <a:extLst>
+              <a:ext uri="{FF2B5EF4-FFF2-40B4-BE49-F238E27FC236}">
+                <a16:creationId xmlns:a16="http://schemas.microsoft.com/office/drawing/2014/main" id="{D65D1DA7-F682-FD31-3471-21BA45712BC4}"/>
+              </a:ext>
+            </a:extLst>
+          </p:cNvPr>
+          <p:cNvSpPr/>
+          <p:nvPr/>
+        </p:nvSpPr>
+        <p:spPr>
+          <a:xfrm>
+            <a:off x="5564190" y="1734882"/>
+            <a:ext cx="614271" cy="523220"/>
+          </a:xfrm>
+          <a:prstGeom prst="rect">
+            <a:avLst/>
+          </a:prstGeom>
+          <a:noFill/>
+        </p:spPr>
+        <p:txBody>
+          <a:bodyPr wrap="none" lIns="91440" tIns="45720" rIns="91440" bIns="45720">
+            <a:spAutoFit/>
+          </a:bodyPr>
+          <a:lstStyle/>
+          <a:p>
+            <a:pPr algn="ctr"/>
+            <a:r>
+              <a:rPr lang="en-US" sz="2800" b="1" dirty="0">
+                <a:ln w="10160">
+                  <a:solidFill>
+                    <a:schemeClr val="accent5"/>
+                  </a:solidFill>
+                  <a:prstDash val="solid"/>
+                </a:ln>
+                <a:solidFill>
+                  <a:srgbClr val="FFFFFF"/>
+                </a:solidFill>
+                <a:effectLst>
+                  <a:outerShdw blurRad="38100" dist="22860" dir="5400000" algn="tl" rotWithShape="0">
+                    <a:srgbClr val="000000">
+                      <a:alpha val="30000"/>
+                    </a:srgbClr>
+                  </a:outerShdw>
+                </a:effectLst>
+                <a:latin typeface="Courier" pitchFamily="2" charset="0"/>
+              </a:rPr>
+              <a:t>b1</a:t>
+            </a:r>
+            <a:endParaRPr lang="en-US" sz="2800" b="1" cap="none" spc="0" dirty="0">
+              <a:ln w="10160">
+                <a:solidFill>
+                  <a:schemeClr val="accent5"/>
+                </a:solidFill>
+                <a:prstDash val="solid"/>
+              </a:ln>
+              <a:solidFill>
+                <a:srgbClr val="FFFFFF"/>
+              </a:solidFill>
+              <a:effectLst>
+                <a:outerShdw blurRad="38100" dist="22860" dir="5400000" algn="tl" rotWithShape="0">
+                  <a:srgbClr val="000000">
+                    <a:alpha val="30000"/>
+                  </a:srgbClr>
+                </a:outerShdw>
+              </a:effectLst>
+              <a:latin typeface="Courier" pitchFamily="2" charset="0"/>
+            </a:endParaRPr>
+          </a:p>
+        </p:txBody>
+      </p:sp>
+      <p:sp>
+        <p:nvSpPr>
+          <p:cNvPr id="21" name="Rectangle 20">
+            <a:extLst>
+              <a:ext uri="{FF2B5EF4-FFF2-40B4-BE49-F238E27FC236}">
+                <a16:creationId xmlns:a16="http://schemas.microsoft.com/office/drawing/2014/main" id="{5A9A0C49-F093-0F3B-1738-97C81799FD73}"/>
+              </a:ext>
+            </a:extLst>
+          </p:cNvPr>
+          <p:cNvSpPr/>
+          <p:nvPr/>
+        </p:nvSpPr>
+        <p:spPr>
+          <a:xfrm>
+            <a:off x="4679669" y="2178150"/>
+            <a:ext cx="399468" cy="523220"/>
+          </a:xfrm>
+          <a:prstGeom prst="rect">
+            <a:avLst/>
+          </a:prstGeom>
+          <a:noFill/>
+        </p:spPr>
+        <p:txBody>
+          <a:bodyPr wrap="none" lIns="91440" tIns="45720" rIns="91440" bIns="45720">
+            <a:spAutoFit/>
+          </a:bodyPr>
+          <a:lstStyle/>
+          <a:p>
+            <a:pPr algn="ctr"/>
+            <a:r>
+              <a:rPr lang="en-US" sz="2800" dirty="0">
+                <a:ln w="0"/>
+                <a:effectLst>
+                  <a:outerShdw blurRad="38100" dist="19050" dir="2700000" algn="tl" rotWithShape="0">
+                    <a:schemeClr val="dk1">
+                      <a:alpha val="40000"/>
+                    </a:schemeClr>
+                  </a:outerShdw>
+                </a:effectLst>
+                <a:latin typeface="Courier" pitchFamily="2" charset="0"/>
+              </a:rPr>
+              <a:t>3</a:t>
+            </a:r>
+          </a:p>
+        </p:txBody>
+      </p:sp>
+      <p:sp>
+        <p:nvSpPr>
+          <p:cNvPr id="22" name="Rectangle 21">
+            <a:extLst>
+              <a:ext uri="{FF2B5EF4-FFF2-40B4-BE49-F238E27FC236}">
+                <a16:creationId xmlns:a16="http://schemas.microsoft.com/office/drawing/2014/main" id="{33D6C51C-585A-7AC3-6EFB-B0D4C49F92E1}"/>
+              </a:ext>
+            </a:extLst>
+          </p:cNvPr>
+          <p:cNvSpPr/>
+          <p:nvPr/>
+        </p:nvSpPr>
+        <p:spPr>
+          <a:xfrm>
+            <a:off x="4675524" y="2699216"/>
+            <a:ext cx="399468" cy="523220"/>
+          </a:xfrm>
+          <a:prstGeom prst="rect">
+            <a:avLst/>
+          </a:prstGeom>
+          <a:noFill/>
+        </p:spPr>
+        <p:txBody>
+          <a:bodyPr wrap="none" lIns="91440" tIns="45720" rIns="91440" bIns="45720">
+            <a:spAutoFit/>
+          </a:bodyPr>
+          <a:lstStyle/>
+          <a:p>
+            <a:pPr algn="ctr"/>
+            <a:r>
+              <a:rPr lang="en-US" sz="2800" dirty="0">
+                <a:ln w="0"/>
+                <a:effectLst>
+                  <a:outerShdw blurRad="38100" dist="19050" dir="2700000" algn="tl" rotWithShape="0">
+                    <a:schemeClr val="dk1">
+                      <a:alpha val="40000"/>
+                    </a:schemeClr>
+                  </a:outerShdw>
+                </a:effectLst>
+                <a:latin typeface="Courier" pitchFamily="2" charset="0"/>
+              </a:rPr>
+              <a:t>0</a:t>
+            </a:r>
+          </a:p>
+        </p:txBody>
+      </p:sp>
+      <p:sp>
+        <p:nvSpPr>
+          <p:cNvPr id="24" name="Rectangle 23">
+            <a:extLst>
+              <a:ext uri="{FF2B5EF4-FFF2-40B4-BE49-F238E27FC236}">
+                <a16:creationId xmlns:a16="http://schemas.microsoft.com/office/drawing/2014/main" id="{D169869C-A7E9-7264-54FD-F5560683ACC8}"/>
+              </a:ext>
+            </a:extLst>
+          </p:cNvPr>
+          <p:cNvSpPr/>
+          <p:nvPr/>
+        </p:nvSpPr>
+        <p:spPr>
+          <a:xfrm>
+            <a:off x="4662272" y="3163037"/>
+            <a:ext cx="399468" cy="523220"/>
+          </a:xfrm>
+          <a:prstGeom prst="rect">
+            <a:avLst/>
+          </a:prstGeom>
+          <a:noFill/>
+        </p:spPr>
+        <p:txBody>
+          <a:bodyPr wrap="none" lIns="91440" tIns="45720" rIns="91440" bIns="45720">
+            <a:spAutoFit/>
+          </a:bodyPr>
+          <a:lstStyle/>
+          <a:p>
+            <a:pPr algn="ctr"/>
+            <a:r>
+              <a:rPr lang="en-US" sz="2800" dirty="0">
+                <a:ln w="0"/>
+                <a:effectLst>
+                  <a:outerShdw blurRad="38100" dist="19050" dir="2700000" algn="tl" rotWithShape="0">
+                    <a:schemeClr val="dk1">
+                      <a:alpha val="40000"/>
+                    </a:schemeClr>
+                  </a:outerShdw>
+                </a:effectLst>
+                <a:latin typeface="Courier" pitchFamily="2" charset="0"/>
+              </a:rPr>
+              <a:t>5</a:t>
+            </a:r>
+          </a:p>
+        </p:txBody>
+      </p:sp>
+      <p:sp>
+        <p:nvSpPr>
+          <p:cNvPr id="33" name="Rectangle 32">
+            <a:extLst>
+              <a:ext uri="{FF2B5EF4-FFF2-40B4-BE49-F238E27FC236}">
+                <a16:creationId xmlns:a16="http://schemas.microsoft.com/office/drawing/2014/main" id="{CBA20353-2624-21D6-159D-A4DFD0045C47}"/>
+              </a:ext>
+            </a:extLst>
+          </p:cNvPr>
+          <p:cNvSpPr/>
+          <p:nvPr/>
+        </p:nvSpPr>
+        <p:spPr>
+          <a:xfrm>
+            <a:off x="6852074" y="1764942"/>
+            <a:ext cx="614271" cy="523220"/>
+          </a:xfrm>
+          <a:prstGeom prst="rect">
+            <a:avLst/>
+          </a:prstGeom>
+          <a:noFill/>
+        </p:spPr>
+        <p:txBody>
+          <a:bodyPr wrap="none" lIns="91440" tIns="45720" rIns="91440" bIns="45720">
+            <a:spAutoFit/>
+          </a:bodyPr>
+          <a:lstStyle/>
+          <a:p>
+            <a:pPr algn="ctr"/>
+            <a:r>
+              <a:rPr lang="en-US" sz="2800" b="1" cap="none" spc="0" dirty="0">
+                <a:ln w="10160">
+                  <a:solidFill>
+                    <a:schemeClr val="accent5"/>
+                  </a:solidFill>
+                  <a:prstDash val="solid"/>
+                </a:ln>
+                <a:solidFill>
+                  <a:srgbClr val="FFFFFF"/>
+                </a:solidFill>
+                <a:effectLst>
+                  <a:outerShdw blurRad="38100" dist="22860" dir="5400000" algn="tl" rotWithShape="0">
+                    <a:srgbClr val="000000">
+                      <a:alpha val="30000"/>
+                    </a:srgbClr>
+                  </a:outerShdw>
+                </a:effectLst>
+                <a:latin typeface="Courier" pitchFamily="2" charset="0"/>
+              </a:rPr>
+              <a:t>a0</a:t>
+            </a:r>
+          </a:p>
+        </p:txBody>
+      </p:sp>
+      <p:sp>
+        <p:nvSpPr>
+          <p:cNvPr id="34" name="Rectangle 33">
+            <a:extLst>
+              <a:ext uri="{FF2B5EF4-FFF2-40B4-BE49-F238E27FC236}">
+                <a16:creationId xmlns:a16="http://schemas.microsoft.com/office/drawing/2014/main" id="{A11405E5-430C-5E36-394E-E7EBBBF6E72F}"/>
+              </a:ext>
+            </a:extLst>
+          </p:cNvPr>
+          <p:cNvSpPr/>
+          <p:nvPr/>
+        </p:nvSpPr>
+        <p:spPr>
+          <a:xfrm>
+            <a:off x="7331202" y="1764942"/>
+            <a:ext cx="614271" cy="523220"/>
+          </a:xfrm>
+          <a:prstGeom prst="rect">
+            <a:avLst/>
+          </a:prstGeom>
+          <a:noFill/>
+        </p:spPr>
+        <p:txBody>
+          <a:bodyPr wrap="none" lIns="91440" tIns="45720" rIns="91440" bIns="45720">
+            <a:spAutoFit/>
+          </a:bodyPr>
+          <a:lstStyle/>
+          <a:p>
+            <a:pPr algn="ctr"/>
+            <a:r>
+              <a:rPr lang="en-US" sz="2800" b="1" cap="none" spc="0" dirty="0">
+                <a:ln w="10160">
+                  <a:solidFill>
+                    <a:schemeClr val="accent5"/>
+                  </a:solidFill>
+                  <a:prstDash val="solid"/>
+                </a:ln>
+                <a:solidFill>
+                  <a:srgbClr val="FFFFFF"/>
+                </a:solidFill>
+                <a:effectLst>
+                  <a:outerShdw blurRad="38100" dist="22860" dir="5400000" algn="tl" rotWithShape="0">
+                    <a:srgbClr val="000000">
+                      <a:alpha val="30000"/>
+                    </a:srgbClr>
+                  </a:outerShdw>
+                </a:effectLst>
+                <a:latin typeface="Courier" pitchFamily="2" charset="0"/>
+              </a:rPr>
+              <a:t>a1</a:t>
+            </a:r>
+          </a:p>
+        </p:txBody>
+      </p:sp>
+      <p:sp>
+        <p:nvSpPr>
+          <p:cNvPr id="35" name="Rectangle 34">
+            <a:extLst>
+              <a:ext uri="{FF2B5EF4-FFF2-40B4-BE49-F238E27FC236}">
+                <a16:creationId xmlns:a16="http://schemas.microsoft.com/office/drawing/2014/main" id="{564274F3-E8A3-9DAD-03BF-90C04E81A59C}"/>
+              </a:ext>
+            </a:extLst>
+          </p:cNvPr>
+          <p:cNvSpPr/>
+          <p:nvPr/>
+        </p:nvSpPr>
+        <p:spPr>
+          <a:xfrm>
+            <a:off x="7797186" y="1768014"/>
+            <a:ext cx="614271" cy="523220"/>
+          </a:xfrm>
+          <a:prstGeom prst="rect">
+            <a:avLst/>
+          </a:prstGeom>
+          <a:noFill/>
+        </p:spPr>
+        <p:txBody>
+          <a:bodyPr wrap="none" lIns="91440" tIns="45720" rIns="91440" bIns="45720">
+            <a:spAutoFit/>
+          </a:bodyPr>
+          <a:lstStyle/>
+          <a:p>
+            <a:pPr algn="ctr"/>
+            <a:r>
+              <a:rPr lang="en-US" sz="2800" b="1" dirty="0">
+                <a:ln w="10160">
+                  <a:solidFill>
+                    <a:schemeClr val="accent5"/>
+                  </a:solidFill>
+                  <a:prstDash val="solid"/>
+                </a:ln>
+                <a:solidFill>
+                  <a:srgbClr val="FFFFFF"/>
+                </a:solidFill>
+                <a:effectLst>
+                  <a:outerShdw blurRad="38100" dist="22860" dir="5400000" algn="tl" rotWithShape="0">
+                    <a:srgbClr val="000000">
+                      <a:alpha val="30000"/>
+                    </a:srgbClr>
+                  </a:outerShdw>
+                </a:effectLst>
+                <a:latin typeface="Courier" pitchFamily="2" charset="0"/>
+              </a:rPr>
+              <a:t>b1</a:t>
+            </a:r>
+            <a:endParaRPr lang="en-US" sz="2800" b="1" cap="none" spc="0" dirty="0">
+              <a:ln w="10160">
+                <a:solidFill>
+                  <a:schemeClr val="accent5"/>
+                </a:solidFill>
+                <a:prstDash val="solid"/>
+              </a:ln>
+              <a:solidFill>
+                <a:srgbClr val="FFFFFF"/>
+              </a:solidFill>
+              <a:effectLst>
+                <a:outerShdw blurRad="38100" dist="22860" dir="5400000" algn="tl" rotWithShape="0">
+                  <a:srgbClr val="000000">
+                    <a:alpha val="30000"/>
+                  </a:srgbClr>
+                </a:outerShdw>
+              </a:effectLst>
+              <a:latin typeface="Courier" pitchFamily="2" charset="0"/>
+            </a:endParaRPr>
+          </a:p>
+        </p:txBody>
+      </p:sp>
+      <p:sp>
+        <p:nvSpPr>
+          <p:cNvPr id="41" name="Rectangle 40">
+            <a:extLst>
+              <a:ext uri="{FF2B5EF4-FFF2-40B4-BE49-F238E27FC236}">
+                <a16:creationId xmlns:a16="http://schemas.microsoft.com/office/drawing/2014/main" id="{025C2D13-524F-1E10-B836-6CBEBEC1CB9C}"/>
+              </a:ext>
+            </a:extLst>
+          </p:cNvPr>
+          <p:cNvSpPr/>
+          <p:nvPr/>
+        </p:nvSpPr>
+        <p:spPr>
+          <a:xfrm>
+            <a:off x="6954901" y="2261894"/>
+            <a:ext cx="399468" cy="523220"/>
+          </a:xfrm>
+          <a:prstGeom prst="rect">
+            <a:avLst/>
+          </a:prstGeom>
+          <a:noFill/>
+        </p:spPr>
+        <p:txBody>
+          <a:bodyPr wrap="none" lIns="91440" tIns="45720" rIns="91440" bIns="45720">
+            <a:spAutoFit/>
+          </a:bodyPr>
+          <a:lstStyle/>
+          <a:p>
+            <a:pPr algn="ctr"/>
+            <a:r>
+              <a:rPr lang="en-US" sz="2800" dirty="0">
+                <a:ln w="0"/>
+                <a:effectLst>
+                  <a:outerShdw blurRad="38100" dist="19050" dir="2700000" algn="tl" rotWithShape="0">
+                    <a:schemeClr val="dk1">
+                      <a:alpha val="40000"/>
+                    </a:schemeClr>
+                  </a:outerShdw>
+                </a:effectLst>
+                <a:latin typeface="Courier" pitchFamily="2" charset="0"/>
+              </a:rPr>
+              <a:t>5</a:t>
+            </a:r>
+          </a:p>
+        </p:txBody>
+      </p:sp>
+      <p:sp>
+        <p:nvSpPr>
+          <p:cNvPr id="42" name="Rectangle 41">
+            <a:extLst>
+              <a:ext uri="{FF2B5EF4-FFF2-40B4-BE49-F238E27FC236}">
+                <a16:creationId xmlns:a16="http://schemas.microsoft.com/office/drawing/2014/main" id="{4C94FB20-8C52-D841-C7DA-D33739B94228}"/>
+              </a:ext>
+            </a:extLst>
+          </p:cNvPr>
+          <p:cNvSpPr/>
+          <p:nvPr/>
+        </p:nvSpPr>
+        <p:spPr>
+          <a:xfrm>
+            <a:off x="6974780" y="2732346"/>
+            <a:ext cx="399468" cy="523220"/>
+          </a:xfrm>
+          <a:prstGeom prst="rect">
+            <a:avLst/>
+          </a:prstGeom>
+          <a:noFill/>
+        </p:spPr>
+        <p:txBody>
+          <a:bodyPr wrap="none" lIns="91440" tIns="45720" rIns="91440" bIns="45720">
+            <a:spAutoFit/>
+          </a:bodyPr>
+          <a:lstStyle/>
+          <a:p>
+            <a:pPr algn="ctr"/>
+            <a:r>
+              <a:rPr lang="en-US" sz="2800" dirty="0">
+                <a:ln w="0"/>
+                <a:effectLst>
+                  <a:outerShdw blurRad="38100" dist="19050" dir="2700000" algn="tl" rotWithShape="0">
+                    <a:schemeClr val="dk1">
+                      <a:alpha val="40000"/>
+                    </a:schemeClr>
+                  </a:outerShdw>
+                </a:effectLst>
+                <a:latin typeface="Courier" pitchFamily="2" charset="0"/>
+              </a:rPr>
+              <a:t>3</a:t>
+            </a:r>
+          </a:p>
+        </p:txBody>
+      </p:sp>
+      <p:sp>
+        <p:nvSpPr>
+          <p:cNvPr id="43" name="Rectangle 42">
+            <a:extLst>
+              <a:ext uri="{FF2B5EF4-FFF2-40B4-BE49-F238E27FC236}">
+                <a16:creationId xmlns:a16="http://schemas.microsoft.com/office/drawing/2014/main" id="{8CE6E607-C5D9-523B-61A1-89E52860D971}"/>
+              </a:ext>
+            </a:extLst>
+          </p:cNvPr>
+          <p:cNvSpPr/>
+          <p:nvPr/>
+        </p:nvSpPr>
+        <p:spPr>
+          <a:xfrm>
+            <a:off x="6974780" y="3222671"/>
+            <a:ext cx="399468" cy="523220"/>
+          </a:xfrm>
+          <a:prstGeom prst="rect">
+            <a:avLst/>
+          </a:prstGeom>
+          <a:noFill/>
+        </p:spPr>
+        <p:txBody>
+          <a:bodyPr wrap="none" lIns="91440" tIns="45720" rIns="91440" bIns="45720">
+            <a:spAutoFit/>
+          </a:bodyPr>
+          <a:lstStyle/>
+          <a:p>
+            <a:pPr algn="ctr"/>
+            <a:r>
+              <a:rPr lang="en-US" sz="2800" dirty="0">
+                <a:ln w="0"/>
+                <a:effectLst>
+                  <a:outerShdw blurRad="38100" dist="19050" dir="2700000" algn="tl" rotWithShape="0">
+                    <a:schemeClr val="dk1">
+                      <a:alpha val="40000"/>
+                    </a:schemeClr>
+                  </a:outerShdw>
+                </a:effectLst>
+                <a:latin typeface="Courier" pitchFamily="2" charset="0"/>
+              </a:rPr>
+              <a:t>2</a:t>
+            </a:r>
+          </a:p>
+        </p:txBody>
+      </p:sp>
+      <p:sp>
+        <p:nvSpPr>
+          <p:cNvPr id="37" name="Rectangle 36">
+            <a:extLst>
+              <a:ext uri="{FF2B5EF4-FFF2-40B4-BE49-F238E27FC236}">
+                <a16:creationId xmlns:a16="http://schemas.microsoft.com/office/drawing/2014/main" id="{6CBB9B0B-DDAC-6BB2-057E-DD712E521803}"/>
+              </a:ext>
+            </a:extLst>
+          </p:cNvPr>
+          <p:cNvSpPr/>
+          <p:nvPr/>
+        </p:nvSpPr>
+        <p:spPr>
+          <a:xfrm>
+            <a:off x="4682152" y="3620235"/>
+            <a:ext cx="399468" cy="523220"/>
+          </a:xfrm>
+          <a:prstGeom prst="rect">
+            <a:avLst/>
+          </a:prstGeom>
+          <a:noFill/>
+        </p:spPr>
+        <p:txBody>
+          <a:bodyPr wrap="none" lIns="91440" tIns="45720" rIns="91440" bIns="45720">
+            <a:spAutoFit/>
+          </a:bodyPr>
+          <a:lstStyle/>
+          <a:p>
+            <a:pPr algn="ctr"/>
+            <a:r>
+              <a:rPr lang="en-US" sz="2800" dirty="0">
+                <a:ln w="0"/>
+                <a:effectLst>
+                  <a:outerShdw blurRad="38100" dist="19050" dir="2700000" algn="tl" rotWithShape="0">
+                    <a:schemeClr val="dk1">
+                      <a:alpha val="40000"/>
+                    </a:schemeClr>
+                  </a:outerShdw>
+                </a:effectLst>
+                <a:latin typeface="Courier" pitchFamily="2" charset="0"/>
+              </a:rPr>
+              <a:t>2</a:t>
+            </a:r>
+          </a:p>
+        </p:txBody>
+      </p:sp>
+      <p:sp>
+        <p:nvSpPr>
+          <p:cNvPr id="38" name="Rectangle 37">
+            <a:extLst>
+              <a:ext uri="{FF2B5EF4-FFF2-40B4-BE49-F238E27FC236}">
+                <a16:creationId xmlns:a16="http://schemas.microsoft.com/office/drawing/2014/main" id="{372801C9-5B70-8B9B-E011-03B660928AFE}"/>
+              </a:ext>
+            </a:extLst>
+          </p:cNvPr>
+          <p:cNvSpPr/>
+          <p:nvPr/>
+        </p:nvSpPr>
+        <p:spPr>
+          <a:xfrm>
+            <a:off x="6968152" y="3675285"/>
+            <a:ext cx="399468" cy="523220"/>
+          </a:xfrm>
+          <a:prstGeom prst="rect">
+            <a:avLst/>
+          </a:prstGeom>
+          <a:noFill/>
+        </p:spPr>
+        <p:txBody>
+          <a:bodyPr wrap="none" lIns="91440" tIns="45720" rIns="91440" bIns="45720">
+            <a:spAutoFit/>
+          </a:bodyPr>
+          <a:lstStyle/>
+          <a:p>
+            <a:pPr algn="ctr"/>
+            <a:r>
+              <a:rPr lang="en-US" sz="2800" dirty="0">
+                <a:ln w="0"/>
+                <a:effectLst>
+                  <a:outerShdw blurRad="38100" dist="19050" dir="2700000" algn="tl" rotWithShape="0">
+                    <a:schemeClr val="dk1">
+                      <a:alpha val="40000"/>
+                    </a:schemeClr>
+                  </a:outerShdw>
+                </a:effectLst>
+                <a:latin typeface="Courier" pitchFamily="2" charset="0"/>
+              </a:rPr>
+              <a:t>0</a:t>
+            </a:r>
+          </a:p>
+        </p:txBody>
+      </p:sp>
+    </p:spTree>
+    <p:extLst>
+      <p:ext uri="{BB962C8B-B14F-4D97-AF65-F5344CB8AC3E}">
+        <p14:creationId xmlns:p14="http://schemas.microsoft.com/office/powerpoint/2010/main" val="1226096469"/>
+      </p:ext>
+    </p:extLst>
+  </p:cSld>
+  <p:clrMapOvr>
+    <a:masterClrMapping/>
+  </p:clrMapOvr>
+</p:sld>
+</file>
+
+<file path=ppt/slides/slide16.xml><?xml version="1.0" encoding="utf-8"?>
+<p:sld xmlns:a="http://schemas.openxmlformats.org/drawingml/2006/main" xmlns:r="http://schemas.openxmlformats.org/officeDocument/2006/relationships" xmlns:p="http://schemas.openxmlformats.org/presentationml/2006/main">
+  <p:cSld>
+    <p:spTree>
+      <p:nvGrpSpPr>
+        <p:cNvPr id="1" name=""/>
+        <p:cNvGrpSpPr/>
+        <p:nvPr/>
+      </p:nvGrpSpPr>
+      <p:grpSpPr>
+        <a:xfrm>
+          <a:off x="0" y="0"/>
+          <a:ext cx="0" cy="0"/>
+          <a:chOff x="0" y="0"/>
+          <a:chExt cx="0" cy="0"/>
+        </a:xfrm>
+      </p:grpSpPr>
+      <p:sp>
+        <p:nvSpPr>
+          <p:cNvPr id="3" name="Content Placeholder 2">
+            <a:extLst>
+              <a:ext uri="{FF2B5EF4-FFF2-40B4-BE49-F238E27FC236}">
+                <a16:creationId xmlns:a16="http://schemas.microsoft.com/office/drawing/2014/main" id="{EE2D95F3-876D-BA1B-1C7A-74E262A4A6CD}"/>
+              </a:ext>
+            </a:extLst>
+          </p:cNvPr>
+          <p:cNvSpPr>
+            <a:spLocks noGrp="1"/>
+          </p:cNvSpPr>
+          <p:nvPr>
+            <p:ph idx="1"/>
+          </p:nvPr>
+        </p:nvSpPr>
+        <p:spPr>
+          <a:xfrm>
+            <a:off x="3869268" y="864108"/>
+            <a:ext cx="7750646" cy="5120640"/>
+          </a:xfrm>
+        </p:spPr>
+        <p:txBody>
+          <a:bodyPr anchor="t">
+            <a:normAutofit/>
+          </a:bodyPr>
+          <a:lstStyle/>
+          <a:p>
+            <a:pPr marL="0" indent="0">
+              <a:buNone/>
+            </a:pPr>
+            <a:r>
+              <a:rPr lang="en-US" sz="2800" b="1" dirty="0">
+                <a:latin typeface="Courier" pitchFamily="2" charset="0"/>
+              </a:rPr>
+              <a:t>arrange() </a:t>
+            </a:r>
+            <a:r>
+              <a:rPr lang="en-US" sz="2800" dirty="0"/>
+              <a:t>the rows in a specific order</a:t>
+            </a:r>
+          </a:p>
+          <a:p>
+            <a:r>
+              <a:rPr lang="en-US" sz="2800" dirty="0"/>
+              <a:t>Work with whoever is near you to find the most popular names of all time</a:t>
+            </a:r>
+          </a:p>
+          <a:p>
+            <a:pPr marL="0" indent="0">
+              <a:buNone/>
+            </a:pPr>
+            <a:endParaRPr lang="en-US" sz="2800" dirty="0"/>
+          </a:p>
+        </p:txBody>
+      </p:sp>
+      <p:sp>
+        <p:nvSpPr>
+          <p:cNvPr id="2" name="Title 1">
+            <a:extLst>
+              <a:ext uri="{FF2B5EF4-FFF2-40B4-BE49-F238E27FC236}">
+                <a16:creationId xmlns:a16="http://schemas.microsoft.com/office/drawing/2014/main" id="{A37F20A1-B9B8-F8C1-AC48-36671967C2B5}"/>
+              </a:ext>
+            </a:extLst>
+          </p:cNvPr>
+          <p:cNvSpPr>
+            <a:spLocks noGrp="1"/>
+          </p:cNvSpPr>
+          <p:nvPr>
+            <p:ph type="title"/>
+          </p:nvPr>
+        </p:nvSpPr>
+        <p:spPr/>
+        <p:txBody>
+          <a:bodyPr/>
+          <a:lstStyle/>
+          <a:p>
+            <a:r>
+              <a:rPr lang="en-US" dirty="0"/>
+              <a:t>The 5 Verbs: </a:t>
+            </a:r>
+            <a:r>
+              <a:rPr lang="en-US" dirty="0" err="1">
+                <a:latin typeface="Courier" pitchFamily="2" charset="0"/>
+              </a:rPr>
+              <a:t>dplyr</a:t>
+            </a:r>
+            <a:endParaRPr lang="en-US" dirty="0">
+              <a:latin typeface="Courier" pitchFamily="2" charset="0"/>
+            </a:endParaRPr>
+          </a:p>
+        </p:txBody>
+      </p:sp>
+    </p:spTree>
+    <p:extLst>
+      <p:ext uri="{BB962C8B-B14F-4D97-AF65-F5344CB8AC3E}">
+        <p14:creationId xmlns:p14="http://schemas.microsoft.com/office/powerpoint/2010/main" val="699825700"/>
+      </p:ext>
+    </p:extLst>
+  </p:cSld>
+  <p:clrMapOvr>
+    <a:masterClrMapping/>
+  </p:clrMapOvr>
+</p:sld>
+</file>
+
+<file path=ppt/slides/slide17.xml><?xml version="1.0" encoding="utf-8"?>
+<p:sld xmlns:a="http://schemas.openxmlformats.org/drawingml/2006/main" xmlns:r="http://schemas.openxmlformats.org/officeDocument/2006/relationships" xmlns:p="http://schemas.openxmlformats.org/presentationml/2006/main">
+  <p:cSld>
+    <p:spTree>
+      <p:nvGrpSpPr>
+        <p:cNvPr id="1" name=""/>
+        <p:cNvGrpSpPr/>
+        <p:nvPr/>
+      </p:nvGrpSpPr>
+      <p:grpSpPr>
+        <a:xfrm>
+          <a:off x="0" y="0"/>
+          <a:ext cx="0" cy="0"/>
+          <a:chOff x="0" y="0"/>
+          <a:chExt cx="0" cy="0"/>
+        </a:xfrm>
+      </p:grpSpPr>
+      <p:sp>
+        <p:nvSpPr>
+          <p:cNvPr id="3" name="Content Placeholder 2">
+            <a:extLst>
+              <a:ext uri="{FF2B5EF4-FFF2-40B4-BE49-F238E27FC236}">
+                <a16:creationId xmlns:a16="http://schemas.microsoft.com/office/drawing/2014/main" id="{EE2D95F3-876D-BA1B-1C7A-74E262A4A6CD}"/>
+              </a:ext>
+            </a:extLst>
+          </p:cNvPr>
+          <p:cNvSpPr>
+            <a:spLocks noGrp="1"/>
+          </p:cNvSpPr>
+          <p:nvPr>
+            <p:ph idx="1"/>
+          </p:nvPr>
+        </p:nvSpPr>
+        <p:spPr>
+          <a:xfrm>
+            <a:off x="3869268" y="864108"/>
+            <a:ext cx="7750646" cy="5120640"/>
+          </a:xfrm>
+        </p:spPr>
+        <p:txBody>
+          <a:bodyPr anchor="t">
+            <a:normAutofit/>
+          </a:bodyPr>
+          <a:lstStyle/>
+          <a:p>
+            <a:pPr marL="0" indent="0">
+              <a:buNone/>
+            </a:pPr>
+            <a:r>
+              <a:rPr lang="en-US" sz="2800" b="1" dirty="0">
+                <a:latin typeface="Courier" pitchFamily="2" charset="0"/>
+              </a:rPr>
+              <a:t>arrange() </a:t>
+            </a:r>
+            <a:r>
+              <a:rPr lang="en-US" sz="2800" dirty="0"/>
+              <a:t>the rows in a specific order</a:t>
+            </a:r>
+          </a:p>
+          <a:p>
+            <a:r>
+              <a:rPr lang="en-US" sz="2800" dirty="0"/>
+              <a:t>Work with whoever is near you to find the most popular names of all time</a:t>
+            </a:r>
+          </a:p>
+          <a:p>
+            <a:pPr marL="0" indent="0">
+              <a:buNone/>
+            </a:pPr>
+            <a:endParaRPr lang="en-US" sz="2800" dirty="0"/>
+          </a:p>
+        </p:txBody>
+      </p:sp>
+      <p:sp>
+        <p:nvSpPr>
+          <p:cNvPr id="2" name="Title 1">
+            <a:extLst>
+              <a:ext uri="{FF2B5EF4-FFF2-40B4-BE49-F238E27FC236}">
+                <a16:creationId xmlns:a16="http://schemas.microsoft.com/office/drawing/2014/main" id="{A37F20A1-B9B8-F8C1-AC48-36671967C2B5}"/>
+              </a:ext>
+            </a:extLst>
+          </p:cNvPr>
+          <p:cNvSpPr>
+            <a:spLocks noGrp="1"/>
+          </p:cNvSpPr>
+          <p:nvPr>
+            <p:ph type="title"/>
+          </p:nvPr>
+        </p:nvSpPr>
+        <p:spPr/>
+        <p:txBody>
+          <a:bodyPr/>
+          <a:lstStyle/>
+          <a:p>
+            <a:r>
+              <a:rPr lang="en-US" dirty="0"/>
+              <a:t>The 5 Verbs: </a:t>
+            </a:r>
+            <a:r>
+              <a:rPr lang="en-US" dirty="0" err="1">
+                <a:latin typeface="Courier" pitchFamily="2" charset="0"/>
+              </a:rPr>
+              <a:t>dplyr</a:t>
+            </a:r>
+            <a:endParaRPr lang="en-US" dirty="0">
+              <a:latin typeface="Courier" pitchFamily="2" charset="0"/>
+            </a:endParaRPr>
+          </a:p>
+        </p:txBody>
+      </p:sp>
+      <p:sp>
+        <p:nvSpPr>
+          <p:cNvPr id="4" name="Rectangle 3">
+            <a:extLst>
+              <a:ext uri="{FF2B5EF4-FFF2-40B4-BE49-F238E27FC236}">
+                <a16:creationId xmlns:a16="http://schemas.microsoft.com/office/drawing/2014/main" id="{C72A0DEF-BCBE-5FC1-370A-906C4AAB3D70}"/>
+              </a:ext>
+            </a:extLst>
+          </p:cNvPr>
+          <p:cNvSpPr/>
+          <p:nvPr/>
+        </p:nvSpPr>
+        <p:spPr>
+          <a:xfrm>
+            <a:off x="3505200" y="2506265"/>
+            <a:ext cx="8208499" cy="1503026"/>
+          </a:xfrm>
+          <a:prstGeom prst="rect">
+            <a:avLst/>
+          </a:prstGeom>
+          <a:solidFill>
+            <a:schemeClr val="bg1">
+              <a:lumMod val="95000"/>
+            </a:schemeClr>
+          </a:solidFill>
+          <a:ln>
+            <a:noFill/>
+          </a:ln>
+        </p:spPr>
+        <p:style>
+          <a:lnRef idx="2">
+            <a:schemeClr val="accent4">
+              <a:shade val="50000"/>
+            </a:schemeClr>
+          </a:lnRef>
+          <a:fillRef idx="1">
+            <a:schemeClr val="accent4"/>
+          </a:fillRef>
+          <a:effectRef idx="0">
+            <a:schemeClr val="accent4"/>
+          </a:effectRef>
+          <a:fontRef idx="minor">
+            <a:schemeClr val="lt1"/>
+          </a:fontRef>
+        </p:style>
+        <p:txBody>
+          <a:bodyPr rtlCol="0" anchor="ctr"/>
+          <a:lstStyle/>
+          <a:p>
+            <a:r>
+              <a:rPr lang="en-US" sz="3200" dirty="0">
+                <a:solidFill>
+                  <a:schemeClr val="tx1"/>
+                </a:solidFill>
+                <a:latin typeface="Courier" pitchFamily="2" charset="0"/>
+              </a:rPr>
+              <a:t>popular %&gt;%</a:t>
+            </a:r>
+          </a:p>
+          <a:p>
+            <a:r>
+              <a:rPr lang="en-US" sz="3200" dirty="0">
+                <a:solidFill>
+                  <a:schemeClr val="tx1"/>
+                </a:solidFill>
+                <a:latin typeface="Courier" pitchFamily="2" charset="0"/>
+              </a:rPr>
+              <a:t>	arrange(desc(prop))</a:t>
+            </a:r>
+          </a:p>
+        </p:txBody>
+      </p:sp>
+      <p:pic>
+        <p:nvPicPr>
+          <p:cNvPr id="6" name="Picture 5" descr="A screenshot of a computer&#10;&#10;Description automatically generated">
+            <a:extLst>
+              <a:ext uri="{FF2B5EF4-FFF2-40B4-BE49-F238E27FC236}">
+                <a16:creationId xmlns:a16="http://schemas.microsoft.com/office/drawing/2014/main" id="{DC313869-3D04-9273-5553-3EF88018D67E}"/>
+              </a:ext>
+            </a:extLst>
+          </p:cNvPr>
+          <p:cNvPicPr>
+            <a:picLocks noChangeAspect="1"/>
+          </p:cNvPicPr>
+          <p:nvPr/>
+        </p:nvPicPr>
+        <p:blipFill>
+          <a:blip r:embed="rId2"/>
+          <a:stretch>
+            <a:fillRect/>
+          </a:stretch>
+        </p:blipFill>
+        <p:spPr>
+          <a:xfrm>
+            <a:off x="3458252" y="4009291"/>
+            <a:ext cx="8255447" cy="2310685"/>
+          </a:xfrm>
+          <a:prstGeom prst="rect">
+            <a:avLst/>
+          </a:prstGeom>
+        </p:spPr>
+      </p:pic>
+    </p:spTree>
+    <p:extLst>
+      <p:ext uri="{BB962C8B-B14F-4D97-AF65-F5344CB8AC3E}">
+        <p14:creationId xmlns:p14="http://schemas.microsoft.com/office/powerpoint/2010/main" val="1426446334"/>
+      </p:ext>
+    </p:extLst>
+  </p:cSld>
+  <p:clrMapOvr>
+    <a:masterClrMapping/>
+  </p:clrMapOvr>
+</p:sld>
+</file>
+
+<file path=ppt/slides/slide18.xml><?xml version="1.0" encoding="utf-8"?>
+<p:sld xmlns:a="http://schemas.openxmlformats.org/drawingml/2006/main" xmlns:r="http://schemas.openxmlformats.org/officeDocument/2006/relationships" xmlns:p="http://schemas.openxmlformats.org/presentationml/2006/main">
+  <p:cSld>
+    <p:spTree>
+      <p:nvGrpSpPr>
+        <p:cNvPr id="1" name=""/>
+        <p:cNvGrpSpPr/>
+        <p:nvPr/>
+      </p:nvGrpSpPr>
+      <p:grpSpPr>
+        <a:xfrm>
+          <a:off x="0" y="0"/>
+          <a:ext cx="0" cy="0"/>
+          <a:chOff x="0" y="0"/>
+          <a:chExt cx="0" cy="0"/>
+        </a:xfrm>
+      </p:grpSpPr>
+      <p:pic>
+        <p:nvPicPr>
+          <p:cNvPr id="7" name="Picture 6" descr="Chart&#10;&#10;Description automatically generated">
+            <a:extLst>
+              <a:ext uri="{FF2B5EF4-FFF2-40B4-BE49-F238E27FC236}">
+                <a16:creationId xmlns:a16="http://schemas.microsoft.com/office/drawing/2014/main" id="{567C332B-5707-4671-1741-443D4C94980E}"/>
+              </a:ext>
+            </a:extLst>
+          </p:cNvPr>
+          <p:cNvPicPr>
+            <a:picLocks noChangeAspect="1"/>
+          </p:cNvPicPr>
+          <p:nvPr/>
+        </p:nvPicPr>
+        <p:blipFill>
+          <a:blip r:embed="rId2"/>
+          <a:stretch>
+            <a:fillRect/>
+          </a:stretch>
+        </p:blipFill>
+        <p:spPr>
+          <a:xfrm>
+            <a:off x="3867714" y="1067353"/>
+            <a:ext cx="4110096" cy="3437098"/>
+          </a:xfrm>
+          <a:prstGeom prst="rect">
+            <a:avLst/>
+          </a:prstGeom>
+        </p:spPr>
+      </p:pic>
+      <p:sp>
+        <p:nvSpPr>
+          <p:cNvPr id="3" name="Content Placeholder 2">
+            <a:extLst>
+              <a:ext uri="{FF2B5EF4-FFF2-40B4-BE49-F238E27FC236}">
+                <a16:creationId xmlns:a16="http://schemas.microsoft.com/office/drawing/2014/main" id="{EE2D95F3-876D-BA1B-1C7A-74E262A4A6CD}"/>
+              </a:ext>
+            </a:extLst>
+          </p:cNvPr>
+          <p:cNvSpPr>
+            <a:spLocks noGrp="1"/>
+          </p:cNvSpPr>
+          <p:nvPr>
+            <p:ph idx="1"/>
+          </p:nvPr>
+        </p:nvSpPr>
+        <p:spPr>
+          <a:xfrm>
+            <a:off x="3869268" y="864108"/>
+            <a:ext cx="7750646" cy="5120640"/>
+          </a:xfrm>
+        </p:spPr>
+        <p:txBody>
+          <a:bodyPr anchor="t">
+            <a:normAutofit/>
+          </a:bodyPr>
+          <a:lstStyle/>
+          <a:p>
+            <a:pPr marL="0" indent="0">
+              <a:buNone/>
+            </a:pPr>
+            <a:r>
+              <a:rPr lang="en-US" sz="2800" b="1" dirty="0">
+                <a:latin typeface="Courier" pitchFamily="2" charset="0"/>
+              </a:rPr>
+              <a:t>summarize() </a:t>
+            </a:r>
+            <a:r>
+              <a:rPr lang="en-US" sz="2800" dirty="0"/>
+              <a:t>column with a single value(s)  </a:t>
+            </a:r>
+          </a:p>
+          <a:p>
+            <a:pPr marL="0" indent="0">
+              <a:buNone/>
+            </a:pPr>
+            <a:endParaRPr lang="en-US" sz="2800" dirty="0"/>
+          </a:p>
+          <a:p>
+            <a:pPr marL="0" indent="0">
+              <a:buNone/>
+            </a:pPr>
+            <a:endParaRPr lang="en-US" sz="2800" dirty="0"/>
+          </a:p>
+          <a:p>
+            <a:pPr marL="0" indent="0">
+              <a:buNone/>
+            </a:pPr>
+            <a:endParaRPr lang="en-US" sz="2800" dirty="0"/>
+          </a:p>
+          <a:p>
+            <a:pPr marL="0" indent="0">
+              <a:buNone/>
+            </a:pPr>
+            <a:endParaRPr lang="en-US" sz="2800" dirty="0"/>
+          </a:p>
+          <a:p>
+            <a:pPr lvl="1"/>
+            <a:endParaRPr lang="en-US" sz="2600" dirty="0"/>
+          </a:p>
+          <a:p>
+            <a:pPr lvl="1"/>
+            <a:endParaRPr lang="en-US" sz="2600" dirty="0"/>
+          </a:p>
+          <a:p>
+            <a:pPr lvl="1"/>
+            <a:r>
+              <a:rPr lang="en-US" sz="2600" dirty="0"/>
+              <a:t>Apply a summary function to a column. Ex. </a:t>
+            </a:r>
+          </a:p>
+        </p:txBody>
+      </p:sp>
+      <p:sp>
+        <p:nvSpPr>
+          <p:cNvPr id="2" name="Title 1">
+            <a:extLst>
+              <a:ext uri="{FF2B5EF4-FFF2-40B4-BE49-F238E27FC236}">
+                <a16:creationId xmlns:a16="http://schemas.microsoft.com/office/drawing/2014/main" id="{A37F20A1-B9B8-F8C1-AC48-36671967C2B5}"/>
+              </a:ext>
+            </a:extLst>
+          </p:cNvPr>
+          <p:cNvSpPr>
+            <a:spLocks noGrp="1"/>
+          </p:cNvSpPr>
+          <p:nvPr>
+            <p:ph type="title"/>
+          </p:nvPr>
+        </p:nvSpPr>
+        <p:spPr/>
+        <p:txBody>
+          <a:bodyPr/>
+          <a:lstStyle/>
+          <a:p>
+            <a:r>
+              <a:rPr lang="en-US" dirty="0"/>
+              <a:t>The 5 Verbs: </a:t>
+            </a:r>
+            <a:r>
+              <a:rPr lang="en-US" dirty="0" err="1">
+                <a:latin typeface="Courier" pitchFamily="2" charset="0"/>
+              </a:rPr>
+              <a:t>dplyr</a:t>
+            </a:r>
+            <a:endParaRPr lang="en-US" dirty="0">
+              <a:latin typeface="Courier" pitchFamily="2" charset="0"/>
+            </a:endParaRPr>
+          </a:p>
+        </p:txBody>
+      </p:sp>
+      <p:sp>
+        <p:nvSpPr>
+          <p:cNvPr id="6" name="Rectangle 5">
+            <a:extLst>
+              <a:ext uri="{FF2B5EF4-FFF2-40B4-BE49-F238E27FC236}">
+                <a16:creationId xmlns:a16="http://schemas.microsoft.com/office/drawing/2014/main" id="{4B8C8884-7FD9-2275-95BF-467B2374BB1C}"/>
+              </a:ext>
+            </a:extLst>
+          </p:cNvPr>
+          <p:cNvSpPr/>
+          <p:nvPr/>
+        </p:nvSpPr>
+        <p:spPr>
+          <a:xfrm>
+            <a:off x="4635768" y="4779792"/>
+            <a:ext cx="4863915" cy="1128518"/>
+          </a:xfrm>
+          <a:prstGeom prst="rect">
+            <a:avLst/>
+          </a:prstGeom>
+          <a:solidFill>
+            <a:schemeClr val="bg1">
+              <a:lumMod val="95000"/>
+            </a:schemeClr>
+          </a:solidFill>
+          <a:ln>
+            <a:noFill/>
+          </a:ln>
+        </p:spPr>
+        <p:style>
+          <a:lnRef idx="2">
+            <a:schemeClr val="accent4">
+              <a:shade val="50000"/>
+            </a:schemeClr>
+          </a:lnRef>
+          <a:fillRef idx="1">
+            <a:schemeClr val="accent4"/>
+          </a:fillRef>
+          <a:effectRef idx="0">
+            <a:schemeClr val="accent4"/>
+          </a:effectRef>
+          <a:fontRef idx="minor">
+            <a:schemeClr val="lt1"/>
+          </a:fontRef>
+        </p:style>
+        <p:txBody>
+          <a:bodyPr rtlCol="0" anchor="ctr"/>
+          <a:lstStyle/>
+          <a:p>
+            <a:r>
+              <a:rPr lang="en-US" sz="2000" dirty="0">
+                <a:solidFill>
+                  <a:schemeClr val="tx1"/>
+                </a:solidFill>
+                <a:latin typeface="Courier" pitchFamily="2" charset="0"/>
+              </a:rPr>
+              <a:t>data %&gt;%</a:t>
+            </a:r>
+          </a:p>
+          <a:p>
+            <a:r>
+              <a:rPr lang="en-US" sz="2000" dirty="0">
+                <a:solidFill>
+                  <a:schemeClr val="tx1"/>
+                </a:solidFill>
+                <a:latin typeface="Courier" pitchFamily="2" charset="0"/>
+              </a:rPr>
+              <a:t>	summarize(mean(a0))</a:t>
+            </a:r>
+          </a:p>
+        </p:txBody>
+      </p:sp>
+      <p:sp>
+        <p:nvSpPr>
+          <p:cNvPr id="16" name="Rectangle 15">
+            <a:extLst>
+              <a:ext uri="{FF2B5EF4-FFF2-40B4-BE49-F238E27FC236}">
+                <a16:creationId xmlns:a16="http://schemas.microsoft.com/office/drawing/2014/main" id="{01D988D5-97BA-2250-33E7-0177349A9325}"/>
+              </a:ext>
+            </a:extLst>
+          </p:cNvPr>
+          <p:cNvSpPr/>
+          <p:nvPr/>
+        </p:nvSpPr>
+        <p:spPr>
+          <a:xfrm>
+            <a:off x="4526314" y="1731810"/>
+            <a:ext cx="614271" cy="523220"/>
+          </a:xfrm>
+          <a:prstGeom prst="rect">
+            <a:avLst/>
+          </a:prstGeom>
+          <a:noFill/>
+        </p:spPr>
+        <p:txBody>
+          <a:bodyPr wrap="none" lIns="91440" tIns="45720" rIns="91440" bIns="45720">
+            <a:spAutoFit/>
+          </a:bodyPr>
+          <a:lstStyle/>
+          <a:p>
+            <a:pPr algn="ctr"/>
+            <a:r>
+              <a:rPr lang="en-US" sz="2800" b="1" cap="none" spc="0" dirty="0">
+                <a:ln w="10160">
+                  <a:solidFill>
+                    <a:schemeClr val="accent5"/>
+                  </a:solidFill>
+                  <a:prstDash val="solid"/>
+                </a:ln>
+                <a:solidFill>
+                  <a:srgbClr val="FFFFFF"/>
+                </a:solidFill>
+                <a:effectLst>
+                  <a:outerShdw blurRad="38100" dist="22860" dir="5400000" algn="tl" rotWithShape="0">
+                    <a:srgbClr val="000000">
+                      <a:alpha val="30000"/>
+                    </a:srgbClr>
+                  </a:outerShdw>
+                </a:effectLst>
+                <a:latin typeface="Courier" pitchFamily="2" charset="0"/>
+              </a:rPr>
+              <a:t>a0</a:t>
+            </a:r>
+          </a:p>
+        </p:txBody>
+      </p:sp>
+      <p:sp>
+        <p:nvSpPr>
+          <p:cNvPr id="17" name="Rectangle 16">
+            <a:extLst>
+              <a:ext uri="{FF2B5EF4-FFF2-40B4-BE49-F238E27FC236}">
+                <a16:creationId xmlns:a16="http://schemas.microsoft.com/office/drawing/2014/main" id="{BCF0E3BC-3DDF-6303-49BD-5605683B993A}"/>
+              </a:ext>
+            </a:extLst>
+          </p:cNvPr>
+          <p:cNvSpPr/>
+          <p:nvPr/>
+        </p:nvSpPr>
+        <p:spPr>
+          <a:xfrm>
+            <a:off x="5058450" y="1731810"/>
+            <a:ext cx="614271" cy="523220"/>
+          </a:xfrm>
+          <a:prstGeom prst="rect">
+            <a:avLst/>
+          </a:prstGeom>
+          <a:noFill/>
+        </p:spPr>
+        <p:txBody>
+          <a:bodyPr wrap="none" lIns="91440" tIns="45720" rIns="91440" bIns="45720">
+            <a:spAutoFit/>
+          </a:bodyPr>
+          <a:lstStyle/>
+          <a:p>
+            <a:pPr algn="ctr"/>
+            <a:r>
+              <a:rPr lang="en-US" sz="2800" b="1" cap="none" spc="0" dirty="0">
+                <a:ln w="10160">
+                  <a:solidFill>
+                    <a:schemeClr val="accent5"/>
+                  </a:solidFill>
+                  <a:prstDash val="solid"/>
+                </a:ln>
+                <a:solidFill>
+                  <a:srgbClr val="FFFFFF"/>
+                </a:solidFill>
+                <a:effectLst>
+                  <a:outerShdw blurRad="38100" dist="22860" dir="5400000" algn="tl" rotWithShape="0">
+                    <a:srgbClr val="000000">
+                      <a:alpha val="30000"/>
+                    </a:srgbClr>
+                  </a:outerShdw>
+                </a:effectLst>
+                <a:latin typeface="Courier" pitchFamily="2" charset="0"/>
+              </a:rPr>
+              <a:t>a1</a:t>
+            </a:r>
+          </a:p>
+        </p:txBody>
+      </p:sp>
+      <p:sp>
+        <p:nvSpPr>
+          <p:cNvPr id="18" name="Rectangle 17">
+            <a:extLst>
+              <a:ext uri="{FF2B5EF4-FFF2-40B4-BE49-F238E27FC236}">
+                <a16:creationId xmlns:a16="http://schemas.microsoft.com/office/drawing/2014/main" id="{D65D1DA7-F682-FD31-3471-21BA45712BC4}"/>
+              </a:ext>
+            </a:extLst>
+          </p:cNvPr>
+          <p:cNvSpPr/>
+          <p:nvPr/>
+        </p:nvSpPr>
+        <p:spPr>
+          <a:xfrm>
+            <a:off x="5564190" y="1734882"/>
+            <a:ext cx="614271" cy="523220"/>
+          </a:xfrm>
+          <a:prstGeom prst="rect">
+            <a:avLst/>
+          </a:prstGeom>
+          <a:noFill/>
+        </p:spPr>
+        <p:txBody>
+          <a:bodyPr wrap="none" lIns="91440" tIns="45720" rIns="91440" bIns="45720">
+            <a:spAutoFit/>
+          </a:bodyPr>
+          <a:lstStyle/>
+          <a:p>
+            <a:pPr algn="ctr"/>
+            <a:r>
+              <a:rPr lang="en-US" sz="2800" b="1" dirty="0">
+                <a:ln w="10160">
+                  <a:solidFill>
+                    <a:schemeClr val="accent5"/>
+                  </a:solidFill>
+                  <a:prstDash val="solid"/>
+                </a:ln>
+                <a:solidFill>
+                  <a:srgbClr val="FFFFFF"/>
+                </a:solidFill>
+                <a:effectLst>
+                  <a:outerShdw blurRad="38100" dist="22860" dir="5400000" algn="tl" rotWithShape="0">
+                    <a:srgbClr val="000000">
+                      <a:alpha val="30000"/>
+                    </a:srgbClr>
+                  </a:outerShdw>
+                </a:effectLst>
+                <a:latin typeface="Courier" pitchFamily="2" charset="0"/>
+              </a:rPr>
+              <a:t>b1</a:t>
+            </a:r>
+            <a:endParaRPr lang="en-US" sz="2800" b="1" cap="none" spc="0" dirty="0">
+              <a:ln w="10160">
+                <a:solidFill>
+                  <a:schemeClr val="accent5"/>
+                </a:solidFill>
+                <a:prstDash val="solid"/>
+              </a:ln>
+              <a:solidFill>
+                <a:srgbClr val="FFFFFF"/>
+              </a:solidFill>
+              <a:effectLst>
+                <a:outerShdw blurRad="38100" dist="22860" dir="5400000" algn="tl" rotWithShape="0">
+                  <a:srgbClr val="000000">
+                    <a:alpha val="30000"/>
+                  </a:srgbClr>
+                </a:outerShdw>
+              </a:effectLst>
+              <a:latin typeface="Courier" pitchFamily="2" charset="0"/>
+            </a:endParaRPr>
+          </a:p>
+        </p:txBody>
+      </p:sp>
+      <p:sp>
+        <p:nvSpPr>
+          <p:cNvPr id="21" name="Rectangle 20">
+            <a:extLst>
+              <a:ext uri="{FF2B5EF4-FFF2-40B4-BE49-F238E27FC236}">
+                <a16:creationId xmlns:a16="http://schemas.microsoft.com/office/drawing/2014/main" id="{5A9A0C49-F093-0F3B-1738-97C81799FD73}"/>
+              </a:ext>
+            </a:extLst>
+          </p:cNvPr>
+          <p:cNvSpPr/>
+          <p:nvPr/>
+        </p:nvSpPr>
+        <p:spPr>
+          <a:xfrm>
+            <a:off x="4626661" y="2270914"/>
+            <a:ext cx="399468" cy="523220"/>
+          </a:xfrm>
+          <a:prstGeom prst="rect">
+            <a:avLst/>
+          </a:prstGeom>
+          <a:noFill/>
+        </p:spPr>
+        <p:txBody>
+          <a:bodyPr wrap="none" lIns="91440" tIns="45720" rIns="91440" bIns="45720">
+            <a:spAutoFit/>
+          </a:bodyPr>
+          <a:lstStyle/>
+          <a:p>
+            <a:pPr algn="ctr"/>
+            <a:r>
+              <a:rPr lang="en-US" sz="2800" dirty="0">
+                <a:ln w="0"/>
+                <a:effectLst>
+                  <a:outerShdw blurRad="38100" dist="19050" dir="2700000" algn="tl" rotWithShape="0">
+                    <a:schemeClr val="dk1">
+                      <a:alpha val="40000"/>
+                    </a:schemeClr>
+                  </a:outerShdw>
+                </a:effectLst>
+                <a:latin typeface="Courier" pitchFamily="2" charset="0"/>
+              </a:rPr>
+              <a:t>3</a:t>
+            </a:r>
+          </a:p>
+        </p:txBody>
+      </p:sp>
+      <p:sp>
+        <p:nvSpPr>
+          <p:cNvPr id="22" name="Rectangle 21">
+            <a:extLst>
+              <a:ext uri="{FF2B5EF4-FFF2-40B4-BE49-F238E27FC236}">
+                <a16:creationId xmlns:a16="http://schemas.microsoft.com/office/drawing/2014/main" id="{33D6C51C-585A-7AC3-6EFB-B0D4C49F92E1}"/>
+              </a:ext>
+            </a:extLst>
+          </p:cNvPr>
+          <p:cNvSpPr/>
+          <p:nvPr/>
+        </p:nvSpPr>
+        <p:spPr>
+          <a:xfrm>
+            <a:off x="4635768" y="2765476"/>
+            <a:ext cx="399468" cy="523220"/>
+          </a:xfrm>
+          <a:prstGeom prst="rect">
+            <a:avLst/>
+          </a:prstGeom>
+          <a:noFill/>
+        </p:spPr>
+        <p:txBody>
+          <a:bodyPr wrap="none" lIns="91440" tIns="45720" rIns="91440" bIns="45720">
+            <a:spAutoFit/>
+          </a:bodyPr>
+          <a:lstStyle/>
+          <a:p>
+            <a:pPr algn="ctr"/>
+            <a:r>
+              <a:rPr lang="en-US" sz="2800" dirty="0">
+                <a:ln w="0"/>
+                <a:effectLst>
+                  <a:outerShdw blurRad="38100" dist="19050" dir="2700000" algn="tl" rotWithShape="0">
+                    <a:schemeClr val="dk1">
+                      <a:alpha val="40000"/>
+                    </a:schemeClr>
+                  </a:outerShdw>
+                </a:effectLst>
+                <a:latin typeface="Courier" pitchFamily="2" charset="0"/>
+              </a:rPr>
+              <a:t>4</a:t>
+            </a:r>
+          </a:p>
+        </p:txBody>
+      </p:sp>
+      <p:sp>
+        <p:nvSpPr>
+          <p:cNvPr id="24" name="Rectangle 23">
+            <a:extLst>
+              <a:ext uri="{FF2B5EF4-FFF2-40B4-BE49-F238E27FC236}">
+                <a16:creationId xmlns:a16="http://schemas.microsoft.com/office/drawing/2014/main" id="{D169869C-A7E9-7264-54FD-F5560683ACC8}"/>
+              </a:ext>
+            </a:extLst>
+          </p:cNvPr>
+          <p:cNvSpPr/>
+          <p:nvPr/>
+        </p:nvSpPr>
+        <p:spPr>
+          <a:xfrm>
+            <a:off x="4622516" y="3255801"/>
+            <a:ext cx="399468" cy="523220"/>
+          </a:xfrm>
+          <a:prstGeom prst="rect">
+            <a:avLst/>
+          </a:prstGeom>
+          <a:noFill/>
+        </p:spPr>
+        <p:txBody>
+          <a:bodyPr wrap="none" lIns="91440" tIns="45720" rIns="91440" bIns="45720">
+            <a:spAutoFit/>
+          </a:bodyPr>
+          <a:lstStyle/>
+          <a:p>
+            <a:pPr algn="ctr"/>
+            <a:r>
+              <a:rPr lang="en-US" sz="2800" dirty="0">
+                <a:ln w="0"/>
+                <a:effectLst>
+                  <a:outerShdw blurRad="38100" dist="19050" dir="2700000" algn="tl" rotWithShape="0">
+                    <a:schemeClr val="dk1">
+                      <a:alpha val="40000"/>
+                    </a:schemeClr>
+                  </a:outerShdw>
+                </a:effectLst>
+                <a:latin typeface="Courier" pitchFamily="2" charset="0"/>
+              </a:rPr>
+              <a:t>5</a:t>
+            </a:r>
+          </a:p>
+        </p:txBody>
+      </p:sp>
+      <p:sp>
+        <p:nvSpPr>
+          <p:cNvPr id="41" name="Rectangle 40">
+            <a:extLst>
+              <a:ext uri="{FF2B5EF4-FFF2-40B4-BE49-F238E27FC236}">
+                <a16:creationId xmlns:a16="http://schemas.microsoft.com/office/drawing/2014/main" id="{025C2D13-524F-1E10-B836-6CBEBEC1CB9C}"/>
+              </a:ext>
+            </a:extLst>
+          </p:cNvPr>
+          <p:cNvSpPr/>
+          <p:nvPr/>
+        </p:nvSpPr>
+        <p:spPr>
+          <a:xfrm>
+            <a:off x="7193440" y="2261894"/>
+            <a:ext cx="399468" cy="523220"/>
+          </a:xfrm>
+          <a:prstGeom prst="rect">
+            <a:avLst/>
+          </a:prstGeom>
+          <a:noFill/>
+        </p:spPr>
+        <p:txBody>
+          <a:bodyPr wrap="none" lIns="91440" tIns="45720" rIns="91440" bIns="45720">
+            <a:spAutoFit/>
+          </a:bodyPr>
+          <a:lstStyle/>
+          <a:p>
+            <a:pPr algn="ctr"/>
+            <a:r>
+              <a:rPr lang="en-US" sz="2800" dirty="0">
+                <a:ln w="0"/>
+                <a:effectLst>
+                  <a:outerShdw blurRad="38100" dist="19050" dir="2700000" algn="tl" rotWithShape="0">
+                    <a:schemeClr val="dk1">
+                      <a:alpha val="40000"/>
+                    </a:schemeClr>
+                  </a:outerShdw>
+                </a:effectLst>
+                <a:latin typeface="Courier" pitchFamily="2" charset="0"/>
+              </a:rPr>
+              <a:t>4</a:t>
+            </a:r>
+          </a:p>
+        </p:txBody>
+      </p:sp>
+    </p:spTree>
+    <p:extLst>
+      <p:ext uri="{BB962C8B-B14F-4D97-AF65-F5344CB8AC3E}">
+        <p14:creationId xmlns:p14="http://schemas.microsoft.com/office/powerpoint/2010/main" val="3698510600"/>
+      </p:ext>
+    </p:extLst>
+  </p:cSld>
+  <p:clrMapOvr>
+    <a:masterClrMapping/>
+  </p:clrMapOvr>
+</p:sld>
+</file>
+
+<file path=ppt/slides/slide19.xml><?xml version="1.0" encoding="utf-8"?>
+<p:sld xmlns:a="http://schemas.openxmlformats.org/drawingml/2006/main" xmlns:r="http://schemas.openxmlformats.org/officeDocument/2006/relationships" xmlns:p="http://schemas.openxmlformats.org/presentationml/2006/main">
+  <p:cSld>
+    <p:spTree>
+      <p:nvGrpSpPr>
+        <p:cNvPr id="1" name=""/>
+        <p:cNvGrpSpPr/>
+        <p:nvPr/>
+      </p:nvGrpSpPr>
+      <p:grpSpPr>
+        <a:xfrm>
+          <a:off x="0" y="0"/>
+          <a:ext cx="0" cy="0"/>
+          <a:chOff x="0" y="0"/>
+          <a:chExt cx="0" cy="0"/>
+        </a:xfrm>
+      </p:grpSpPr>
+      <p:sp>
+        <p:nvSpPr>
+          <p:cNvPr id="3" name="Content Placeholder 2">
+            <a:extLst>
+              <a:ext uri="{FF2B5EF4-FFF2-40B4-BE49-F238E27FC236}">
+                <a16:creationId xmlns:a16="http://schemas.microsoft.com/office/drawing/2014/main" id="{EE2D95F3-876D-BA1B-1C7A-74E262A4A6CD}"/>
+              </a:ext>
+            </a:extLst>
+          </p:cNvPr>
+          <p:cNvSpPr>
+            <a:spLocks noGrp="1"/>
+          </p:cNvSpPr>
+          <p:nvPr>
+            <p:ph idx="1"/>
+          </p:nvPr>
+        </p:nvSpPr>
+        <p:spPr>
+          <a:xfrm>
+            <a:off x="3869268" y="864108"/>
+            <a:ext cx="7750646" cy="695061"/>
+          </a:xfrm>
+        </p:spPr>
+        <p:txBody>
+          <a:bodyPr anchor="t">
+            <a:normAutofit/>
+          </a:bodyPr>
+          <a:lstStyle/>
+          <a:p>
+            <a:pPr marL="0" indent="0">
+              <a:buNone/>
+            </a:pPr>
+            <a:r>
+              <a:rPr lang="en-US" sz="2800" b="1" dirty="0">
+                <a:latin typeface="Courier" pitchFamily="2" charset="0"/>
+              </a:rPr>
+              <a:t>summarize() </a:t>
+            </a:r>
+            <a:r>
+              <a:rPr lang="en-US" sz="2800" dirty="0"/>
+              <a:t>column with a single value(s)  </a:t>
+            </a:r>
+          </a:p>
+          <a:p>
+            <a:pPr marL="0" indent="0">
+              <a:buNone/>
+            </a:pPr>
+            <a:endParaRPr lang="en-US" sz="2800" dirty="0"/>
+          </a:p>
+          <a:p>
+            <a:pPr marL="0" indent="0">
+              <a:buNone/>
+            </a:pPr>
+            <a:endParaRPr lang="en-US" sz="2800" dirty="0"/>
+          </a:p>
+          <a:p>
+            <a:pPr marL="0" indent="0">
+              <a:buNone/>
+            </a:pPr>
+            <a:endParaRPr lang="en-US" sz="2800" dirty="0"/>
+          </a:p>
+          <a:p>
+            <a:pPr marL="0" indent="0">
+              <a:buNone/>
+            </a:pPr>
+            <a:endParaRPr lang="en-US" sz="2800" dirty="0"/>
+          </a:p>
+        </p:txBody>
+      </p:sp>
+      <p:sp>
+        <p:nvSpPr>
+          <p:cNvPr id="2" name="Title 1">
+            <a:extLst>
+              <a:ext uri="{FF2B5EF4-FFF2-40B4-BE49-F238E27FC236}">
+                <a16:creationId xmlns:a16="http://schemas.microsoft.com/office/drawing/2014/main" id="{A37F20A1-B9B8-F8C1-AC48-36671967C2B5}"/>
+              </a:ext>
+            </a:extLst>
+          </p:cNvPr>
+          <p:cNvSpPr>
+            <a:spLocks noGrp="1"/>
+          </p:cNvSpPr>
+          <p:nvPr>
+            <p:ph type="title"/>
+          </p:nvPr>
+        </p:nvSpPr>
+        <p:spPr/>
+        <p:txBody>
+          <a:bodyPr/>
+          <a:lstStyle/>
+          <a:p>
+            <a:r>
+              <a:rPr lang="en-US" dirty="0"/>
+              <a:t>The 5 Verbs: </a:t>
+            </a:r>
+            <a:r>
+              <a:rPr lang="en-US" dirty="0" err="1">
+                <a:latin typeface="Courier" pitchFamily="2" charset="0"/>
+              </a:rPr>
+              <a:t>dplyr</a:t>
+            </a:r>
+            <a:endParaRPr lang="en-US" dirty="0">
+              <a:latin typeface="Courier" pitchFamily="2" charset="0"/>
+            </a:endParaRPr>
+          </a:p>
+        </p:txBody>
+      </p:sp>
+      <p:pic>
+        <p:nvPicPr>
+          <p:cNvPr id="5" name="Picture 4" descr="A screenshot of a computer&#10;&#10;Description automatically generated">
+            <a:extLst>
+              <a:ext uri="{FF2B5EF4-FFF2-40B4-BE49-F238E27FC236}">
+                <a16:creationId xmlns:a16="http://schemas.microsoft.com/office/drawing/2014/main" id="{C7B82484-246B-540E-FEC9-AB30E27C310D}"/>
+              </a:ext>
+            </a:extLst>
+          </p:cNvPr>
+          <p:cNvPicPr>
+            <a:picLocks noChangeAspect="1"/>
+          </p:cNvPicPr>
+          <p:nvPr/>
+        </p:nvPicPr>
+        <p:blipFill rotWithShape="1">
+          <a:blip r:embed="rId2"/>
+          <a:srcRect r="52791"/>
+          <a:stretch/>
+        </p:blipFill>
+        <p:spPr>
+          <a:xfrm>
+            <a:off x="4134338" y="1678334"/>
+            <a:ext cx="6085012" cy="4159758"/>
+          </a:xfrm>
+          <a:prstGeom prst="rect">
+            <a:avLst/>
+          </a:prstGeom>
+        </p:spPr>
+      </p:pic>
+    </p:spTree>
+    <p:extLst>
+      <p:ext uri="{BB962C8B-B14F-4D97-AF65-F5344CB8AC3E}">
+        <p14:creationId xmlns:p14="http://schemas.microsoft.com/office/powerpoint/2010/main" val="748520202"/>
+      </p:ext>
+    </p:extLst>
+  </p:cSld>
+  <p:clrMapOvr>
+    <a:masterClrMapping/>
+  </p:clrMapOvr>
+</p:sld>
+</file>
+
 <file path=ppt/slides/slide2.xml><?xml version="1.0" encoding="utf-8"?>
 <p:sld xmlns:a="http://schemas.openxmlformats.org/drawingml/2006/main" xmlns:r="http://schemas.openxmlformats.org/officeDocument/2006/relationships" xmlns:p="http://schemas.openxmlformats.org/presentationml/2006/main">
   <p:cSld>
@@ -3970,6 +8106,856 @@
     <p:extLst>
       <p:ext uri="{BB962C8B-B14F-4D97-AF65-F5344CB8AC3E}">
         <p14:creationId xmlns:p14="http://schemas.microsoft.com/office/powerpoint/2010/main" val="1085546165"/>
+      </p:ext>
+    </p:extLst>
+  </p:cSld>
+  <p:clrMapOvr>
+    <a:masterClrMapping/>
+  </p:clrMapOvr>
+</p:sld>
+</file>
+
+<file path=ppt/slides/slide20.xml><?xml version="1.0" encoding="utf-8"?>
+<p:sld xmlns:a="http://schemas.openxmlformats.org/drawingml/2006/main" xmlns:r="http://schemas.openxmlformats.org/officeDocument/2006/relationships" xmlns:p="http://schemas.openxmlformats.org/presentationml/2006/main">
+  <p:cSld>
+    <p:spTree>
+      <p:nvGrpSpPr>
+        <p:cNvPr id="1" name=""/>
+        <p:cNvGrpSpPr/>
+        <p:nvPr/>
+      </p:nvGrpSpPr>
+      <p:grpSpPr>
+        <a:xfrm>
+          <a:off x="0" y="0"/>
+          <a:ext cx="0" cy="0"/>
+          <a:chOff x="0" y="0"/>
+          <a:chExt cx="0" cy="0"/>
+        </a:xfrm>
+      </p:grpSpPr>
+      <p:pic>
+        <p:nvPicPr>
+          <p:cNvPr id="7" name="Picture 6" descr="Chart&#10;&#10;Description automatically generated">
+            <a:extLst>
+              <a:ext uri="{FF2B5EF4-FFF2-40B4-BE49-F238E27FC236}">
+                <a16:creationId xmlns:a16="http://schemas.microsoft.com/office/drawing/2014/main" id="{567C332B-5707-4671-1741-443D4C94980E}"/>
+              </a:ext>
+            </a:extLst>
+          </p:cNvPr>
+          <p:cNvPicPr>
+            <a:picLocks noChangeAspect="1"/>
+          </p:cNvPicPr>
+          <p:nvPr/>
+        </p:nvPicPr>
+        <p:blipFill>
+          <a:blip r:embed="rId2"/>
+          <a:stretch>
+            <a:fillRect/>
+          </a:stretch>
+        </p:blipFill>
+        <p:spPr>
+          <a:xfrm>
+            <a:off x="3867714" y="1067353"/>
+            <a:ext cx="4110096" cy="3437098"/>
+          </a:xfrm>
+          <a:prstGeom prst="rect">
+            <a:avLst/>
+          </a:prstGeom>
+        </p:spPr>
+      </p:pic>
+      <p:sp>
+        <p:nvSpPr>
+          <p:cNvPr id="3" name="Content Placeholder 2">
+            <a:extLst>
+              <a:ext uri="{FF2B5EF4-FFF2-40B4-BE49-F238E27FC236}">
+                <a16:creationId xmlns:a16="http://schemas.microsoft.com/office/drawing/2014/main" id="{EE2D95F3-876D-BA1B-1C7A-74E262A4A6CD}"/>
+              </a:ext>
+            </a:extLst>
+          </p:cNvPr>
+          <p:cNvSpPr>
+            <a:spLocks noGrp="1"/>
+          </p:cNvSpPr>
+          <p:nvPr>
+            <p:ph idx="1"/>
+          </p:nvPr>
+        </p:nvSpPr>
+        <p:spPr>
+          <a:xfrm>
+            <a:off x="3869268" y="864108"/>
+            <a:ext cx="7750646" cy="5120640"/>
+          </a:xfrm>
+        </p:spPr>
+        <p:txBody>
+          <a:bodyPr anchor="t">
+            <a:normAutofit/>
+          </a:bodyPr>
+          <a:lstStyle/>
+          <a:p>
+            <a:pPr marL="0" indent="0">
+              <a:buNone/>
+            </a:pPr>
+            <a:r>
+              <a:rPr lang="en-US" sz="2800" b="1" dirty="0">
+                <a:latin typeface="Courier" pitchFamily="2" charset="0"/>
+              </a:rPr>
+              <a:t>summarize() </a:t>
+            </a:r>
+            <a:r>
+              <a:rPr lang="en-US" sz="2800" dirty="0"/>
+              <a:t>column with a single value(s)  </a:t>
+            </a:r>
+          </a:p>
+          <a:p>
+            <a:pPr marL="0" indent="0">
+              <a:buNone/>
+            </a:pPr>
+            <a:endParaRPr lang="en-US" sz="2800" dirty="0"/>
+          </a:p>
+          <a:p>
+            <a:pPr marL="0" indent="0">
+              <a:buNone/>
+            </a:pPr>
+            <a:endParaRPr lang="en-US" sz="2800" dirty="0"/>
+          </a:p>
+          <a:p>
+            <a:pPr marL="0" indent="0">
+              <a:buNone/>
+            </a:pPr>
+            <a:endParaRPr lang="en-US" sz="2800" dirty="0"/>
+          </a:p>
+          <a:p>
+            <a:pPr marL="0" indent="0">
+              <a:buNone/>
+            </a:pPr>
+            <a:endParaRPr lang="en-US" sz="2800" dirty="0"/>
+          </a:p>
+          <a:p>
+            <a:pPr lvl="1"/>
+            <a:endParaRPr lang="en-US" sz="2600" dirty="0"/>
+          </a:p>
+          <a:p>
+            <a:pPr lvl="1"/>
+            <a:endParaRPr lang="en-US" sz="2600" dirty="0"/>
+          </a:p>
+          <a:p>
+            <a:pPr lvl="1"/>
+            <a:r>
+              <a:rPr lang="en-US" sz="2600" dirty="0"/>
+              <a:t>Tip: use the function </a:t>
+            </a:r>
+            <a:r>
+              <a:rPr lang="en-US" sz="2600" dirty="0">
+                <a:latin typeface="Consolas" panose="020B0609020204030204" pitchFamily="49" charset="0"/>
+                <a:cs typeface="Consolas" panose="020B0609020204030204" pitchFamily="49" charset="0"/>
+              </a:rPr>
+              <a:t>n() </a:t>
+            </a:r>
+            <a:r>
+              <a:rPr lang="en-US" sz="2600" dirty="0"/>
+              <a:t>inside of summarize to keep track of how many rows were summarized </a:t>
+            </a:r>
+          </a:p>
+        </p:txBody>
+      </p:sp>
+      <p:sp>
+        <p:nvSpPr>
+          <p:cNvPr id="2" name="Title 1">
+            <a:extLst>
+              <a:ext uri="{FF2B5EF4-FFF2-40B4-BE49-F238E27FC236}">
+                <a16:creationId xmlns:a16="http://schemas.microsoft.com/office/drawing/2014/main" id="{A37F20A1-B9B8-F8C1-AC48-36671967C2B5}"/>
+              </a:ext>
+            </a:extLst>
+          </p:cNvPr>
+          <p:cNvSpPr>
+            <a:spLocks noGrp="1"/>
+          </p:cNvSpPr>
+          <p:nvPr>
+            <p:ph type="title"/>
+          </p:nvPr>
+        </p:nvSpPr>
+        <p:spPr/>
+        <p:txBody>
+          <a:bodyPr/>
+          <a:lstStyle/>
+          <a:p>
+            <a:r>
+              <a:rPr lang="en-US" dirty="0"/>
+              <a:t>The 5 Verbs: </a:t>
+            </a:r>
+            <a:r>
+              <a:rPr lang="en-US" dirty="0" err="1">
+                <a:latin typeface="Courier" pitchFamily="2" charset="0"/>
+              </a:rPr>
+              <a:t>dplyr</a:t>
+            </a:r>
+            <a:endParaRPr lang="en-US" dirty="0">
+              <a:latin typeface="Courier" pitchFamily="2" charset="0"/>
+            </a:endParaRPr>
+          </a:p>
+        </p:txBody>
+      </p:sp>
+      <p:sp>
+        <p:nvSpPr>
+          <p:cNvPr id="16" name="Rectangle 15">
+            <a:extLst>
+              <a:ext uri="{FF2B5EF4-FFF2-40B4-BE49-F238E27FC236}">
+                <a16:creationId xmlns:a16="http://schemas.microsoft.com/office/drawing/2014/main" id="{01D988D5-97BA-2250-33E7-0177349A9325}"/>
+              </a:ext>
+            </a:extLst>
+          </p:cNvPr>
+          <p:cNvSpPr/>
+          <p:nvPr/>
+        </p:nvSpPr>
+        <p:spPr>
+          <a:xfrm>
+            <a:off x="4526314" y="1731810"/>
+            <a:ext cx="614271" cy="523220"/>
+          </a:xfrm>
+          <a:prstGeom prst="rect">
+            <a:avLst/>
+          </a:prstGeom>
+          <a:noFill/>
+        </p:spPr>
+        <p:txBody>
+          <a:bodyPr wrap="none" lIns="91440" tIns="45720" rIns="91440" bIns="45720">
+            <a:spAutoFit/>
+          </a:bodyPr>
+          <a:lstStyle/>
+          <a:p>
+            <a:pPr algn="ctr"/>
+            <a:r>
+              <a:rPr lang="en-US" sz="2800" b="1" cap="none" spc="0" dirty="0">
+                <a:ln w="10160">
+                  <a:solidFill>
+                    <a:schemeClr val="accent5"/>
+                  </a:solidFill>
+                  <a:prstDash val="solid"/>
+                </a:ln>
+                <a:solidFill>
+                  <a:srgbClr val="FFFFFF"/>
+                </a:solidFill>
+                <a:effectLst>
+                  <a:outerShdw blurRad="38100" dist="22860" dir="5400000" algn="tl" rotWithShape="0">
+                    <a:srgbClr val="000000">
+                      <a:alpha val="30000"/>
+                    </a:srgbClr>
+                  </a:outerShdw>
+                </a:effectLst>
+                <a:latin typeface="Courier" pitchFamily="2" charset="0"/>
+              </a:rPr>
+              <a:t>a0</a:t>
+            </a:r>
+          </a:p>
+        </p:txBody>
+      </p:sp>
+      <p:sp>
+        <p:nvSpPr>
+          <p:cNvPr id="17" name="Rectangle 16">
+            <a:extLst>
+              <a:ext uri="{FF2B5EF4-FFF2-40B4-BE49-F238E27FC236}">
+                <a16:creationId xmlns:a16="http://schemas.microsoft.com/office/drawing/2014/main" id="{BCF0E3BC-3DDF-6303-49BD-5605683B993A}"/>
+              </a:ext>
+            </a:extLst>
+          </p:cNvPr>
+          <p:cNvSpPr/>
+          <p:nvPr/>
+        </p:nvSpPr>
+        <p:spPr>
+          <a:xfrm>
+            <a:off x="5058450" y="1731810"/>
+            <a:ext cx="614271" cy="523220"/>
+          </a:xfrm>
+          <a:prstGeom prst="rect">
+            <a:avLst/>
+          </a:prstGeom>
+          <a:noFill/>
+        </p:spPr>
+        <p:txBody>
+          <a:bodyPr wrap="none" lIns="91440" tIns="45720" rIns="91440" bIns="45720">
+            <a:spAutoFit/>
+          </a:bodyPr>
+          <a:lstStyle/>
+          <a:p>
+            <a:pPr algn="ctr"/>
+            <a:r>
+              <a:rPr lang="en-US" sz="2800" b="1" cap="none" spc="0" dirty="0">
+                <a:ln w="10160">
+                  <a:solidFill>
+                    <a:schemeClr val="accent5"/>
+                  </a:solidFill>
+                  <a:prstDash val="solid"/>
+                </a:ln>
+                <a:solidFill>
+                  <a:srgbClr val="FFFFFF"/>
+                </a:solidFill>
+                <a:effectLst>
+                  <a:outerShdw blurRad="38100" dist="22860" dir="5400000" algn="tl" rotWithShape="0">
+                    <a:srgbClr val="000000">
+                      <a:alpha val="30000"/>
+                    </a:srgbClr>
+                  </a:outerShdw>
+                </a:effectLst>
+                <a:latin typeface="Courier" pitchFamily="2" charset="0"/>
+              </a:rPr>
+              <a:t>a1</a:t>
+            </a:r>
+          </a:p>
+        </p:txBody>
+      </p:sp>
+      <p:sp>
+        <p:nvSpPr>
+          <p:cNvPr id="18" name="Rectangle 17">
+            <a:extLst>
+              <a:ext uri="{FF2B5EF4-FFF2-40B4-BE49-F238E27FC236}">
+                <a16:creationId xmlns:a16="http://schemas.microsoft.com/office/drawing/2014/main" id="{D65D1DA7-F682-FD31-3471-21BA45712BC4}"/>
+              </a:ext>
+            </a:extLst>
+          </p:cNvPr>
+          <p:cNvSpPr/>
+          <p:nvPr/>
+        </p:nvSpPr>
+        <p:spPr>
+          <a:xfrm>
+            <a:off x="5564190" y="1734882"/>
+            <a:ext cx="614271" cy="523220"/>
+          </a:xfrm>
+          <a:prstGeom prst="rect">
+            <a:avLst/>
+          </a:prstGeom>
+          <a:noFill/>
+        </p:spPr>
+        <p:txBody>
+          <a:bodyPr wrap="none" lIns="91440" tIns="45720" rIns="91440" bIns="45720">
+            <a:spAutoFit/>
+          </a:bodyPr>
+          <a:lstStyle/>
+          <a:p>
+            <a:pPr algn="ctr"/>
+            <a:r>
+              <a:rPr lang="en-US" sz="2800" b="1" dirty="0">
+                <a:ln w="10160">
+                  <a:solidFill>
+                    <a:schemeClr val="accent5"/>
+                  </a:solidFill>
+                  <a:prstDash val="solid"/>
+                </a:ln>
+                <a:solidFill>
+                  <a:srgbClr val="FFFFFF"/>
+                </a:solidFill>
+                <a:effectLst>
+                  <a:outerShdw blurRad="38100" dist="22860" dir="5400000" algn="tl" rotWithShape="0">
+                    <a:srgbClr val="000000">
+                      <a:alpha val="30000"/>
+                    </a:srgbClr>
+                  </a:outerShdw>
+                </a:effectLst>
+                <a:latin typeface="Courier" pitchFamily="2" charset="0"/>
+              </a:rPr>
+              <a:t>b1</a:t>
+            </a:r>
+            <a:endParaRPr lang="en-US" sz="2800" b="1" cap="none" spc="0" dirty="0">
+              <a:ln w="10160">
+                <a:solidFill>
+                  <a:schemeClr val="accent5"/>
+                </a:solidFill>
+                <a:prstDash val="solid"/>
+              </a:ln>
+              <a:solidFill>
+                <a:srgbClr val="FFFFFF"/>
+              </a:solidFill>
+              <a:effectLst>
+                <a:outerShdw blurRad="38100" dist="22860" dir="5400000" algn="tl" rotWithShape="0">
+                  <a:srgbClr val="000000">
+                    <a:alpha val="30000"/>
+                  </a:srgbClr>
+                </a:outerShdw>
+              </a:effectLst>
+              <a:latin typeface="Courier" pitchFamily="2" charset="0"/>
+            </a:endParaRPr>
+          </a:p>
+        </p:txBody>
+      </p:sp>
+      <p:sp>
+        <p:nvSpPr>
+          <p:cNvPr id="21" name="Rectangle 20">
+            <a:extLst>
+              <a:ext uri="{FF2B5EF4-FFF2-40B4-BE49-F238E27FC236}">
+                <a16:creationId xmlns:a16="http://schemas.microsoft.com/office/drawing/2014/main" id="{5A9A0C49-F093-0F3B-1738-97C81799FD73}"/>
+              </a:ext>
+            </a:extLst>
+          </p:cNvPr>
+          <p:cNvSpPr/>
+          <p:nvPr/>
+        </p:nvSpPr>
+        <p:spPr>
+          <a:xfrm>
+            <a:off x="4626661" y="2270914"/>
+            <a:ext cx="399468" cy="523220"/>
+          </a:xfrm>
+          <a:prstGeom prst="rect">
+            <a:avLst/>
+          </a:prstGeom>
+          <a:noFill/>
+        </p:spPr>
+        <p:txBody>
+          <a:bodyPr wrap="none" lIns="91440" tIns="45720" rIns="91440" bIns="45720">
+            <a:spAutoFit/>
+          </a:bodyPr>
+          <a:lstStyle/>
+          <a:p>
+            <a:pPr algn="ctr"/>
+            <a:r>
+              <a:rPr lang="en-US" sz="2800" dirty="0">
+                <a:ln w="0"/>
+                <a:effectLst>
+                  <a:outerShdw blurRad="38100" dist="19050" dir="2700000" algn="tl" rotWithShape="0">
+                    <a:schemeClr val="dk1">
+                      <a:alpha val="40000"/>
+                    </a:schemeClr>
+                  </a:outerShdw>
+                </a:effectLst>
+                <a:latin typeface="Courier" pitchFamily="2" charset="0"/>
+              </a:rPr>
+              <a:t>3</a:t>
+            </a:r>
+          </a:p>
+        </p:txBody>
+      </p:sp>
+      <p:sp>
+        <p:nvSpPr>
+          <p:cNvPr id="22" name="Rectangle 21">
+            <a:extLst>
+              <a:ext uri="{FF2B5EF4-FFF2-40B4-BE49-F238E27FC236}">
+                <a16:creationId xmlns:a16="http://schemas.microsoft.com/office/drawing/2014/main" id="{33D6C51C-585A-7AC3-6EFB-B0D4C49F92E1}"/>
+              </a:ext>
+            </a:extLst>
+          </p:cNvPr>
+          <p:cNvSpPr/>
+          <p:nvPr/>
+        </p:nvSpPr>
+        <p:spPr>
+          <a:xfrm>
+            <a:off x="4635768" y="2765476"/>
+            <a:ext cx="399468" cy="523220"/>
+          </a:xfrm>
+          <a:prstGeom prst="rect">
+            <a:avLst/>
+          </a:prstGeom>
+          <a:noFill/>
+        </p:spPr>
+        <p:txBody>
+          <a:bodyPr wrap="none" lIns="91440" tIns="45720" rIns="91440" bIns="45720">
+            <a:spAutoFit/>
+          </a:bodyPr>
+          <a:lstStyle/>
+          <a:p>
+            <a:pPr algn="ctr"/>
+            <a:r>
+              <a:rPr lang="en-US" sz="2800" dirty="0">
+                <a:ln w="0"/>
+                <a:effectLst>
+                  <a:outerShdw blurRad="38100" dist="19050" dir="2700000" algn="tl" rotWithShape="0">
+                    <a:schemeClr val="dk1">
+                      <a:alpha val="40000"/>
+                    </a:schemeClr>
+                  </a:outerShdw>
+                </a:effectLst>
+                <a:latin typeface="Courier" pitchFamily="2" charset="0"/>
+              </a:rPr>
+              <a:t>4</a:t>
+            </a:r>
+          </a:p>
+        </p:txBody>
+      </p:sp>
+      <p:sp>
+        <p:nvSpPr>
+          <p:cNvPr id="24" name="Rectangle 23">
+            <a:extLst>
+              <a:ext uri="{FF2B5EF4-FFF2-40B4-BE49-F238E27FC236}">
+                <a16:creationId xmlns:a16="http://schemas.microsoft.com/office/drawing/2014/main" id="{D169869C-A7E9-7264-54FD-F5560683ACC8}"/>
+              </a:ext>
+            </a:extLst>
+          </p:cNvPr>
+          <p:cNvSpPr/>
+          <p:nvPr/>
+        </p:nvSpPr>
+        <p:spPr>
+          <a:xfrm>
+            <a:off x="4622516" y="3255801"/>
+            <a:ext cx="399468" cy="523220"/>
+          </a:xfrm>
+          <a:prstGeom prst="rect">
+            <a:avLst/>
+          </a:prstGeom>
+          <a:noFill/>
+        </p:spPr>
+        <p:txBody>
+          <a:bodyPr wrap="none" lIns="91440" tIns="45720" rIns="91440" bIns="45720">
+            <a:spAutoFit/>
+          </a:bodyPr>
+          <a:lstStyle/>
+          <a:p>
+            <a:pPr algn="ctr"/>
+            <a:r>
+              <a:rPr lang="en-US" sz="2800" dirty="0">
+                <a:ln w="0"/>
+                <a:effectLst>
+                  <a:outerShdw blurRad="38100" dist="19050" dir="2700000" algn="tl" rotWithShape="0">
+                    <a:schemeClr val="dk1">
+                      <a:alpha val="40000"/>
+                    </a:schemeClr>
+                  </a:outerShdw>
+                </a:effectLst>
+                <a:latin typeface="Courier" pitchFamily="2" charset="0"/>
+              </a:rPr>
+              <a:t>5</a:t>
+            </a:r>
+          </a:p>
+        </p:txBody>
+      </p:sp>
+      <p:sp>
+        <p:nvSpPr>
+          <p:cNvPr id="41" name="Rectangle 40">
+            <a:extLst>
+              <a:ext uri="{FF2B5EF4-FFF2-40B4-BE49-F238E27FC236}">
+                <a16:creationId xmlns:a16="http://schemas.microsoft.com/office/drawing/2014/main" id="{025C2D13-524F-1E10-B836-6CBEBEC1CB9C}"/>
+              </a:ext>
+            </a:extLst>
+          </p:cNvPr>
+          <p:cNvSpPr/>
+          <p:nvPr/>
+        </p:nvSpPr>
+        <p:spPr>
+          <a:xfrm>
+            <a:off x="7193440" y="2261894"/>
+            <a:ext cx="399468" cy="523220"/>
+          </a:xfrm>
+          <a:prstGeom prst="rect">
+            <a:avLst/>
+          </a:prstGeom>
+          <a:noFill/>
+        </p:spPr>
+        <p:txBody>
+          <a:bodyPr wrap="none" lIns="91440" tIns="45720" rIns="91440" bIns="45720">
+            <a:spAutoFit/>
+          </a:bodyPr>
+          <a:lstStyle/>
+          <a:p>
+            <a:pPr algn="ctr"/>
+            <a:r>
+              <a:rPr lang="en-US" sz="2800" dirty="0">
+                <a:ln w="0"/>
+                <a:effectLst>
+                  <a:outerShdw blurRad="38100" dist="19050" dir="2700000" algn="tl" rotWithShape="0">
+                    <a:schemeClr val="dk1">
+                      <a:alpha val="40000"/>
+                    </a:schemeClr>
+                  </a:outerShdw>
+                </a:effectLst>
+                <a:latin typeface="Courier" pitchFamily="2" charset="0"/>
+              </a:rPr>
+              <a:t>4</a:t>
+            </a:r>
+          </a:p>
+        </p:txBody>
+      </p:sp>
+    </p:spTree>
+    <p:extLst>
+      <p:ext uri="{BB962C8B-B14F-4D97-AF65-F5344CB8AC3E}">
+        <p14:creationId xmlns:p14="http://schemas.microsoft.com/office/powerpoint/2010/main" val="2585411340"/>
+      </p:ext>
+    </p:extLst>
+  </p:cSld>
+  <p:clrMapOvr>
+    <a:masterClrMapping/>
+  </p:clrMapOvr>
+</p:sld>
+</file>
+
+<file path=ppt/slides/slide21.xml><?xml version="1.0" encoding="utf-8"?>
+<p:sld xmlns:a="http://schemas.openxmlformats.org/drawingml/2006/main" xmlns:r="http://schemas.openxmlformats.org/officeDocument/2006/relationships" xmlns:p="http://schemas.openxmlformats.org/presentationml/2006/main">
+  <p:cSld>
+    <p:spTree>
+      <p:nvGrpSpPr>
+        <p:cNvPr id="1" name=""/>
+        <p:cNvGrpSpPr/>
+        <p:nvPr/>
+      </p:nvGrpSpPr>
+      <p:grpSpPr>
+        <a:xfrm>
+          <a:off x="0" y="0"/>
+          <a:ext cx="0" cy="0"/>
+          <a:chOff x="0" y="0"/>
+          <a:chExt cx="0" cy="0"/>
+        </a:xfrm>
+      </p:grpSpPr>
+      <p:sp>
+        <p:nvSpPr>
+          <p:cNvPr id="3" name="Content Placeholder 2">
+            <a:extLst>
+              <a:ext uri="{FF2B5EF4-FFF2-40B4-BE49-F238E27FC236}">
+                <a16:creationId xmlns:a16="http://schemas.microsoft.com/office/drawing/2014/main" id="{EE2D95F3-876D-BA1B-1C7A-74E262A4A6CD}"/>
+              </a:ext>
+            </a:extLst>
+          </p:cNvPr>
+          <p:cNvSpPr>
+            <a:spLocks noGrp="1"/>
+          </p:cNvSpPr>
+          <p:nvPr>
+            <p:ph idx="1"/>
+          </p:nvPr>
+        </p:nvSpPr>
+        <p:spPr>
+          <a:xfrm>
+            <a:off x="3869268" y="864108"/>
+            <a:ext cx="7750646" cy="695061"/>
+          </a:xfrm>
+        </p:spPr>
+        <p:txBody>
+          <a:bodyPr anchor="t">
+            <a:normAutofit/>
+          </a:bodyPr>
+          <a:lstStyle/>
+          <a:p>
+            <a:pPr marL="0" indent="0">
+              <a:buNone/>
+            </a:pPr>
+            <a:r>
+              <a:rPr lang="en-US" sz="2800" b="1" dirty="0">
+                <a:latin typeface="Courier" pitchFamily="2" charset="0"/>
+              </a:rPr>
+              <a:t>summarize() </a:t>
+            </a:r>
+            <a:r>
+              <a:rPr lang="en-US" sz="2800" dirty="0"/>
+              <a:t>column with a single value(s)  </a:t>
+            </a:r>
+          </a:p>
+          <a:p>
+            <a:pPr marL="0" indent="0">
+              <a:buNone/>
+            </a:pPr>
+            <a:endParaRPr lang="en-US" sz="2800" dirty="0"/>
+          </a:p>
+          <a:p>
+            <a:pPr marL="0" indent="0">
+              <a:buNone/>
+            </a:pPr>
+            <a:endParaRPr lang="en-US" sz="2800" dirty="0"/>
+          </a:p>
+          <a:p>
+            <a:pPr marL="0" indent="0">
+              <a:buNone/>
+            </a:pPr>
+            <a:endParaRPr lang="en-US" sz="2800" dirty="0"/>
+          </a:p>
+          <a:p>
+            <a:pPr marL="0" indent="0">
+              <a:buNone/>
+            </a:pPr>
+            <a:endParaRPr lang="en-US" sz="2800" dirty="0"/>
+          </a:p>
+        </p:txBody>
+      </p:sp>
+      <p:sp>
+        <p:nvSpPr>
+          <p:cNvPr id="2" name="Title 1">
+            <a:extLst>
+              <a:ext uri="{FF2B5EF4-FFF2-40B4-BE49-F238E27FC236}">
+                <a16:creationId xmlns:a16="http://schemas.microsoft.com/office/drawing/2014/main" id="{A37F20A1-B9B8-F8C1-AC48-36671967C2B5}"/>
+              </a:ext>
+            </a:extLst>
+          </p:cNvPr>
+          <p:cNvSpPr>
+            <a:spLocks noGrp="1"/>
+          </p:cNvSpPr>
+          <p:nvPr>
+            <p:ph type="title"/>
+          </p:nvPr>
+        </p:nvSpPr>
+        <p:spPr/>
+        <p:txBody>
+          <a:bodyPr/>
+          <a:lstStyle/>
+          <a:p>
+            <a:r>
+              <a:rPr lang="en-US" dirty="0"/>
+              <a:t>The 5 Verbs: </a:t>
+            </a:r>
+            <a:r>
+              <a:rPr lang="en-US" dirty="0" err="1">
+                <a:latin typeface="Courier" pitchFamily="2" charset="0"/>
+              </a:rPr>
+              <a:t>dplyr</a:t>
+            </a:r>
+            <a:endParaRPr lang="en-US" dirty="0">
+              <a:latin typeface="Courier" pitchFamily="2" charset="0"/>
+            </a:endParaRPr>
+          </a:p>
+        </p:txBody>
+      </p:sp>
+      <p:pic>
+        <p:nvPicPr>
+          <p:cNvPr id="6" name="Picture 5" descr="A screenshot of a computer&#10;&#10;Description automatically generated">
+            <a:extLst>
+              <a:ext uri="{FF2B5EF4-FFF2-40B4-BE49-F238E27FC236}">
+                <a16:creationId xmlns:a16="http://schemas.microsoft.com/office/drawing/2014/main" id="{348E1CF3-E659-ED22-0312-56888040BFD1}"/>
+              </a:ext>
+            </a:extLst>
+          </p:cNvPr>
+          <p:cNvPicPr>
+            <a:picLocks noChangeAspect="1"/>
+          </p:cNvPicPr>
+          <p:nvPr/>
+        </p:nvPicPr>
+        <p:blipFill>
+          <a:blip r:embed="rId2"/>
+          <a:stretch>
+            <a:fillRect/>
+          </a:stretch>
+        </p:blipFill>
+        <p:spPr>
+          <a:xfrm>
+            <a:off x="3518408" y="1509815"/>
+            <a:ext cx="7638308" cy="4407877"/>
+          </a:xfrm>
+          <a:prstGeom prst="rect">
+            <a:avLst/>
+          </a:prstGeom>
+        </p:spPr>
+      </p:pic>
+    </p:spTree>
+    <p:extLst>
+      <p:ext uri="{BB962C8B-B14F-4D97-AF65-F5344CB8AC3E}">
+        <p14:creationId xmlns:p14="http://schemas.microsoft.com/office/powerpoint/2010/main" val="2273508826"/>
+      </p:ext>
+    </p:extLst>
+  </p:cSld>
+  <p:clrMapOvr>
+    <a:masterClrMapping/>
+  </p:clrMapOvr>
+</p:sld>
+</file>
+
+<file path=ppt/slides/slide22.xml><?xml version="1.0" encoding="utf-8"?>
+<p:sld xmlns:a="http://schemas.openxmlformats.org/drawingml/2006/main" xmlns:r="http://schemas.openxmlformats.org/officeDocument/2006/relationships" xmlns:p="http://schemas.openxmlformats.org/presentationml/2006/main">
+  <p:cSld>
+    <p:spTree>
+      <p:nvGrpSpPr>
+        <p:cNvPr id="1" name=""/>
+        <p:cNvGrpSpPr/>
+        <p:nvPr/>
+      </p:nvGrpSpPr>
+      <p:grpSpPr>
+        <a:xfrm>
+          <a:off x="0" y="0"/>
+          <a:ext cx="0" cy="0"/>
+          <a:chOff x="0" y="0"/>
+          <a:chExt cx="0" cy="0"/>
+        </a:xfrm>
+      </p:grpSpPr>
+      <p:sp>
+        <p:nvSpPr>
+          <p:cNvPr id="3" name="Content Placeholder 2">
+            <a:extLst>
+              <a:ext uri="{FF2B5EF4-FFF2-40B4-BE49-F238E27FC236}">
+                <a16:creationId xmlns:a16="http://schemas.microsoft.com/office/drawing/2014/main" id="{EE2D95F3-876D-BA1B-1C7A-74E262A4A6CD}"/>
+              </a:ext>
+            </a:extLst>
+          </p:cNvPr>
+          <p:cNvSpPr>
+            <a:spLocks noGrp="1"/>
+          </p:cNvSpPr>
+          <p:nvPr>
+            <p:ph idx="1"/>
+          </p:nvPr>
+        </p:nvSpPr>
+        <p:spPr>
+          <a:xfrm>
+            <a:off x="3869268" y="864108"/>
+            <a:ext cx="7185594" cy="4727800"/>
+          </a:xfrm>
+        </p:spPr>
+        <p:txBody>
+          <a:bodyPr anchor="t">
+            <a:normAutofit/>
+          </a:bodyPr>
+          <a:lstStyle/>
+          <a:p>
+            <a:r>
+              <a:rPr lang="en-US" sz="2800" dirty="0"/>
+              <a:t>Work with classmates:</a:t>
+            </a:r>
+          </a:p>
+          <a:p>
+            <a:pPr lvl="1"/>
+            <a:r>
+              <a:rPr lang="en-US" sz="2600" dirty="0"/>
+              <a:t>Choose a name and find the year it was used most frequently</a:t>
+            </a:r>
+          </a:p>
+          <a:p>
+            <a:pPr lvl="1"/>
+            <a:r>
+              <a:rPr lang="en-US" sz="2600" dirty="0"/>
+              <a:t>What was the most popular name that year? </a:t>
+            </a:r>
+          </a:p>
+          <a:p>
+            <a:pPr lvl="1"/>
+            <a:r>
+              <a:rPr lang="en-US" sz="2600" dirty="0"/>
+              <a:t>In which year was the name you picked given to M and F babies most equally? i.e. closest to a 50/50 split</a:t>
+            </a:r>
+          </a:p>
+          <a:p>
+            <a:pPr marL="0" indent="0">
+              <a:buNone/>
+            </a:pPr>
+            <a:endParaRPr lang="en-US" sz="2800" dirty="0"/>
+          </a:p>
+          <a:p>
+            <a:pPr marL="0" indent="0">
+              <a:buNone/>
+            </a:pPr>
+            <a:endParaRPr lang="en-US" sz="2800" dirty="0"/>
+          </a:p>
+        </p:txBody>
+      </p:sp>
+      <p:sp>
+        <p:nvSpPr>
+          <p:cNvPr id="2" name="Title 1">
+            <a:extLst>
+              <a:ext uri="{FF2B5EF4-FFF2-40B4-BE49-F238E27FC236}">
+                <a16:creationId xmlns:a16="http://schemas.microsoft.com/office/drawing/2014/main" id="{A37F20A1-B9B8-F8C1-AC48-36671967C2B5}"/>
+              </a:ext>
+            </a:extLst>
+          </p:cNvPr>
+          <p:cNvSpPr>
+            <a:spLocks noGrp="1"/>
+          </p:cNvSpPr>
+          <p:nvPr>
+            <p:ph type="title"/>
+          </p:nvPr>
+        </p:nvSpPr>
+        <p:spPr/>
+        <p:txBody>
+          <a:bodyPr/>
+          <a:lstStyle/>
+          <a:p>
+            <a:r>
+              <a:rPr lang="en-US" dirty="0"/>
+              <a:t>Your Turn! </a:t>
+            </a:r>
+            <a:endParaRPr lang="en-US" dirty="0">
+              <a:latin typeface="Courier" pitchFamily="2" charset="0"/>
+            </a:endParaRPr>
+          </a:p>
+        </p:txBody>
+      </p:sp>
+    </p:spTree>
+    <p:extLst>
+      <p:ext uri="{BB962C8B-B14F-4D97-AF65-F5344CB8AC3E}">
+        <p14:creationId xmlns:p14="http://schemas.microsoft.com/office/powerpoint/2010/main" val="3436437437"/>
       </p:ext>
     </p:extLst>
   </p:cSld>
@@ -4332,7 +9318,7 @@
             <a:pPr lvl="1"/>
             <a:r>
               <a:rPr lang="en-US" sz="2600" dirty="0"/>
-              <a:t>Add a column to the dataset as a product of existing column(s). Ex. </a:t>
+              <a:t>Add a column to the dataset as a product of existing column. Ex. </a:t>
             </a:r>
           </a:p>
         </p:txBody>
@@ -6625,10 +11611,10 @@
       </p:grpSpPr>
       <p:pic>
         <p:nvPicPr>
-          <p:cNvPr id="5" name="Picture 4" descr="Shape&#10;&#10;Description automatically generated">
-            <a:extLst>
-              <a:ext uri="{FF2B5EF4-FFF2-40B4-BE49-F238E27FC236}">
-                <a16:creationId xmlns:a16="http://schemas.microsoft.com/office/drawing/2014/main" id="{534CEF08-45CD-0CEA-1D5C-9FB81FCBB888}"/>
+          <p:cNvPr id="9" name="Picture 8" descr="A picture containing shape&#10;&#10;Description automatically generated">
+            <a:extLst>
+              <a:ext uri="{FF2B5EF4-FFF2-40B4-BE49-F238E27FC236}">
+                <a16:creationId xmlns:a16="http://schemas.microsoft.com/office/drawing/2014/main" id="{00CB9AA9-19DB-E8DB-5900-4FEAB9AC449E}"/>
               </a:ext>
             </a:extLst>
           </p:cNvPr>
@@ -6645,14 +11631,51 @@
         </p:blipFill>
         <p:spPr>
           <a:xfrm>
-            <a:off x="4243736" y="1473202"/>
-            <a:ext cx="4429818" cy="3200400"/>
+            <a:off x="4180249" y="1399159"/>
+            <a:ext cx="5215542" cy="2829346"/>
           </a:xfrm>
           <a:prstGeom prst="rect">
             <a:avLst/>
           </a:prstGeom>
         </p:spPr>
       </p:pic>
+      <p:sp>
+        <p:nvSpPr>
+          <p:cNvPr id="2" name="Title 1">
+            <a:extLst>
+              <a:ext uri="{FF2B5EF4-FFF2-40B4-BE49-F238E27FC236}">
+                <a16:creationId xmlns:a16="http://schemas.microsoft.com/office/drawing/2014/main" id="{A37F20A1-B9B8-F8C1-AC48-36671967C2B5}"/>
+              </a:ext>
+            </a:extLst>
+          </p:cNvPr>
+          <p:cNvSpPr>
+            <a:spLocks noGrp="1"/>
+          </p:cNvSpPr>
+          <p:nvPr>
+            <p:ph type="title"/>
+          </p:nvPr>
+        </p:nvSpPr>
+        <p:spPr/>
+        <p:txBody>
+          <a:bodyPr/>
+          <a:lstStyle/>
+          <a:p>
+            <a:r>
+              <a:rPr lang="en-US" dirty="0"/>
+              <a:t>The 5 Verbs: </a:t>
+            </a:r>
+            <a:r>
+              <a:rPr lang="en-US" dirty="0" err="1">
+                <a:latin typeface="Courier" pitchFamily="2" charset="0"/>
+              </a:rPr>
+              <a:t>dplyr</a:t>
+            </a:r>
+            <a:endParaRPr lang="en-US" dirty="0">
+              <a:latin typeface="Courier" pitchFamily="2" charset="0"/>
+            </a:endParaRPr>
+          </a:p>
+        </p:txBody>
+      </p:sp>
       <p:sp>
         <p:nvSpPr>
           <p:cNvPr id="3" name="Content Placeholder 2">
@@ -6688,11 +11711,11 @@
               <a:rPr lang="en-US" sz="2800" b="1" dirty="0">
                 <a:latin typeface="Courier" pitchFamily="2" charset="0"/>
               </a:rPr>
-              <a:t>arrange() </a:t>
+              <a:t>mutate() </a:t>
             </a:r>
             <a:r>
               <a:rPr lang="en-US" sz="2800" dirty="0"/>
-              <a:t>the rows in a specific order</a:t>
+              <a:t>the data i.e. add or modify a column</a:t>
             </a:r>
           </a:p>
           <a:p>
@@ -6725,51 +11748,10 @@
           </a:p>
           <a:p>
             <a:pPr lvl="1"/>
-            <a:endParaRPr lang="en-US" sz="2600" dirty="0"/>
-          </a:p>
-          <a:p>
-            <a:pPr lvl="1"/>
             <a:r>
               <a:rPr lang="en-US" sz="2600" dirty="0"/>
-              <a:t>Order rows by value of a column(s) from low to high. Ex. </a:t>
-            </a:r>
-          </a:p>
-        </p:txBody>
-      </p:sp>
-      <p:sp>
-        <p:nvSpPr>
-          <p:cNvPr id="2" name="Title 1">
-            <a:extLst>
-              <a:ext uri="{FF2B5EF4-FFF2-40B4-BE49-F238E27FC236}">
-                <a16:creationId xmlns:a16="http://schemas.microsoft.com/office/drawing/2014/main" id="{A37F20A1-B9B8-F8C1-AC48-36671967C2B5}"/>
-              </a:ext>
-            </a:extLst>
-          </p:cNvPr>
-          <p:cNvSpPr>
-            <a:spLocks noGrp="1"/>
-          </p:cNvSpPr>
-          <p:nvPr>
-            <p:ph type="title"/>
-          </p:nvPr>
-        </p:nvSpPr>
-        <p:spPr/>
-        <p:txBody>
-          <a:bodyPr/>
-          <a:lstStyle/>
-          <a:p>
-            <a:r>
-              <a:rPr lang="en-US" dirty="0"/>
-              <a:t>The 5 Verbs: </a:t>
-            </a:r>
-            <a:r>
-              <a:rPr lang="en-US" dirty="0" err="1">
-                <a:latin typeface="Courier" pitchFamily="2" charset="0"/>
-              </a:rPr>
-              <a:t>dplyr</a:t>
-            </a:r>
-            <a:endParaRPr lang="en-US" dirty="0">
-              <a:latin typeface="Courier" pitchFamily="2" charset="0"/>
-            </a:endParaRPr>
+              <a:t>Add a column to the dataset as a product of existing column(s). Ex. </a:t>
+            </a:r>
           </a:p>
         </p:txBody>
       </p:sp>
@@ -6787,7 +11769,7 @@
         </p:nvSpPr>
         <p:spPr>
           <a:xfrm>
-            <a:off x="4662272" y="5099712"/>
+            <a:off x="4635768" y="4770094"/>
             <a:ext cx="4863915" cy="1128518"/>
           </a:xfrm>
           <a:prstGeom prst="rect">
@@ -6840,7 +11822,7 @@
                 </a:solidFill>
                 <a:latin typeface="Courier" pitchFamily="2" charset="0"/>
               </a:rPr>
-              <a:t>	arrange(a0)</a:t>
+              <a:t>	mutate(c1 = a0 + b1)</a:t>
             </a:r>
           </a:p>
         </p:txBody>
@@ -6967,7 +11949,7 @@
         </p:nvSpPr>
         <p:spPr>
           <a:xfrm>
-            <a:off x="5564190" y="1734882"/>
+            <a:off x="5577442" y="1734882"/>
             <a:ext cx="614271" cy="523220"/>
           </a:xfrm>
           <a:prstGeom prst="rect">
@@ -7040,7 +12022,7 @@
         </p:nvSpPr>
         <p:spPr>
           <a:xfrm>
-            <a:off x="4679669" y="2178150"/>
+            <a:off x="4642393" y="2295024"/>
             <a:ext cx="399468" cy="523220"/>
           </a:xfrm>
           <a:prstGeom prst="rect">
@@ -7067,7 +12049,7 @@
                 </a:effectLst>
                 <a:latin typeface="Courier" pitchFamily="2" charset="0"/>
               </a:rPr>
-              <a:t>2</a:t>
+              <a:t>4</a:t>
             </a:r>
           </a:p>
         </p:txBody>
@@ -7086,7 +12068,7 @@
         </p:nvSpPr>
         <p:spPr>
           <a:xfrm>
-            <a:off x="4675524" y="2699216"/>
+            <a:off x="4649020" y="2778728"/>
             <a:ext cx="399468" cy="523220"/>
           </a:xfrm>
           <a:prstGeom prst="rect">
@@ -7113,7 +12095,7 @@
                 </a:effectLst>
                 <a:latin typeface="Courier" pitchFamily="2" charset="0"/>
               </a:rPr>
-              <a:t>5</a:t>
+              <a:t>2</a:t>
             </a:r>
           </a:p>
         </p:txBody>
@@ -7132,7 +12114,7 @@
         </p:nvSpPr>
         <p:spPr>
           <a:xfrm>
-            <a:off x="4662272" y="3163037"/>
+            <a:off x="4635768" y="3282305"/>
             <a:ext cx="399468" cy="523220"/>
           </a:xfrm>
           <a:prstGeom prst="rect">
@@ -7159,7 +12141,7 @@
                 </a:effectLst>
                 <a:latin typeface="Courier" pitchFamily="2" charset="0"/>
               </a:rPr>
-              <a:t>0</a:t>
+              <a:t>2</a:t>
             </a:r>
           </a:p>
         </p:txBody>
@@ -7232,7 +12214,7 @@
         </p:nvSpPr>
         <p:spPr>
           <a:xfrm>
-            <a:off x="7331202" y="1764942"/>
+            <a:off x="7370958" y="1764942"/>
             <a:ext cx="614271" cy="523220"/>
           </a:xfrm>
           <a:prstGeom prst="rect">
@@ -7286,7 +12268,7 @@
         </p:nvSpPr>
         <p:spPr>
           <a:xfrm>
-            <a:off x="7797186" y="1768014"/>
+            <a:off x="7889950" y="1768014"/>
             <a:ext cx="614271" cy="523220"/>
           </a:xfrm>
           <a:prstGeom prst="rect">
@@ -7347,10 +12329,10 @@
       </p:sp>
       <p:sp>
         <p:nvSpPr>
-          <p:cNvPr id="41" name="Rectangle 40">
-            <a:extLst>
-              <a:ext uri="{FF2B5EF4-FFF2-40B4-BE49-F238E27FC236}">
-                <a16:creationId xmlns:a16="http://schemas.microsoft.com/office/drawing/2014/main" id="{025C2D13-524F-1E10-B836-6CBEBEC1CB9C}"/>
+          <p:cNvPr id="36" name="Rectangle 35">
+            <a:extLst>
+              <a:ext uri="{FF2B5EF4-FFF2-40B4-BE49-F238E27FC236}">
+                <a16:creationId xmlns:a16="http://schemas.microsoft.com/office/drawing/2014/main" id="{1B413CFA-396F-AF45-D26E-ECDD339F9DBA}"/>
               </a:ext>
             </a:extLst>
           </p:cNvPr>
@@ -7359,7 +12341,61 @@
         </p:nvSpPr>
         <p:spPr>
           <a:xfrm>
-            <a:off x="6954901" y="2261894"/>
+            <a:off x="8408835" y="1766862"/>
+            <a:ext cx="614271" cy="523220"/>
+          </a:xfrm>
+          <a:prstGeom prst="rect">
+            <a:avLst/>
+          </a:prstGeom>
+          <a:noFill/>
+        </p:spPr>
+        <p:txBody>
+          <a:bodyPr wrap="none" lIns="91440" tIns="45720" rIns="91440" bIns="45720">
+            <a:spAutoFit/>
+          </a:bodyPr>
+          <a:lstStyle/>
+          <a:p>
+            <a:pPr algn="ctr"/>
+            <a:r>
+              <a:rPr lang="en-US" sz="2800" b="1" cap="none" spc="0" dirty="0">
+                <a:ln w="10160">
+                  <a:solidFill>
+                    <a:schemeClr val="accent5"/>
+                  </a:solidFill>
+                  <a:prstDash val="solid"/>
+                </a:ln>
+                <a:solidFill>
+                  <a:srgbClr val="FFFFFF"/>
+                </a:solidFill>
+                <a:effectLst>
+                  <a:outerShdw blurRad="38100" dist="22860" dir="5400000" algn="tl" rotWithShape="0">
+                    <a:srgbClr val="000000">
+                      <a:alpha val="30000"/>
+                    </a:srgbClr>
+                  </a:outerShdw>
+                </a:effectLst>
+                <a:latin typeface="Courier" pitchFamily="2" charset="0"/>
+              </a:rPr>
+              <a:t>c1</a:t>
+            </a:r>
+          </a:p>
+        </p:txBody>
+      </p:sp>
+      <p:sp>
+        <p:nvSpPr>
+          <p:cNvPr id="28" name="Rectangle 27">
+            <a:extLst>
+              <a:ext uri="{FF2B5EF4-FFF2-40B4-BE49-F238E27FC236}">
+                <a16:creationId xmlns:a16="http://schemas.microsoft.com/office/drawing/2014/main" id="{0FC412DB-0A26-7FC5-0BD0-E87DFE3949B6}"/>
+              </a:ext>
+            </a:extLst>
+          </p:cNvPr>
+          <p:cNvSpPr/>
+          <p:nvPr/>
+        </p:nvSpPr>
+        <p:spPr>
+          <a:xfrm>
+            <a:off x="5695941" y="2288399"/>
             <a:ext cx="399468" cy="523220"/>
           </a:xfrm>
           <a:prstGeom prst="rect">
@@ -7386,17 +12422,17 @@
                 </a:effectLst>
                 <a:latin typeface="Courier" pitchFamily="2" charset="0"/>
               </a:rPr>
-              <a:t>0</a:t>
-            </a:r>
-          </a:p>
-        </p:txBody>
-      </p:sp>
-      <p:sp>
-        <p:nvSpPr>
-          <p:cNvPr id="42" name="Rectangle 41">
-            <a:extLst>
-              <a:ext uri="{FF2B5EF4-FFF2-40B4-BE49-F238E27FC236}">
-                <a16:creationId xmlns:a16="http://schemas.microsoft.com/office/drawing/2014/main" id="{4C94FB20-8C52-D841-C7DA-D33739B94228}"/>
+              <a:t>3</a:t>
+            </a:r>
+          </a:p>
+        </p:txBody>
+      </p:sp>
+      <p:sp>
+        <p:nvSpPr>
+          <p:cNvPr id="29" name="Rectangle 28">
+            <a:extLst>
+              <a:ext uri="{FF2B5EF4-FFF2-40B4-BE49-F238E27FC236}">
+                <a16:creationId xmlns:a16="http://schemas.microsoft.com/office/drawing/2014/main" id="{36A99E0B-3FC3-3759-E337-CB2C79768DCE}"/>
               </a:ext>
             </a:extLst>
           </p:cNvPr>
@@ -7405,7 +12441,7 @@
         </p:nvSpPr>
         <p:spPr>
           <a:xfrm>
-            <a:off x="6974780" y="2732346"/>
+            <a:off x="5702568" y="2772103"/>
             <a:ext cx="399468" cy="523220"/>
           </a:xfrm>
           <a:prstGeom prst="rect">
@@ -7432,17 +12468,17 @@
                 </a:effectLst>
                 <a:latin typeface="Courier" pitchFamily="2" charset="0"/>
               </a:rPr>
-              <a:t>2</a:t>
-            </a:r>
-          </a:p>
-        </p:txBody>
-      </p:sp>
-      <p:sp>
-        <p:nvSpPr>
-          <p:cNvPr id="43" name="Rectangle 42">
-            <a:extLst>
-              <a:ext uri="{FF2B5EF4-FFF2-40B4-BE49-F238E27FC236}">
-                <a16:creationId xmlns:a16="http://schemas.microsoft.com/office/drawing/2014/main" id="{8CE6E607-C5D9-523B-61A1-89E52860D971}"/>
+              <a:t>7</a:t>
+            </a:r>
+          </a:p>
+        </p:txBody>
+      </p:sp>
+      <p:sp>
+        <p:nvSpPr>
+          <p:cNvPr id="30" name="Rectangle 29">
+            <a:extLst>
+              <a:ext uri="{FF2B5EF4-FFF2-40B4-BE49-F238E27FC236}">
+                <a16:creationId xmlns:a16="http://schemas.microsoft.com/office/drawing/2014/main" id="{03766577-497A-0589-6F0D-B6E1AB4260C4}"/>
               </a:ext>
             </a:extLst>
           </p:cNvPr>
@@ -7451,7 +12487,7 @@
         </p:nvSpPr>
         <p:spPr>
           <a:xfrm>
-            <a:off x="6974780" y="3222671"/>
+            <a:off x="5689316" y="3275680"/>
             <a:ext cx="399468" cy="523220"/>
           </a:xfrm>
           <a:prstGeom prst="rect">
@@ -7478,17 +12514,17 @@
                 </a:effectLst>
                 <a:latin typeface="Courier" pitchFamily="2" charset="0"/>
               </a:rPr>
-              <a:t>3</a:t>
-            </a:r>
-          </a:p>
-        </p:txBody>
-      </p:sp>
-      <p:sp>
-        <p:nvSpPr>
-          <p:cNvPr id="37" name="Rectangle 36">
-            <a:extLst>
-              <a:ext uri="{FF2B5EF4-FFF2-40B4-BE49-F238E27FC236}">
-                <a16:creationId xmlns:a16="http://schemas.microsoft.com/office/drawing/2014/main" id="{6CBB9B0B-DDAC-6BB2-057E-DD712E521803}"/>
+              <a:t>1</a:t>
+            </a:r>
+          </a:p>
+        </p:txBody>
+      </p:sp>
+      <p:sp>
+        <p:nvSpPr>
+          <p:cNvPr id="31" name="Rectangle 30">
+            <a:extLst>
+              <a:ext uri="{FF2B5EF4-FFF2-40B4-BE49-F238E27FC236}">
+                <a16:creationId xmlns:a16="http://schemas.microsoft.com/office/drawing/2014/main" id="{88E41FBE-32A7-4C60-F682-588F42F5F9CC}"/>
               </a:ext>
             </a:extLst>
           </p:cNvPr>
@@ -7497,7 +12533,7 @@
         </p:nvSpPr>
         <p:spPr>
           <a:xfrm>
-            <a:off x="4682152" y="3620235"/>
+            <a:off x="8498779" y="2295026"/>
             <a:ext cx="399468" cy="523220"/>
           </a:xfrm>
           <a:prstGeom prst="rect">
@@ -7524,17 +12560,17 @@
                 </a:effectLst>
                 <a:latin typeface="Courier" pitchFamily="2" charset="0"/>
               </a:rPr>
-              <a:t>3</a:t>
-            </a:r>
-          </a:p>
-        </p:txBody>
-      </p:sp>
-      <p:sp>
-        <p:nvSpPr>
-          <p:cNvPr id="38" name="Rectangle 37">
-            <a:extLst>
-              <a:ext uri="{FF2B5EF4-FFF2-40B4-BE49-F238E27FC236}">
-                <a16:creationId xmlns:a16="http://schemas.microsoft.com/office/drawing/2014/main" id="{372801C9-5B70-8B9B-E011-03B660928AFE}"/>
+              <a:t>7</a:t>
+            </a:r>
+          </a:p>
+        </p:txBody>
+      </p:sp>
+      <p:sp>
+        <p:nvSpPr>
+          <p:cNvPr id="32" name="Rectangle 31">
+            <a:extLst>
+              <a:ext uri="{FF2B5EF4-FFF2-40B4-BE49-F238E27FC236}">
+                <a16:creationId xmlns:a16="http://schemas.microsoft.com/office/drawing/2014/main" id="{219CB645-E921-1BF7-AE27-2A84E64F86C5}"/>
               </a:ext>
             </a:extLst>
           </p:cNvPr>
@@ -7543,7 +12579,7 @@
         </p:nvSpPr>
         <p:spPr>
           <a:xfrm>
-            <a:off x="6968152" y="3675285"/>
+            <a:off x="8505406" y="2778730"/>
             <a:ext cx="399468" cy="523220"/>
           </a:xfrm>
           <a:prstGeom prst="rect">
@@ -7570,15 +12606,367 @@
                 </a:effectLst>
                 <a:latin typeface="Courier" pitchFamily="2" charset="0"/>
               </a:rPr>
-              <a:t>5</a:t>
-            </a:r>
-          </a:p>
-        </p:txBody>
-      </p:sp>
+              <a:t>9</a:t>
+            </a:r>
+          </a:p>
+        </p:txBody>
+      </p:sp>
+      <p:sp>
+        <p:nvSpPr>
+          <p:cNvPr id="40" name="Rectangle 39">
+            <a:extLst>
+              <a:ext uri="{FF2B5EF4-FFF2-40B4-BE49-F238E27FC236}">
+                <a16:creationId xmlns:a16="http://schemas.microsoft.com/office/drawing/2014/main" id="{171C4807-0A37-7078-24EA-C373D3BF4EE4}"/>
+              </a:ext>
+            </a:extLst>
+          </p:cNvPr>
+          <p:cNvSpPr/>
+          <p:nvPr/>
+        </p:nvSpPr>
+        <p:spPr>
+          <a:xfrm>
+            <a:off x="8492154" y="3282307"/>
+            <a:ext cx="399468" cy="523220"/>
+          </a:xfrm>
+          <a:prstGeom prst="rect">
+            <a:avLst/>
+          </a:prstGeom>
+          <a:noFill/>
+        </p:spPr>
+        <p:txBody>
+          <a:bodyPr wrap="none" lIns="91440" tIns="45720" rIns="91440" bIns="45720">
+            <a:spAutoFit/>
+          </a:bodyPr>
+          <a:lstStyle/>
+          <a:p>
+            <a:pPr algn="ctr"/>
+            <a:r>
+              <a:rPr lang="en-US" sz="2800" dirty="0">
+                <a:ln w="0"/>
+                <a:effectLst>
+                  <a:outerShdw blurRad="38100" dist="19050" dir="2700000" algn="tl" rotWithShape="0">
+                    <a:schemeClr val="dk1">
+                      <a:alpha val="40000"/>
+                    </a:schemeClr>
+                  </a:outerShdw>
+                </a:effectLst>
+                <a:latin typeface="Courier" pitchFamily="2" charset="0"/>
+              </a:rPr>
+              <a:t>3</a:t>
+            </a:r>
+          </a:p>
+        </p:txBody>
+      </p:sp>
+      <p:sp>
+        <p:nvSpPr>
+          <p:cNvPr id="41" name="Rectangle 40">
+            <a:extLst>
+              <a:ext uri="{FF2B5EF4-FFF2-40B4-BE49-F238E27FC236}">
+                <a16:creationId xmlns:a16="http://schemas.microsoft.com/office/drawing/2014/main" id="{025C2D13-524F-1E10-B836-6CBEBEC1CB9C}"/>
+              </a:ext>
+            </a:extLst>
+          </p:cNvPr>
+          <p:cNvSpPr/>
+          <p:nvPr/>
+        </p:nvSpPr>
+        <p:spPr>
+          <a:xfrm>
+            <a:off x="6981405" y="2288398"/>
+            <a:ext cx="399468" cy="523220"/>
+          </a:xfrm>
+          <a:prstGeom prst="rect">
+            <a:avLst/>
+          </a:prstGeom>
+          <a:noFill/>
+        </p:spPr>
+        <p:txBody>
+          <a:bodyPr wrap="none" lIns="91440" tIns="45720" rIns="91440" bIns="45720">
+            <a:spAutoFit/>
+          </a:bodyPr>
+          <a:lstStyle/>
+          <a:p>
+            <a:pPr algn="ctr"/>
+            <a:r>
+              <a:rPr lang="en-US" sz="2800" dirty="0">
+                <a:ln w="0"/>
+                <a:effectLst>
+                  <a:outerShdw blurRad="38100" dist="19050" dir="2700000" algn="tl" rotWithShape="0">
+                    <a:schemeClr val="dk1">
+                      <a:alpha val="40000"/>
+                    </a:schemeClr>
+                  </a:outerShdw>
+                </a:effectLst>
+                <a:latin typeface="Courier" pitchFamily="2" charset="0"/>
+              </a:rPr>
+              <a:t>4</a:t>
+            </a:r>
+          </a:p>
+        </p:txBody>
+      </p:sp>
+      <p:sp>
+        <p:nvSpPr>
+          <p:cNvPr id="42" name="Rectangle 41">
+            <a:extLst>
+              <a:ext uri="{FF2B5EF4-FFF2-40B4-BE49-F238E27FC236}">
+                <a16:creationId xmlns:a16="http://schemas.microsoft.com/office/drawing/2014/main" id="{4C94FB20-8C52-D841-C7DA-D33739B94228}"/>
+              </a:ext>
+            </a:extLst>
+          </p:cNvPr>
+          <p:cNvSpPr/>
+          <p:nvPr/>
+        </p:nvSpPr>
+        <p:spPr>
+          <a:xfrm>
+            <a:off x="6988032" y="2772102"/>
+            <a:ext cx="399468" cy="523220"/>
+          </a:xfrm>
+          <a:prstGeom prst="rect">
+            <a:avLst/>
+          </a:prstGeom>
+          <a:noFill/>
+        </p:spPr>
+        <p:txBody>
+          <a:bodyPr wrap="none" lIns="91440" tIns="45720" rIns="91440" bIns="45720">
+            <a:spAutoFit/>
+          </a:bodyPr>
+          <a:lstStyle/>
+          <a:p>
+            <a:pPr algn="ctr"/>
+            <a:r>
+              <a:rPr lang="en-US" sz="2800" dirty="0">
+                <a:ln w="0"/>
+                <a:effectLst>
+                  <a:outerShdw blurRad="38100" dist="19050" dir="2700000" algn="tl" rotWithShape="0">
+                    <a:schemeClr val="dk1">
+                      <a:alpha val="40000"/>
+                    </a:schemeClr>
+                  </a:outerShdw>
+                </a:effectLst>
+                <a:latin typeface="Courier" pitchFamily="2" charset="0"/>
+              </a:rPr>
+              <a:t>2</a:t>
+            </a:r>
+          </a:p>
+        </p:txBody>
+      </p:sp>
+      <p:sp>
+        <p:nvSpPr>
+          <p:cNvPr id="43" name="Rectangle 42">
+            <a:extLst>
+              <a:ext uri="{FF2B5EF4-FFF2-40B4-BE49-F238E27FC236}">
+                <a16:creationId xmlns:a16="http://schemas.microsoft.com/office/drawing/2014/main" id="{8CE6E607-C5D9-523B-61A1-89E52860D971}"/>
+              </a:ext>
+            </a:extLst>
+          </p:cNvPr>
+          <p:cNvSpPr/>
+          <p:nvPr/>
+        </p:nvSpPr>
+        <p:spPr>
+          <a:xfrm>
+            <a:off x="6974780" y="3275679"/>
+            <a:ext cx="399468" cy="523220"/>
+          </a:xfrm>
+          <a:prstGeom prst="rect">
+            <a:avLst/>
+          </a:prstGeom>
+          <a:noFill/>
+        </p:spPr>
+        <p:txBody>
+          <a:bodyPr wrap="none" lIns="91440" tIns="45720" rIns="91440" bIns="45720">
+            <a:spAutoFit/>
+          </a:bodyPr>
+          <a:lstStyle/>
+          <a:p>
+            <a:pPr algn="ctr"/>
+            <a:r>
+              <a:rPr lang="en-US" sz="2800" dirty="0">
+                <a:ln w="0"/>
+                <a:effectLst>
+                  <a:outerShdw blurRad="38100" dist="19050" dir="2700000" algn="tl" rotWithShape="0">
+                    <a:schemeClr val="dk1">
+                      <a:alpha val="40000"/>
+                    </a:schemeClr>
+                  </a:outerShdw>
+                </a:effectLst>
+                <a:latin typeface="Courier" pitchFamily="2" charset="0"/>
+              </a:rPr>
+              <a:t>2</a:t>
+            </a:r>
+          </a:p>
+        </p:txBody>
+      </p:sp>
+      <p:sp>
+        <p:nvSpPr>
+          <p:cNvPr id="44" name="Rectangle 43">
+            <a:extLst>
+              <a:ext uri="{FF2B5EF4-FFF2-40B4-BE49-F238E27FC236}">
+                <a16:creationId xmlns:a16="http://schemas.microsoft.com/office/drawing/2014/main" id="{9145F2B1-A28D-1E35-1326-8BA8BBBB4676}"/>
+              </a:ext>
+            </a:extLst>
+          </p:cNvPr>
+          <p:cNvSpPr/>
+          <p:nvPr/>
+        </p:nvSpPr>
+        <p:spPr>
+          <a:xfrm>
+            <a:off x="7981943" y="2281773"/>
+            <a:ext cx="399468" cy="523220"/>
+          </a:xfrm>
+          <a:prstGeom prst="rect">
+            <a:avLst/>
+          </a:prstGeom>
+          <a:noFill/>
+        </p:spPr>
+        <p:txBody>
+          <a:bodyPr wrap="none" lIns="91440" tIns="45720" rIns="91440" bIns="45720">
+            <a:spAutoFit/>
+          </a:bodyPr>
+          <a:lstStyle/>
+          <a:p>
+            <a:pPr algn="ctr"/>
+            <a:r>
+              <a:rPr lang="en-US" sz="2800" dirty="0">
+                <a:ln w="0"/>
+                <a:effectLst>
+                  <a:outerShdw blurRad="38100" dist="19050" dir="2700000" algn="tl" rotWithShape="0">
+                    <a:schemeClr val="dk1">
+                      <a:alpha val="40000"/>
+                    </a:schemeClr>
+                  </a:outerShdw>
+                </a:effectLst>
+                <a:latin typeface="Courier" pitchFamily="2" charset="0"/>
+              </a:rPr>
+              <a:t>3</a:t>
+            </a:r>
+          </a:p>
+        </p:txBody>
+      </p:sp>
+      <p:sp>
+        <p:nvSpPr>
+          <p:cNvPr id="45" name="Rectangle 44">
+            <a:extLst>
+              <a:ext uri="{FF2B5EF4-FFF2-40B4-BE49-F238E27FC236}">
+                <a16:creationId xmlns:a16="http://schemas.microsoft.com/office/drawing/2014/main" id="{A67ECA27-4DF1-7D03-D058-1F0F78E61113}"/>
+              </a:ext>
+            </a:extLst>
+          </p:cNvPr>
+          <p:cNvSpPr/>
+          <p:nvPr/>
+        </p:nvSpPr>
+        <p:spPr>
+          <a:xfrm>
+            <a:off x="7988570" y="2765477"/>
+            <a:ext cx="399468" cy="523220"/>
+          </a:xfrm>
+          <a:prstGeom prst="rect">
+            <a:avLst/>
+          </a:prstGeom>
+          <a:noFill/>
+        </p:spPr>
+        <p:txBody>
+          <a:bodyPr wrap="none" lIns="91440" tIns="45720" rIns="91440" bIns="45720">
+            <a:spAutoFit/>
+          </a:bodyPr>
+          <a:lstStyle/>
+          <a:p>
+            <a:pPr algn="ctr"/>
+            <a:r>
+              <a:rPr lang="en-US" sz="2800" dirty="0">
+                <a:ln w="0"/>
+                <a:effectLst>
+                  <a:outerShdw blurRad="38100" dist="19050" dir="2700000" algn="tl" rotWithShape="0">
+                    <a:schemeClr val="dk1">
+                      <a:alpha val="40000"/>
+                    </a:schemeClr>
+                  </a:outerShdw>
+                </a:effectLst>
+                <a:latin typeface="Courier" pitchFamily="2" charset="0"/>
+              </a:rPr>
+              <a:t>7</a:t>
+            </a:r>
+          </a:p>
+        </p:txBody>
+      </p:sp>
+      <p:sp>
+        <p:nvSpPr>
+          <p:cNvPr id="46" name="Rectangle 45">
+            <a:extLst>
+              <a:ext uri="{FF2B5EF4-FFF2-40B4-BE49-F238E27FC236}">
+                <a16:creationId xmlns:a16="http://schemas.microsoft.com/office/drawing/2014/main" id="{BCB6AA76-0260-F596-B632-C4ADA7E721FD}"/>
+              </a:ext>
+            </a:extLst>
+          </p:cNvPr>
+          <p:cNvSpPr/>
+          <p:nvPr/>
+        </p:nvSpPr>
+        <p:spPr>
+          <a:xfrm>
+            <a:off x="7975318" y="3269054"/>
+            <a:ext cx="399468" cy="523220"/>
+          </a:xfrm>
+          <a:prstGeom prst="rect">
+            <a:avLst/>
+          </a:prstGeom>
+          <a:noFill/>
+        </p:spPr>
+        <p:txBody>
+          <a:bodyPr wrap="none" lIns="91440" tIns="45720" rIns="91440" bIns="45720">
+            <a:spAutoFit/>
+          </a:bodyPr>
+          <a:lstStyle/>
+          <a:p>
+            <a:pPr algn="ctr"/>
+            <a:r>
+              <a:rPr lang="en-US" sz="2800" dirty="0">
+                <a:ln w="0"/>
+                <a:effectLst>
+                  <a:outerShdw blurRad="38100" dist="19050" dir="2700000" algn="tl" rotWithShape="0">
+                    <a:schemeClr val="dk1">
+                      <a:alpha val="40000"/>
+                    </a:schemeClr>
+                  </a:outerShdw>
+                </a:effectLst>
+                <a:latin typeface="Courier" pitchFamily="2" charset="0"/>
+              </a:rPr>
+              <a:t>1</a:t>
+            </a:r>
+          </a:p>
+        </p:txBody>
+      </p:sp>
+      <p:pic>
+        <p:nvPicPr>
+          <p:cNvPr id="4" name="Picture 3" descr="A screenshot of a computer&#10;&#10;Description automatically generated">
+            <a:extLst>
+              <a:ext uri="{FF2B5EF4-FFF2-40B4-BE49-F238E27FC236}">
+                <a16:creationId xmlns:a16="http://schemas.microsoft.com/office/drawing/2014/main" id="{562FAEDE-00DE-426C-47D0-2C3B66DFE873}"/>
+              </a:ext>
+            </a:extLst>
+          </p:cNvPr>
+          <p:cNvPicPr>
+            <a:picLocks noChangeAspect="1"/>
+          </p:cNvPicPr>
+          <p:nvPr/>
+        </p:nvPicPr>
+        <p:blipFill>
+          <a:blip r:embed="rId3"/>
+          <a:stretch>
+            <a:fillRect/>
+          </a:stretch>
+        </p:blipFill>
+        <p:spPr>
+          <a:xfrm>
+            <a:off x="572086" y="1302563"/>
+            <a:ext cx="11047828" cy="5058743"/>
+          </a:xfrm>
+          <a:prstGeom prst="rect">
+            <a:avLst/>
+          </a:prstGeom>
+        </p:spPr>
+      </p:pic>
     </p:spTree>
     <p:extLst>
       <p:ext uri="{BB962C8B-B14F-4D97-AF65-F5344CB8AC3E}">
-        <p14:creationId xmlns:p14="http://schemas.microsoft.com/office/powerpoint/2010/main" val="4048794534"/>
+        <p14:creationId xmlns:p14="http://schemas.microsoft.com/office/powerpoint/2010/main" val="1891020713"/>
       </p:ext>
     </p:extLst>
   </p:cSld>
@@ -7605,36 +12993,43 @@
           <a:chExt cx="0" cy="0"/>
         </a:xfrm>
       </p:grpSpPr>
-      <p:pic>
-        <p:nvPicPr>
-          <p:cNvPr id="5" name="Picture 4" descr="Shape&#10;&#10;Description automatically generated">
-            <a:extLst>
-              <a:ext uri="{FF2B5EF4-FFF2-40B4-BE49-F238E27FC236}">
-                <a16:creationId xmlns:a16="http://schemas.microsoft.com/office/drawing/2014/main" id="{534CEF08-45CD-0CEA-1D5C-9FB81FCBB888}"/>
-              </a:ext>
-            </a:extLst>
-          </p:cNvPr>
-          <p:cNvPicPr>
-            <a:picLocks noChangeAspect="1"/>
-          </p:cNvPicPr>
-          <p:nvPr/>
-        </p:nvPicPr>
-        <p:blipFill>
-          <a:blip r:embed="rId2"/>
-          <a:stretch>
-            <a:fillRect/>
-          </a:stretch>
-        </p:blipFill>
-        <p:spPr>
-          <a:xfrm>
-            <a:off x="4243736" y="1473202"/>
-            <a:ext cx="4429818" cy="3200400"/>
-          </a:xfrm>
-          <a:prstGeom prst="rect">
-            <a:avLst/>
-          </a:prstGeom>
-        </p:spPr>
-      </p:pic>
+      <p:sp>
+        <p:nvSpPr>
+          <p:cNvPr id="2" name="Title 1">
+            <a:extLst>
+              <a:ext uri="{FF2B5EF4-FFF2-40B4-BE49-F238E27FC236}">
+                <a16:creationId xmlns:a16="http://schemas.microsoft.com/office/drawing/2014/main" id="{A37F20A1-B9B8-F8C1-AC48-36671967C2B5}"/>
+              </a:ext>
+            </a:extLst>
+          </p:cNvPr>
+          <p:cNvSpPr>
+            <a:spLocks noGrp="1"/>
+          </p:cNvSpPr>
+          <p:nvPr>
+            <p:ph type="title"/>
+          </p:nvPr>
+        </p:nvSpPr>
+        <p:spPr/>
+        <p:txBody>
+          <a:bodyPr/>
+          <a:lstStyle/>
+          <a:p>
+            <a:r>
+              <a:rPr lang="en-US" dirty="0"/>
+              <a:t>The 5 Verbs: </a:t>
+            </a:r>
+            <a:r>
+              <a:rPr lang="en-US" dirty="0" err="1">
+                <a:latin typeface="Courier" pitchFamily="2" charset="0"/>
+              </a:rPr>
+              <a:t>dplyr</a:t>
+            </a:r>
+            <a:endParaRPr lang="en-US" dirty="0">
+              <a:latin typeface="Courier" pitchFamily="2" charset="0"/>
+            </a:endParaRPr>
+          </a:p>
+        </p:txBody>
+      </p:sp>
       <p:sp>
         <p:nvSpPr>
           <p:cNvPr id="3" name="Content Placeholder 2">
@@ -7670,11 +13065,25 @@
               <a:rPr lang="en-US" sz="2800" b="1" dirty="0">
                 <a:latin typeface="Courier" pitchFamily="2" charset="0"/>
               </a:rPr>
-              <a:t>arrange() </a:t>
+              <a:t>mutate() </a:t>
             </a:r>
             <a:r>
               <a:rPr lang="en-US" sz="2800" dirty="0"/>
-              <a:t>the rows in a specific order</a:t>
+              <a:t>the data i.e. add or modify a column</a:t>
+            </a:r>
+          </a:p>
+          <a:p>
+            <a:r>
+              <a:rPr lang="en-US" sz="2800" dirty="0"/>
+              <a:t>Work with whoever is near you to add a column to </a:t>
+            </a:r>
+            <a:r>
+              <a:rPr lang="en-US" sz="2800" dirty="0" err="1"/>
+              <a:t>babynames</a:t>
+            </a:r>
+            <a:r>
+              <a:rPr lang="en-US" sz="2800" dirty="0"/>
+              <a:t> called popular that is TRUE if a name was assigned to more than 1% of all babies in a given year </a:t>
             </a:r>
           </a:p>
           <a:p>
@@ -7689,888 +13098,12 @@
             </a:pPr>
             <a:endParaRPr lang="en-US" sz="2800" dirty="0"/>
           </a:p>
-          <a:p>
-            <a:pPr marL="0" indent="0">
-              <a:buNone/>
-            </a:pPr>
-            <a:endParaRPr lang="en-US" sz="2800" dirty="0"/>
-          </a:p>
-          <a:p>
-            <a:pPr marL="0" indent="0">
-              <a:buNone/>
-            </a:pPr>
-            <a:endParaRPr lang="en-US" sz="2800" dirty="0"/>
-          </a:p>
-          <a:p>
-            <a:pPr lvl="1"/>
-            <a:endParaRPr lang="en-US" sz="2600" dirty="0"/>
-          </a:p>
-          <a:p>
-            <a:pPr lvl="1"/>
-            <a:endParaRPr lang="en-US" sz="2600" dirty="0"/>
-          </a:p>
-          <a:p>
-            <a:pPr lvl="1"/>
-            <a:r>
-              <a:rPr lang="en-US" sz="2600" dirty="0"/>
-              <a:t>Order rows by value of a column(s) from low to high. Use </a:t>
-            </a:r>
-            <a:r>
-              <a:rPr lang="en-US" sz="2600" dirty="0">
-                <a:latin typeface="Courier" pitchFamily="2" charset="0"/>
-              </a:rPr>
-              <a:t>desc() </a:t>
-            </a:r>
-            <a:r>
-              <a:rPr lang="en-US" sz="2600" dirty="0"/>
-              <a:t>to go from high to low. Ex. </a:t>
-            </a:r>
-          </a:p>
-        </p:txBody>
-      </p:sp>
-      <p:sp>
-        <p:nvSpPr>
-          <p:cNvPr id="2" name="Title 1">
-            <a:extLst>
-              <a:ext uri="{FF2B5EF4-FFF2-40B4-BE49-F238E27FC236}">
-                <a16:creationId xmlns:a16="http://schemas.microsoft.com/office/drawing/2014/main" id="{A37F20A1-B9B8-F8C1-AC48-36671967C2B5}"/>
-              </a:ext>
-            </a:extLst>
-          </p:cNvPr>
-          <p:cNvSpPr>
-            <a:spLocks noGrp="1"/>
-          </p:cNvSpPr>
-          <p:nvPr>
-            <p:ph type="title"/>
-          </p:nvPr>
-        </p:nvSpPr>
-        <p:spPr/>
-        <p:txBody>
-          <a:bodyPr/>
-          <a:lstStyle/>
-          <a:p>
-            <a:r>
-              <a:rPr lang="en-US" dirty="0"/>
-              <a:t>The 5 Verbs: </a:t>
-            </a:r>
-            <a:r>
-              <a:rPr lang="en-US" dirty="0" err="1">
-                <a:latin typeface="Courier" pitchFamily="2" charset="0"/>
-              </a:rPr>
-              <a:t>dplyr</a:t>
-            </a:r>
-            <a:endParaRPr lang="en-US" dirty="0">
-              <a:latin typeface="Courier" pitchFamily="2" charset="0"/>
-            </a:endParaRPr>
-          </a:p>
-        </p:txBody>
-      </p:sp>
-      <p:sp>
-        <p:nvSpPr>
-          <p:cNvPr id="6" name="Rectangle 5">
-            <a:extLst>
-              <a:ext uri="{FF2B5EF4-FFF2-40B4-BE49-F238E27FC236}">
-                <a16:creationId xmlns:a16="http://schemas.microsoft.com/office/drawing/2014/main" id="{4B8C8884-7FD9-2275-95BF-467B2374BB1C}"/>
-              </a:ext>
-            </a:extLst>
-          </p:cNvPr>
-          <p:cNvSpPr/>
-          <p:nvPr/>
-        </p:nvSpPr>
-        <p:spPr>
-          <a:xfrm>
-            <a:off x="4662272" y="5099712"/>
-            <a:ext cx="4863915" cy="1128518"/>
-          </a:xfrm>
-          <a:prstGeom prst="rect">
-            <a:avLst/>
-          </a:prstGeom>
-          <a:solidFill>
-            <a:schemeClr val="bg1">
-              <a:lumMod val="95000"/>
-            </a:schemeClr>
-          </a:solidFill>
-          <a:ln>
-            <a:noFill/>
-          </a:ln>
-        </p:spPr>
-        <p:style>
-          <a:lnRef idx="2">
-            <a:schemeClr val="accent4">
-              <a:shade val="50000"/>
-            </a:schemeClr>
-          </a:lnRef>
-          <a:fillRef idx="1">
-            <a:schemeClr val="accent4"/>
-          </a:fillRef>
-          <a:effectRef idx="0">
-            <a:schemeClr val="accent4"/>
-          </a:effectRef>
-          <a:fontRef idx="minor">
-            <a:schemeClr val="lt1"/>
-          </a:fontRef>
-        </p:style>
-        <p:txBody>
-          <a:bodyPr rtlCol="0" anchor="ctr"/>
-          <a:lstStyle/>
-          <a:p>
-            <a:r>
-              <a:rPr lang="en-US" sz="2000" dirty="0">
-                <a:solidFill>
-                  <a:schemeClr val="tx1"/>
-                </a:solidFill>
-                <a:latin typeface="Courier" pitchFamily="2" charset="0"/>
-              </a:rPr>
-              <a:t>data %&gt;%</a:t>
-            </a:r>
-          </a:p>
-          <a:p>
-            <a:r>
-              <a:rPr lang="en-US" sz="2000" dirty="0">
-                <a:solidFill>
-                  <a:schemeClr val="tx1"/>
-                </a:solidFill>
-                <a:latin typeface="Courier" pitchFamily="2" charset="0"/>
-              </a:rPr>
-              <a:t>	arrange(desc(a0))</a:t>
-            </a:r>
-          </a:p>
-        </p:txBody>
-      </p:sp>
-      <p:sp>
-        <p:nvSpPr>
-          <p:cNvPr id="16" name="Rectangle 15">
-            <a:extLst>
-              <a:ext uri="{FF2B5EF4-FFF2-40B4-BE49-F238E27FC236}">
-                <a16:creationId xmlns:a16="http://schemas.microsoft.com/office/drawing/2014/main" id="{01D988D5-97BA-2250-33E7-0177349A9325}"/>
-              </a:ext>
-            </a:extLst>
-          </p:cNvPr>
-          <p:cNvSpPr/>
-          <p:nvPr/>
-        </p:nvSpPr>
-        <p:spPr>
-          <a:xfrm>
-            <a:off x="4539566" y="1731810"/>
-            <a:ext cx="614271" cy="523220"/>
-          </a:xfrm>
-          <a:prstGeom prst="rect">
-            <a:avLst/>
-          </a:prstGeom>
-          <a:noFill/>
-        </p:spPr>
-        <p:txBody>
-          <a:bodyPr wrap="none" lIns="91440" tIns="45720" rIns="91440" bIns="45720">
-            <a:spAutoFit/>
-          </a:bodyPr>
-          <a:lstStyle/>
-          <a:p>
-            <a:pPr algn="ctr"/>
-            <a:r>
-              <a:rPr lang="en-US" sz="2800" b="1" cap="none" spc="0" dirty="0">
-                <a:ln w="10160">
-                  <a:solidFill>
-                    <a:schemeClr val="accent5"/>
-                  </a:solidFill>
-                  <a:prstDash val="solid"/>
-                </a:ln>
-                <a:solidFill>
-                  <a:srgbClr val="FFFFFF"/>
-                </a:solidFill>
-                <a:effectLst>
-                  <a:outerShdw blurRad="38100" dist="22860" dir="5400000" algn="tl" rotWithShape="0">
-                    <a:srgbClr val="000000">
-                      <a:alpha val="30000"/>
-                    </a:srgbClr>
-                  </a:outerShdw>
-                </a:effectLst>
-                <a:latin typeface="Courier" pitchFamily="2" charset="0"/>
-              </a:rPr>
-              <a:t>a0</a:t>
-            </a:r>
-          </a:p>
-        </p:txBody>
-      </p:sp>
-      <p:sp>
-        <p:nvSpPr>
-          <p:cNvPr id="17" name="Rectangle 16">
-            <a:extLst>
-              <a:ext uri="{FF2B5EF4-FFF2-40B4-BE49-F238E27FC236}">
-                <a16:creationId xmlns:a16="http://schemas.microsoft.com/office/drawing/2014/main" id="{BCF0E3BC-3DDF-6303-49BD-5605683B993A}"/>
-              </a:ext>
-            </a:extLst>
-          </p:cNvPr>
-          <p:cNvSpPr/>
-          <p:nvPr/>
-        </p:nvSpPr>
-        <p:spPr>
-          <a:xfrm>
-            <a:off x="5058450" y="1731810"/>
-            <a:ext cx="614271" cy="523220"/>
-          </a:xfrm>
-          <a:prstGeom prst="rect">
-            <a:avLst/>
-          </a:prstGeom>
-          <a:noFill/>
-        </p:spPr>
-        <p:txBody>
-          <a:bodyPr wrap="none" lIns="91440" tIns="45720" rIns="91440" bIns="45720">
-            <a:spAutoFit/>
-          </a:bodyPr>
-          <a:lstStyle/>
-          <a:p>
-            <a:pPr algn="ctr"/>
-            <a:r>
-              <a:rPr lang="en-US" sz="2800" b="1" cap="none" spc="0" dirty="0">
-                <a:ln w="10160">
-                  <a:solidFill>
-                    <a:schemeClr val="accent5"/>
-                  </a:solidFill>
-                  <a:prstDash val="solid"/>
-                </a:ln>
-                <a:solidFill>
-                  <a:srgbClr val="FFFFFF"/>
-                </a:solidFill>
-                <a:effectLst>
-                  <a:outerShdw blurRad="38100" dist="22860" dir="5400000" algn="tl" rotWithShape="0">
-                    <a:srgbClr val="000000">
-                      <a:alpha val="30000"/>
-                    </a:srgbClr>
-                  </a:outerShdw>
-                </a:effectLst>
-                <a:latin typeface="Courier" pitchFamily="2" charset="0"/>
-              </a:rPr>
-              <a:t>a1</a:t>
-            </a:r>
-          </a:p>
-        </p:txBody>
-      </p:sp>
-      <p:sp>
-        <p:nvSpPr>
-          <p:cNvPr id="18" name="Rectangle 17">
-            <a:extLst>
-              <a:ext uri="{FF2B5EF4-FFF2-40B4-BE49-F238E27FC236}">
-                <a16:creationId xmlns:a16="http://schemas.microsoft.com/office/drawing/2014/main" id="{D65D1DA7-F682-FD31-3471-21BA45712BC4}"/>
-              </a:ext>
-            </a:extLst>
-          </p:cNvPr>
-          <p:cNvSpPr/>
-          <p:nvPr/>
-        </p:nvSpPr>
-        <p:spPr>
-          <a:xfrm>
-            <a:off x="5564190" y="1734882"/>
-            <a:ext cx="614271" cy="523220"/>
-          </a:xfrm>
-          <a:prstGeom prst="rect">
-            <a:avLst/>
-          </a:prstGeom>
-          <a:noFill/>
-        </p:spPr>
-        <p:txBody>
-          <a:bodyPr wrap="none" lIns="91440" tIns="45720" rIns="91440" bIns="45720">
-            <a:spAutoFit/>
-          </a:bodyPr>
-          <a:lstStyle/>
-          <a:p>
-            <a:pPr algn="ctr"/>
-            <a:r>
-              <a:rPr lang="en-US" sz="2800" b="1" dirty="0">
-                <a:ln w="10160">
-                  <a:solidFill>
-                    <a:schemeClr val="accent5"/>
-                  </a:solidFill>
-                  <a:prstDash val="solid"/>
-                </a:ln>
-                <a:solidFill>
-                  <a:srgbClr val="FFFFFF"/>
-                </a:solidFill>
-                <a:effectLst>
-                  <a:outerShdw blurRad="38100" dist="22860" dir="5400000" algn="tl" rotWithShape="0">
-                    <a:srgbClr val="000000">
-                      <a:alpha val="30000"/>
-                    </a:srgbClr>
-                  </a:outerShdw>
-                </a:effectLst>
-                <a:latin typeface="Courier" pitchFamily="2" charset="0"/>
-              </a:rPr>
-              <a:t>b1</a:t>
-            </a:r>
-            <a:endParaRPr lang="en-US" sz="2800" b="1" cap="none" spc="0" dirty="0">
-              <a:ln w="10160">
-                <a:solidFill>
-                  <a:schemeClr val="accent5"/>
-                </a:solidFill>
-                <a:prstDash val="solid"/>
-              </a:ln>
-              <a:solidFill>
-                <a:srgbClr val="FFFFFF"/>
-              </a:solidFill>
-              <a:effectLst>
-                <a:outerShdw blurRad="38100" dist="22860" dir="5400000" algn="tl" rotWithShape="0">
-                  <a:srgbClr val="000000">
-                    <a:alpha val="30000"/>
-                  </a:srgbClr>
-                </a:outerShdw>
-              </a:effectLst>
-              <a:latin typeface="Courier" pitchFamily="2" charset="0"/>
-            </a:endParaRPr>
-          </a:p>
-        </p:txBody>
-      </p:sp>
-      <p:sp>
-        <p:nvSpPr>
-          <p:cNvPr id="21" name="Rectangle 20">
-            <a:extLst>
-              <a:ext uri="{FF2B5EF4-FFF2-40B4-BE49-F238E27FC236}">
-                <a16:creationId xmlns:a16="http://schemas.microsoft.com/office/drawing/2014/main" id="{5A9A0C49-F093-0F3B-1738-97C81799FD73}"/>
-              </a:ext>
-            </a:extLst>
-          </p:cNvPr>
-          <p:cNvSpPr/>
-          <p:nvPr/>
-        </p:nvSpPr>
-        <p:spPr>
-          <a:xfrm>
-            <a:off x="4679669" y="2178150"/>
-            <a:ext cx="399468" cy="523220"/>
-          </a:xfrm>
-          <a:prstGeom prst="rect">
-            <a:avLst/>
-          </a:prstGeom>
-          <a:noFill/>
-        </p:spPr>
-        <p:txBody>
-          <a:bodyPr wrap="none" lIns="91440" tIns="45720" rIns="91440" bIns="45720">
-            <a:spAutoFit/>
-          </a:bodyPr>
-          <a:lstStyle/>
-          <a:p>
-            <a:pPr algn="ctr"/>
-            <a:r>
-              <a:rPr lang="en-US" sz="2800" dirty="0">
-                <a:ln w="0"/>
-                <a:effectLst>
-                  <a:outerShdw blurRad="38100" dist="19050" dir="2700000" algn="tl" rotWithShape="0">
-                    <a:schemeClr val="dk1">
-                      <a:alpha val="40000"/>
-                    </a:schemeClr>
-                  </a:outerShdw>
-                </a:effectLst>
-                <a:latin typeface="Courier" pitchFamily="2" charset="0"/>
-              </a:rPr>
-              <a:t>3</a:t>
-            </a:r>
-          </a:p>
-        </p:txBody>
-      </p:sp>
-      <p:sp>
-        <p:nvSpPr>
-          <p:cNvPr id="22" name="Rectangle 21">
-            <a:extLst>
-              <a:ext uri="{FF2B5EF4-FFF2-40B4-BE49-F238E27FC236}">
-                <a16:creationId xmlns:a16="http://schemas.microsoft.com/office/drawing/2014/main" id="{33D6C51C-585A-7AC3-6EFB-B0D4C49F92E1}"/>
-              </a:ext>
-            </a:extLst>
-          </p:cNvPr>
-          <p:cNvSpPr/>
-          <p:nvPr/>
-        </p:nvSpPr>
-        <p:spPr>
-          <a:xfrm>
-            <a:off x="4675524" y="2699216"/>
-            <a:ext cx="399468" cy="523220"/>
-          </a:xfrm>
-          <a:prstGeom prst="rect">
-            <a:avLst/>
-          </a:prstGeom>
-          <a:noFill/>
-        </p:spPr>
-        <p:txBody>
-          <a:bodyPr wrap="none" lIns="91440" tIns="45720" rIns="91440" bIns="45720">
-            <a:spAutoFit/>
-          </a:bodyPr>
-          <a:lstStyle/>
-          <a:p>
-            <a:pPr algn="ctr"/>
-            <a:r>
-              <a:rPr lang="en-US" sz="2800" dirty="0">
-                <a:ln w="0"/>
-                <a:effectLst>
-                  <a:outerShdw blurRad="38100" dist="19050" dir="2700000" algn="tl" rotWithShape="0">
-                    <a:schemeClr val="dk1">
-                      <a:alpha val="40000"/>
-                    </a:schemeClr>
-                  </a:outerShdw>
-                </a:effectLst>
-                <a:latin typeface="Courier" pitchFamily="2" charset="0"/>
-              </a:rPr>
-              <a:t>0</a:t>
-            </a:r>
-          </a:p>
-        </p:txBody>
-      </p:sp>
-      <p:sp>
-        <p:nvSpPr>
-          <p:cNvPr id="24" name="Rectangle 23">
-            <a:extLst>
-              <a:ext uri="{FF2B5EF4-FFF2-40B4-BE49-F238E27FC236}">
-                <a16:creationId xmlns:a16="http://schemas.microsoft.com/office/drawing/2014/main" id="{D169869C-A7E9-7264-54FD-F5560683ACC8}"/>
-              </a:ext>
-            </a:extLst>
-          </p:cNvPr>
-          <p:cNvSpPr/>
-          <p:nvPr/>
-        </p:nvSpPr>
-        <p:spPr>
-          <a:xfrm>
-            <a:off x="4662272" y="3163037"/>
-            <a:ext cx="399468" cy="523220"/>
-          </a:xfrm>
-          <a:prstGeom prst="rect">
-            <a:avLst/>
-          </a:prstGeom>
-          <a:noFill/>
-        </p:spPr>
-        <p:txBody>
-          <a:bodyPr wrap="none" lIns="91440" tIns="45720" rIns="91440" bIns="45720">
-            <a:spAutoFit/>
-          </a:bodyPr>
-          <a:lstStyle/>
-          <a:p>
-            <a:pPr algn="ctr"/>
-            <a:r>
-              <a:rPr lang="en-US" sz="2800" dirty="0">
-                <a:ln w="0"/>
-                <a:effectLst>
-                  <a:outerShdw blurRad="38100" dist="19050" dir="2700000" algn="tl" rotWithShape="0">
-                    <a:schemeClr val="dk1">
-                      <a:alpha val="40000"/>
-                    </a:schemeClr>
-                  </a:outerShdw>
-                </a:effectLst>
-                <a:latin typeface="Courier" pitchFamily="2" charset="0"/>
-              </a:rPr>
-              <a:t>5</a:t>
-            </a:r>
-          </a:p>
-        </p:txBody>
-      </p:sp>
-      <p:sp>
-        <p:nvSpPr>
-          <p:cNvPr id="33" name="Rectangle 32">
-            <a:extLst>
-              <a:ext uri="{FF2B5EF4-FFF2-40B4-BE49-F238E27FC236}">
-                <a16:creationId xmlns:a16="http://schemas.microsoft.com/office/drawing/2014/main" id="{CBA20353-2624-21D6-159D-A4DFD0045C47}"/>
-              </a:ext>
-            </a:extLst>
-          </p:cNvPr>
-          <p:cNvSpPr/>
-          <p:nvPr/>
-        </p:nvSpPr>
-        <p:spPr>
-          <a:xfrm>
-            <a:off x="6852074" y="1764942"/>
-            <a:ext cx="614271" cy="523220"/>
-          </a:xfrm>
-          <a:prstGeom prst="rect">
-            <a:avLst/>
-          </a:prstGeom>
-          <a:noFill/>
-        </p:spPr>
-        <p:txBody>
-          <a:bodyPr wrap="none" lIns="91440" tIns="45720" rIns="91440" bIns="45720">
-            <a:spAutoFit/>
-          </a:bodyPr>
-          <a:lstStyle/>
-          <a:p>
-            <a:pPr algn="ctr"/>
-            <a:r>
-              <a:rPr lang="en-US" sz="2800" b="1" cap="none" spc="0" dirty="0">
-                <a:ln w="10160">
-                  <a:solidFill>
-                    <a:schemeClr val="accent5"/>
-                  </a:solidFill>
-                  <a:prstDash val="solid"/>
-                </a:ln>
-                <a:solidFill>
-                  <a:srgbClr val="FFFFFF"/>
-                </a:solidFill>
-                <a:effectLst>
-                  <a:outerShdw blurRad="38100" dist="22860" dir="5400000" algn="tl" rotWithShape="0">
-                    <a:srgbClr val="000000">
-                      <a:alpha val="30000"/>
-                    </a:srgbClr>
-                  </a:outerShdw>
-                </a:effectLst>
-                <a:latin typeface="Courier" pitchFamily="2" charset="0"/>
-              </a:rPr>
-              <a:t>a0</a:t>
-            </a:r>
-          </a:p>
-        </p:txBody>
-      </p:sp>
-      <p:sp>
-        <p:nvSpPr>
-          <p:cNvPr id="34" name="Rectangle 33">
-            <a:extLst>
-              <a:ext uri="{FF2B5EF4-FFF2-40B4-BE49-F238E27FC236}">
-                <a16:creationId xmlns:a16="http://schemas.microsoft.com/office/drawing/2014/main" id="{A11405E5-430C-5E36-394E-E7EBBBF6E72F}"/>
-              </a:ext>
-            </a:extLst>
-          </p:cNvPr>
-          <p:cNvSpPr/>
-          <p:nvPr/>
-        </p:nvSpPr>
-        <p:spPr>
-          <a:xfrm>
-            <a:off x="7331202" y="1764942"/>
-            <a:ext cx="614271" cy="523220"/>
-          </a:xfrm>
-          <a:prstGeom prst="rect">
-            <a:avLst/>
-          </a:prstGeom>
-          <a:noFill/>
-        </p:spPr>
-        <p:txBody>
-          <a:bodyPr wrap="none" lIns="91440" tIns="45720" rIns="91440" bIns="45720">
-            <a:spAutoFit/>
-          </a:bodyPr>
-          <a:lstStyle/>
-          <a:p>
-            <a:pPr algn="ctr"/>
-            <a:r>
-              <a:rPr lang="en-US" sz="2800" b="1" cap="none" spc="0" dirty="0">
-                <a:ln w="10160">
-                  <a:solidFill>
-                    <a:schemeClr val="accent5"/>
-                  </a:solidFill>
-                  <a:prstDash val="solid"/>
-                </a:ln>
-                <a:solidFill>
-                  <a:srgbClr val="FFFFFF"/>
-                </a:solidFill>
-                <a:effectLst>
-                  <a:outerShdw blurRad="38100" dist="22860" dir="5400000" algn="tl" rotWithShape="0">
-                    <a:srgbClr val="000000">
-                      <a:alpha val="30000"/>
-                    </a:srgbClr>
-                  </a:outerShdw>
-                </a:effectLst>
-                <a:latin typeface="Courier" pitchFamily="2" charset="0"/>
-              </a:rPr>
-              <a:t>a1</a:t>
-            </a:r>
-          </a:p>
-        </p:txBody>
-      </p:sp>
-      <p:sp>
-        <p:nvSpPr>
-          <p:cNvPr id="35" name="Rectangle 34">
-            <a:extLst>
-              <a:ext uri="{FF2B5EF4-FFF2-40B4-BE49-F238E27FC236}">
-                <a16:creationId xmlns:a16="http://schemas.microsoft.com/office/drawing/2014/main" id="{564274F3-E8A3-9DAD-03BF-90C04E81A59C}"/>
-              </a:ext>
-            </a:extLst>
-          </p:cNvPr>
-          <p:cNvSpPr/>
-          <p:nvPr/>
-        </p:nvSpPr>
-        <p:spPr>
-          <a:xfrm>
-            <a:off x="7797186" y="1768014"/>
-            <a:ext cx="614271" cy="523220"/>
-          </a:xfrm>
-          <a:prstGeom prst="rect">
-            <a:avLst/>
-          </a:prstGeom>
-          <a:noFill/>
-        </p:spPr>
-        <p:txBody>
-          <a:bodyPr wrap="none" lIns="91440" tIns="45720" rIns="91440" bIns="45720">
-            <a:spAutoFit/>
-          </a:bodyPr>
-          <a:lstStyle/>
-          <a:p>
-            <a:pPr algn="ctr"/>
-            <a:r>
-              <a:rPr lang="en-US" sz="2800" b="1" dirty="0">
-                <a:ln w="10160">
-                  <a:solidFill>
-                    <a:schemeClr val="accent5"/>
-                  </a:solidFill>
-                  <a:prstDash val="solid"/>
-                </a:ln>
-                <a:solidFill>
-                  <a:srgbClr val="FFFFFF"/>
-                </a:solidFill>
-                <a:effectLst>
-                  <a:outerShdw blurRad="38100" dist="22860" dir="5400000" algn="tl" rotWithShape="0">
-                    <a:srgbClr val="000000">
-                      <a:alpha val="30000"/>
-                    </a:srgbClr>
-                  </a:outerShdw>
-                </a:effectLst>
-                <a:latin typeface="Courier" pitchFamily="2" charset="0"/>
-              </a:rPr>
-              <a:t>b1</a:t>
-            </a:r>
-            <a:endParaRPr lang="en-US" sz="2800" b="1" cap="none" spc="0" dirty="0">
-              <a:ln w="10160">
-                <a:solidFill>
-                  <a:schemeClr val="accent5"/>
-                </a:solidFill>
-                <a:prstDash val="solid"/>
-              </a:ln>
-              <a:solidFill>
-                <a:srgbClr val="FFFFFF"/>
-              </a:solidFill>
-              <a:effectLst>
-                <a:outerShdw blurRad="38100" dist="22860" dir="5400000" algn="tl" rotWithShape="0">
-                  <a:srgbClr val="000000">
-                    <a:alpha val="30000"/>
-                  </a:srgbClr>
-                </a:outerShdw>
-              </a:effectLst>
-              <a:latin typeface="Courier" pitchFamily="2" charset="0"/>
-            </a:endParaRPr>
-          </a:p>
-        </p:txBody>
-      </p:sp>
-      <p:sp>
-        <p:nvSpPr>
-          <p:cNvPr id="41" name="Rectangle 40">
-            <a:extLst>
-              <a:ext uri="{FF2B5EF4-FFF2-40B4-BE49-F238E27FC236}">
-                <a16:creationId xmlns:a16="http://schemas.microsoft.com/office/drawing/2014/main" id="{025C2D13-524F-1E10-B836-6CBEBEC1CB9C}"/>
-              </a:ext>
-            </a:extLst>
-          </p:cNvPr>
-          <p:cNvSpPr/>
-          <p:nvPr/>
-        </p:nvSpPr>
-        <p:spPr>
-          <a:xfrm>
-            <a:off x="6954901" y="2261894"/>
-            <a:ext cx="399468" cy="523220"/>
-          </a:xfrm>
-          <a:prstGeom prst="rect">
-            <a:avLst/>
-          </a:prstGeom>
-          <a:noFill/>
-        </p:spPr>
-        <p:txBody>
-          <a:bodyPr wrap="none" lIns="91440" tIns="45720" rIns="91440" bIns="45720">
-            <a:spAutoFit/>
-          </a:bodyPr>
-          <a:lstStyle/>
-          <a:p>
-            <a:pPr algn="ctr"/>
-            <a:r>
-              <a:rPr lang="en-US" sz="2800" dirty="0">
-                <a:ln w="0"/>
-                <a:effectLst>
-                  <a:outerShdw blurRad="38100" dist="19050" dir="2700000" algn="tl" rotWithShape="0">
-                    <a:schemeClr val="dk1">
-                      <a:alpha val="40000"/>
-                    </a:schemeClr>
-                  </a:outerShdw>
-                </a:effectLst>
-                <a:latin typeface="Courier" pitchFamily="2" charset="0"/>
-              </a:rPr>
-              <a:t>5</a:t>
-            </a:r>
-          </a:p>
-        </p:txBody>
-      </p:sp>
-      <p:sp>
-        <p:nvSpPr>
-          <p:cNvPr id="42" name="Rectangle 41">
-            <a:extLst>
-              <a:ext uri="{FF2B5EF4-FFF2-40B4-BE49-F238E27FC236}">
-                <a16:creationId xmlns:a16="http://schemas.microsoft.com/office/drawing/2014/main" id="{4C94FB20-8C52-D841-C7DA-D33739B94228}"/>
-              </a:ext>
-            </a:extLst>
-          </p:cNvPr>
-          <p:cNvSpPr/>
-          <p:nvPr/>
-        </p:nvSpPr>
-        <p:spPr>
-          <a:xfrm>
-            <a:off x="6974780" y="2732346"/>
-            <a:ext cx="399468" cy="523220"/>
-          </a:xfrm>
-          <a:prstGeom prst="rect">
-            <a:avLst/>
-          </a:prstGeom>
-          <a:noFill/>
-        </p:spPr>
-        <p:txBody>
-          <a:bodyPr wrap="none" lIns="91440" tIns="45720" rIns="91440" bIns="45720">
-            <a:spAutoFit/>
-          </a:bodyPr>
-          <a:lstStyle/>
-          <a:p>
-            <a:pPr algn="ctr"/>
-            <a:r>
-              <a:rPr lang="en-US" sz="2800" dirty="0">
-                <a:ln w="0"/>
-                <a:effectLst>
-                  <a:outerShdw blurRad="38100" dist="19050" dir="2700000" algn="tl" rotWithShape="0">
-                    <a:schemeClr val="dk1">
-                      <a:alpha val="40000"/>
-                    </a:schemeClr>
-                  </a:outerShdw>
-                </a:effectLst>
-                <a:latin typeface="Courier" pitchFamily="2" charset="0"/>
-              </a:rPr>
-              <a:t>3</a:t>
-            </a:r>
-          </a:p>
-        </p:txBody>
-      </p:sp>
-      <p:sp>
-        <p:nvSpPr>
-          <p:cNvPr id="43" name="Rectangle 42">
-            <a:extLst>
-              <a:ext uri="{FF2B5EF4-FFF2-40B4-BE49-F238E27FC236}">
-                <a16:creationId xmlns:a16="http://schemas.microsoft.com/office/drawing/2014/main" id="{8CE6E607-C5D9-523B-61A1-89E52860D971}"/>
-              </a:ext>
-            </a:extLst>
-          </p:cNvPr>
-          <p:cNvSpPr/>
-          <p:nvPr/>
-        </p:nvSpPr>
-        <p:spPr>
-          <a:xfrm>
-            <a:off x="6974780" y="3222671"/>
-            <a:ext cx="399468" cy="523220"/>
-          </a:xfrm>
-          <a:prstGeom prst="rect">
-            <a:avLst/>
-          </a:prstGeom>
-          <a:noFill/>
-        </p:spPr>
-        <p:txBody>
-          <a:bodyPr wrap="none" lIns="91440" tIns="45720" rIns="91440" bIns="45720">
-            <a:spAutoFit/>
-          </a:bodyPr>
-          <a:lstStyle/>
-          <a:p>
-            <a:pPr algn="ctr"/>
-            <a:r>
-              <a:rPr lang="en-US" sz="2800" dirty="0">
-                <a:ln w="0"/>
-                <a:effectLst>
-                  <a:outerShdw blurRad="38100" dist="19050" dir="2700000" algn="tl" rotWithShape="0">
-                    <a:schemeClr val="dk1">
-                      <a:alpha val="40000"/>
-                    </a:schemeClr>
-                  </a:outerShdw>
-                </a:effectLst>
-                <a:latin typeface="Courier" pitchFamily="2" charset="0"/>
-              </a:rPr>
-              <a:t>2</a:t>
-            </a:r>
-          </a:p>
-        </p:txBody>
-      </p:sp>
-      <p:sp>
-        <p:nvSpPr>
-          <p:cNvPr id="37" name="Rectangle 36">
-            <a:extLst>
-              <a:ext uri="{FF2B5EF4-FFF2-40B4-BE49-F238E27FC236}">
-                <a16:creationId xmlns:a16="http://schemas.microsoft.com/office/drawing/2014/main" id="{6CBB9B0B-DDAC-6BB2-057E-DD712E521803}"/>
-              </a:ext>
-            </a:extLst>
-          </p:cNvPr>
-          <p:cNvSpPr/>
-          <p:nvPr/>
-        </p:nvSpPr>
-        <p:spPr>
-          <a:xfrm>
-            <a:off x="4682152" y="3620235"/>
-            <a:ext cx="399468" cy="523220"/>
-          </a:xfrm>
-          <a:prstGeom prst="rect">
-            <a:avLst/>
-          </a:prstGeom>
-          <a:noFill/>
-        </p:spPr>
-        <p:txBody>
-          <a:bodyPr wrap="none" lIns="91440" tIns="45720" rIns="91440" bIns="45720">
-            <a:spAutoFit/>
-          </a:bodyPr>
-          <a:lstStyle/>
-          <a:p>
-            <a:pPr algn="ctr"/>
-            <a:r>
-              <a:rPr lang="en-US" sz="2800" dirty="0">
-                <a:ln w="0"/>
-                <a:effectLst>
-                  <a:outerShdw blurRad="38100" dist="19050" dir="2700000" algn="tl" rotWithShape="0">
-                    <a:schemeClr val="dk1">
-                      <a:alpha val="40000"/>
-                    </a:schemeClr>
-                  </a:outerShdw>
-                </a:effectLst>
-                <a:latin typeface="Courier" pitchFamily="2" charset="0"/>
-              </a:rPr>
-              <a:t>2</a:t>
-            </a:r>
-          </a:p>
-        </p:txBody>
-      </p:sp>
-      <p:sp>
-        <p:nvSpPr>
-          <p:cNvPr id="38" name="Rectangle 37">
-            <a:extLst>
-              <a:ext uri="{FF2B5EF4-FFF2-40B4-BE49-F238E27FC236}">
-                <a16:creationId xmlns:a16="http://schemas.microsoft.com/office/drawing/2014/main" id="{372801C9-5B70-8B9B-E011-03B660928AFE}"/>
-              </a:ext>
-            </a:extLst>
-          </p:cNvPr>
-          <p:cNvSpPr/>
-          <p:nvPr/>
-        </p:nvSpPr>
-        <p:spPr>
-          <a:xfrm>
-            <a:off x="6968152" y="3675285"/>
-            <a:ext cx="399468" cy="523220"/>
-          </a:xfrm>
-          <a:prstGeom prst="rect">
-            <a:avLst/>
-          </a:prstGeom>
-          <a:noFill/>
-        </p:spPr>
-        <p:txBody>
-          <a:bodyPr wrap="none" lIns="91440" tIns="45720" rIns="91440" bIns="45720">
-            <a:spAutoFit/>
-          </a:bodyPr>
-          <a:lstStyle/>
-          <a:p>
-            <a:pPr algn="ctr"/>
-            <a:r>
-              <a:rPr lang="en-US" sz="2800" dirty="0">
-                <a:ln w="0"/>
-                <a:effectLst>
-                  <a:outerShdw blurRad="38100" dist="19050" dir="2700000" algn="tl" rotWithShape="0">
-                    <a:schemeClr val="dk1">
-                      <a:alpha val="40000"/>
-                    </a:schemeClr>
-                  </a:outerShdw>
-                </a:effectLst>
-                <a:latin typeface="Courier" pitchFamily="2" charset="0"/>
-              </a:rPr>
-              <a:t>0</a:t>
-            </a:r>
-          </a:p>
         </p:txBody>
       </p:sp>
     </p:spTree>
     <p:extLst>
       <p:ext uri="{BB962C8B-B14F-4D97-AF65-F5344CB8AC3E}">
-        <p14:creationId xmlns:p14="http://schemas.microsoft.com/office/powerpoint/2010/main" val="1226096469"/>
+        <p14:creationId xmlns:p14="http://schemas.microsoft.com/office/powerpoint/2010/main" val="1396675199"/>
       </p:ext>
     </p:extLst>
   </p:cSld>
@@ -8597,36 +13130,43 @@
           <a:chExt cx="0" cy="0"/>
         </a:xfrm>
       </p:grpSpPr>
-      <p:pic>
-        <p:nvPicPr>
-          <p:cNvPr id="7" name="Picture 6" descr="Chart&#10;&#10;Description automatically generated">
-            <a:extLst>
-              <a:ext uri="{FF2B5EF4-FFF2-40B4-BE49-F238E27FC236}">
-                <a16:creationId xmlns:a16="http://schemas.microsoft.com/office/drawing/2014/main" id="{567C332B-5707-4671-1741-443D4C94980E}"/>
-              </a:ext>
-            </a:extLst>
-          </p:cNvPr>
-          <p:cNvPicPr>
-            <a:picLocks noChangeAspect="1"/>
-          </p:cNvPicPr>
-          <p:nvPr/>
-        </p:nvPicPr>
-        <p:blipFill>
-          <a:blip r:embed="rId2"/>
-          <a:stretch>
-            <a:fillRect/>
-          </a:stretch>
-        </p:blipFill>
-        <p:spPr>
-          <a:xfrm>
-            <a:off x="3867714" y="1067353"/>
-            <a:ext cx="4110096" cy="3437098"/>
-          </a:xfrm>
-          <a:prstGeom prst="rect">
-            <a:avLst/>
-          </a:prstGeom>
-        </p:spPr>
-      </p:pic>
+      <p:sp>
+        <p:nvSpPr>
+          <p:cNvPr id="2" name="Title 1">
+            <a:extLst>
+              <a:ext uri="{FF2B5EF4-FFF2-40B4-BE49-F238E27FC236}">
+                <a16:creationId xmlns:a16="http://schemas.microsoft.com/office/drawing/2014/main" id="{A37F20A1-B9B8-F8C1-AC48-36671967C2B5}"/>
+              </a:ext>
+            </a:extLst>
+          </p:cNvPr>
+          <p:cNvSpPr>
+            <a:spLocks noGrp="1"/>
+          </p:cNvSpPr>
+          <p:nvPr>
+            <p:ph type="title"/>
+          </p:nvPr>
+        </p:nvSpPr>
+        <p:spPr/>
+        <p:txBody>
+          <a:bodyPr/>
+          <a:lstStyle/>
+          <a:p>
+            <a:r>
+              <a:rPr lang="en-US" dirty="0"/>
+              <a:t>The 5 Verbs: </a:t>
+            </a:r>
+            <a:r>
+              <a:rPr lang="en-US" dirty="0" err="1">
+                <a:latin typeface="Courier" pitchFamily="2" charset="0"/>
+              </a:rPr>
+              <a:t>dplyr</a:t>
+            </a:r>
+            <a:endParaRPr lang="en-US" dirty="0">
+              <a:latin typeface="Courier" pitchFamily="2" charset="0"/>
+            </a:endParaRPr>
+          </a:p>
+        </p:txBody>
+      </p:sp>
       <p:sp>
         <p:nvSpPr>
           <p:cNvPr id="3" name="Content Placeholder 2">
@@ -8662,11 +13202,25 @@
               <a:rPr lang="en-US" sz="2800" b="1" dirty="0">
                 <a:latin typeface="Courier" pitchFamily="2" charset="0"/>
               </a:rPr>
-              <a:t>summarize() </a:t>
+              <a:t>mutate() </a:t>
             </a:r>
             <a:r>
               <a:rPr lang="en-US" sz="2800" dirty="0"/>
-              <a:t>column with a single value(s)  </a:t>
+              <a:t>the data i.e. add or modify a column</a:t>
+            </a:r>
+          </a:p>
+          <a:p>
+            <a:r>
+              <a:rPr lang="en-US" sz="2800" dirty="0"/>
+              <a:t>Work with whoever is near you to add a column to </a:t>
+            </a:r>
+            <a:r>
+              <a:rPr lang="en-US" sz="2800" dirty="0" err="1"/>
+              <a:t>babynames</a:t>
+            </a:r>
+            <a:r>
+              <a:rPr lang="en-US" sz="2800" dirty="0"/>
+              <a:t> called popular that is TRUE if a name was assigned to more than 1% of all babies in a given year </a:t>
             </a:r>
           </a:p>
           <a:p>
@@ -8681,78 +13235,14 @@
             </a:pPr>
             <a:endParaRPr lang="en-US" sz="2800" dirty="0"/>
           </a:p>
-          <a:p>
-            <a:pPr marL="0" indent="0">
-              <a:buNone/>
-            </a:pPr>
-            <a:endParaRPr lang="en-US" sz="2800" dirty="0"/>
-          </a:p>
-          <a:p>
-            <a:pPr marL="0" indent="0">
-              <a:buNone/>
-            </a:pPr>
-            <a:endParaRPr lang="en-US" sz="2800" dirty="0"/>
-          </a:p>
-          <a:p>
-            <a:pPr lvl="1"/>
-            <a:endParaRPr lang="en-US" sz="2600" dirty="0"/>
-          </a:p>
-          <a:p>
-            <a:pPr lvl="1"/>
-            <a:endParaRPr lang="en-US" sz="2600" dirty="0"/>
-          </a:p>
-          <a:p>
-            <a:pPr lvl="1"/>
-            <a:r>
-              <a:rPr lang="en-US" sz="2600" dirty="0"/>
-              <a:t>Apply a summary function to a column. Ex. </a:t>
-            </a:r>
-          </a:p>
-        </p:txBody>
-      </p:sp>
-      <p:sp>
-        <p:nvSpPr>
-          <p:cNvPr id="2" name="Title 1">
-            <a:extLst>
-              <a:ext uri="{FF2B5EF4-FFF2-40B4-BE49-F238E27FC236}">
-                <a16:creationId xmlns:a16="http://schemas.microsoft.com/office/drawing/2014/main" id="{A37F20A1-B9B8-F8C1-AC48-36671967C2B5}"/>
-              </a:ext>
-            </a:extLst>
-          </p:cNvPr>
-          <p:cNvSpPr>
-            <a:spLocks noGrp="1"/>
-          </p:cNvSpPr>
-          <p:nvPr>
-            <p:ph type="title"/>
-          </p:nvPr>
-        </p:nvSpPr>
-        <p:spPr/>
-        <p:txBody>
-          <a:bodyPr/>
-          <a:lstStyle/>
-          <a:p>
-            <a:r>
-              <a:rPr lang="en-US" dirty="0"/>
-              <a:t>The 5 Verbs: </a:t>
-            </a:r>
-            <a:r>
-              <a:rPr lang="en-US" dirty="0" err="1">
-                <a:latin typeface="Courier" pitchFamily="2" charset="0"/>
-              </a:rPr>
-              <a:t>dplyr</a:t>
-            </a:r>
-            <a:endParaRPr lang="en-US" dirty="0">
-              <a:latin typeface="Courier" pitchFamily="2" charset="0"/>
-            </a:endParaRPr>
-          </a:p>
-        </p:txBody>
-      </p:sp>
-      <p:sp>
-        <p:nvSpPr>
-          <p:cNvPr id="6" name="Rectangle 5">
-            <a:extLst>
-              <a:ext uri="{FF2B5EF4-FFF2-40B4-BE49-F238E27FC236}">
-                <a16:creationId xmlns:a16="http://schemas.microsoft.com/office/drawing/2014/main" id="{4B8C8884-7FD9-2275-95BF-467B2374BB1C}"/>
+        </p:txBody>
+      </p:sp>
+      <p:sp>
+        <p:nvSpPr>
+          <p:cNvPr id="4" name="Rectangle 3">
+            <a:extLst>
+              <a:ext uri="{FF2B5EF4-FFF2-40B4-BE49-F238E27FC236}">
+                <a16:creationId xmlns:a16="http://schemas.microsoft.com/office/drawing/2014/main" id="{2A18648A-7D41-17F8-09DB-C3A68AFC4E5A}"/>
               </a:ext>
             </a:extLst>
           </p:cNvPr>
@@ -8761,8 +13251,8 @@
         </p:nvSpPr>
         <p:spPr>
           <a:xfrm>
-            <a:off x="4635768" y="4779792"/>
-            <a:ext cx="4863915" cy="1128518"/>
+            <a:off x="3411415" y="3514450"/>
+            <a:ext cx="8208499" cy="1503026"/>
           </a:xfrm>
           <a:prstGeom prst="rect">
             <a:avLst/>
@@ -8797,389 +13287,51 @@
           <a:lstStyle/>
           <a:p>
             <a:r>
-              <a:rPr lang="en-US" sz="2000" dirty="0">
+              <a:rPr lang="en-US" sz="3200" dirty="0" err="1">
                 <a:solidFill>
                   <a:schemeClr val="tx1"/>
                 </a:solidFill>
                 <a:latin typeface="Courier" pitchFamily="2" charset="0"/>
               </a:rPr>
-              <a:t>data %&gt;%</a:t>
-            </a:r>
-          </a:p>
-          <a:p>
-            <a:r>
-              <a:rPr lang="en-US" sz="2000" dirty="0">
+              <a:t>babynames</a:t>
+            </a:r>
+            <a:r>
+              <a:rPr lang="en-US" sz="3200" dirty="0">
                 <a:solidFill>
                   <a:schemeClr val="tx1"/>
                 </a:solidFill>
                 <a:latin typeface="Courier" pitchFamily="2" charset="0"/>
               </a:rPr>
-              <a:t>	summarize(mean(a0))</a:t>
-            </a:r>
-          </a:p>
-        </p:txBody>
-      </p:sp>
-      <p:sp>
-        <p:nvSpPr>
-          <p:cNvPr id="16" name="Rectangle 15">
-            <a:extLst>
-              <a:ext uri="{FF2B5EF4-FFF2-40B4-BE49-F238E27FC236}">
-                <a16:creationId xmlns:a16="http://schemas.microsoft.com/office/drawing/2014/main" id="{01D988D5-97BA-2250-33E7-0177349A9325}"/>
-              </a:ext>
-            </a:extLst>
-          </p:cNvPr>
-          <p:cNvSpPr/>
-          <p:nvPr/>
-        </p:nvSpPr>
-        <p:spPr>
-          <a:xfrm>
-            <a:off x="4526314" y="1731810"/>
-            <a:ext cx="614271" cy="523220"/>
-          </a:xfrm>
-          <a:prstGeom prst="rect">
-            <a:avLst/>
-          </a:prstGeom>
-          <a:noFill/>
-        </p:spPr>
-        <p:txBody>
-          <a:bodyPr wrap="none" lIns="91440" tIns="45720" rIns="91440" bIns="45720">
-            <a:spAutoFit/>
-          </a:bodyPr>
-          <a:lstStyle/>
-          <a:p>
-            <a:pPr algn="ctr"/>
-            <a:r>
-              <a:rPr lang="en-US" sz="2800" b="1" cap="none" spc="0" dirty="0">
-                <a:ln w="10160">
-                  <a:solidFill>
-                    <a:schemeClr val="accent5"/>
-                  </a:solidFill>
-                  <a:prstDash val="solid"/>
-                </a:ln>
+              <a:t> &lt;- </a:t>
+            </a:r>
+            <a:r>
+              <a:rPr lang="en-US" sz="3200" dirty="0" err="1">
                 <a:solidFill>
-                  <a:srgbClr val="FFFFFF"/>
+                  <a:schemeClr val="tx1"/>
                 </a:solidFill>
-                <a:effectLst>
-                  <a:outerShdw blurRad="38100" dist="22860" dir="5400000" algn="tl" rotWithShape="0">
-                    <a:srgbClr val="000000">
-                      <a:alpha val="30000"/>
-                    </a:srgbClr>
-                  </a:outerShdw>
-                </a:effectLst>
-                <a:latin typeface="Courier" pitchFamily="2" charset="0"/>
-              </a:rPr>
-              <a:t>a0</a:t>
-            </a:r>
-          </a:p>
-        </p:txBody>
-      </p:sp>
-      <p:sp>
-        <p:nvSpPr>
-          <p:cNvPr id="17" name="Rectangle 16">
-            <a:extLst>
-              <a:ext uri="{FF2B5EF4-FFF2-40B4-BE49-F238E27FC236}">
-                <a16:creationId xmlns:a16="http://schemas.microsoft.com/office/drawing/2014/main" id="{BCF0E3BC-3DDF-6303-49BD-5605683B993A}"/>
-              </a:ext>
-            </a:extLst>
-          </p:cNvPr>
-          <p:cNvSpPr/>
-          <p:nvPr/>
-        </p:nvSpPr>
-        <p:spPr>
-          <a:xfrm>
-            <a:off x="5058450" y="1731810"/>
-            <a:ext cx="614271" cy="523220"/>
-          </a:xfrm>
-          <a:prstGeom prst="rect">
-            <a:avLst/>
-          </a:prstGeom>
-          <a:noFill/>
-        </p:spPr>
-        <p:txBody>
-          <a:bodyPr wrap="none" lIns="91440" tIns="45720" rIns="91440" bIns="45720">
-            <a:spAutoFit/>
-          </a:bodyPr>
-          <a:lstStyle/>
-          <a:p>
-            <a:pPr algn="ctr"/>
-            <a:r>
-              <a:rPr lang="en-US" sz="2800" b="1" cap="none" spc="0" dirty="0">
-                <a:ln w="10160">
-                  <a:solidFill>
-                    <a:schemeClr val="accent5"/>
-                  </a:solidFill>
-                  <a:prstDash val="solid"/>
-                </a:ln>
+                <a:latin typeface="Courier" pitchFamily="2" charset="0"/>
+              </a:rPr>
+              <a:t>babynames</a:t>
+            </a:r>
+            <a:r>
+              <a:rPr lang="en-US" sz="3200" dirty="0">
                 <a:solidFill>
-                  <a:srgbClr val="FFFFFF"/>
+                  <a:schemeClr val="tx1"/>
                 </a:solidFill>
-                <a:effectLst>
-                  <a:outerShdw blurRad="38100" dist="22860" dir="5400000" algn="tl" rotWithShape="0">
-                    <a:srgbClr val="000000">
-                      <a:alpha val="30000"/>
-                    </a:srgbClr>
-                  </a:outerShdw>
-                </a:effectLst>
-                <a:latin typeface="Courier" pitchFamily="2" charset="0"/>
-              </a:rPr>
-              <a:t>a1</a:t>
-            </a:r>
-          </a:p>
-        </p:txBody>
-      </p:sp>
-      <p:sp>
-        <p:nvSpPr>
-          <p:cNvPr id="18" name="Rectangle 17">
-            <a:extLst>
-              <a:ext uri="{FF2B5EF4-FFF2-40B4-BE49-F238E27FC236}">
-                <a16:creationId xmlns:a16="http://schemas.microsoft.com/office/drawing/2014/main" id="{D65D1DA7-F682-FD31-3471-21BA45712BC4}"/>
-              </a:ext>
-            </a:extLst>
-          </p:cNvPr>
-          <p:cNvSpPr/>
-          <p:nvPr/>
-        </p:nvSpPr>
-        <p:spPr>
-          <a:xfrm>
-            <a:off x="5564190" y="1734882"/>
-            <a:ext cx="614271" cy="523220"/>
-          </a:xfrm>
-          <a:prstGeom prst="rect">
-            <a:avLst/>
-          </a:prstGeom>
-          <a:noFill/>
-        </p:spPr>
-        <p:txBody>
-          <a:bodyPr wrap="none" lIns="91440" tIns="45720" rIns="91440" bIns="45720">
-            <a:spAutoFit/>
-          </a:bodyPr>
-          <a:lstStyle/>
-          <a:p>
-            <a:pPr algn="ctr"/>
-            <a:r>
-              <a:rPr lang="en-US" sz="2800" b="1" dirty="0">
-                <a:ln w="10160">
-                  <a:solidFill>
-                    <a:schemeClr val="accent5"/>
-                  </a:solidFill>
-                  <a:prstDash val="solid"/>
-                </a:ln>
+                <a:latin typeface="Courier" pitchFamily="2" charset="0"/>
+              </a:rPr>
+              <a:t> %&gt;%</a:t>
+            </a:r>
+          </a:p>
+          <a:p>
+            <a:r>
+              <a:rPr lang="en-US" sz="3200" dirty="0">
                 <a:solidFill>
-                  <a:srgbClr val="FFFFFF"/>
+                  <a:schemeClr val="tx1"/>
                 </a:solidFill>
-                <a:effectLst>
-                  <a:outerShdw blurRad="38100" dist="22860" dir="5400000" algn="tl" rotWithShape="0">
-                    <a:srgbClr val="000000">
-                      <a:alpha val="30000"/>
-                    </a:srgbClr>
-                  </a:outerShdw>
-                </a:effectLst>
-                <a:latin typeface="Courier" pitchFamily="2" charset="0"/>
-              </a:rPr>
-              <a:t>b1</a:t>
-            </a:r>
-            <a:endParaRPr lang="en-US" sz="2800" b="1" cap="none" spc="0" dirty="0">
-              <a:ln w="10160">
-                <a:solidFill>
-                  <a:schemeClr val="accent5"/>
-                </a:solidFill>
-                <a:prstDash val="solid"/>
-              </a:ln>
-              <a:solidFill>
-                <a:srgbClr val="FFFFFF"/>
-              </a:solidFill>
-              <a:effectLst>
-                <a:outerShdw blurRad="38100" dist="22860" dir="5400000" algn="tl" rotWithShape="0">
-                  <a:srgbClr val="000000">
-                    <a:alpha val="30000"/>
-                  </a:srgbClr>
-                </a:outerShdw>
-              </a:effectLst>
-              <a:latin typeface="Courier" pitchFamily="2" charset="0"/>
-            </a:endParaRPr>
-          </a:p>
-        </p:txBody>
-      </p:sp>
-      <p:sp>
-        <p:nvSpPr>
-          <p:cNvPr id="21" name="Rectangle 20">
-            <a:extLst>
-              <a:ext uri="{FF2B5EF4-FFF2-40B4-BE49-F238E27FC236}">
-                <a16:creationId xmlns:a16="http://schemas.microsoft.com/office/drawing/2014/main" id="{5A9A0C49-F093-0F3B-1738-97C81799FD73}"/>
-              </a:ext>
-            </a:extLst>
-          </p:cNvPr>
-          <p:cNvSpPr/>
-          <p:nvPr/>
-        </p:nvSpPr>
-        <p:spPr>
-          <a:xfrm>
-            <a:off x="4626661" y="2270914"/>
-            <a:ext cx="399468" cy="523220"/>
-          </a:xfrm>
-          <a:prstGeom prst="rect">
-            <a:avLst/>
-          </a:prstGeom>
-          <a:noFill/>
-        </p:spPr>
-        <p:txBody>
-          <a:bodyPr wrap="none" lIns="91440" tIns="45720" rIns="91440" bIns="45720">
-            <a:spAutoFit/>
-          </a:bodyPr>
-          <a:lstStyle/>
-          <a:p>
-            <a:pPr algn="ctr"/>
-            <a:r>
-              <a:rPr lang="en-US" sz="2800" dirty="0">
-                <a:ln w="0"/>
-                <a:effectLst>
-                  <a:outerShdw blurRad="38100" dist="19050" dir="2700000" algn="tl" rotWithShape="0">
-                    <a:schemeClr val="dk1">
-                      <a:alpha val="40000"/>
-                    </a:schemeClr>
-                  </a:outerShdw>
-                </a:effectLst>
-                <a:latin typeface="Courier" pitchFamily="2" charset="0"/>
-              </a:rPr>
-              <a:t>3</a:t>
-            </a:r>
-          </a:p>
-        </p:txBody>
-      </p:sp>
-      <p:sp>
-        <p:nvSpPr>
-          <p:cNvPr id="22" name="Rectangle 21">
-            <a:extLst>
-              <a:ext uri="{FF2B5EF4-FFF2-40B4-BE49-F238E27FC236}">
-                <a16:creationId xmlns:a16="http://schemas.microsoft.com/office/drawing/2014/main" id="{33D6C51C-585A-7AC3-6EFB-B0D4C49F92E1}"/>
-              </a:ext>
-            </a:extLst>
-          </p:cNvPr>
-          <p:cNvSpPr/>
-          <p:nvPr/>
-        </p:nvSpPr>
-        <p:spPr>
-          <a:xfrm>
-            <a:off x="4635768" y="2765476"/>
-            <a:ext cx="399468" cy="523220"/>
-          </a:xfrm>
-          <a:prstGeom prst="rect">
-            <a:avLst/>
-          </a:prstGeom>
-          <a:noFill/>
-        </p:spPr>
-        <p:txBody>
-          <a:bodyPr wrap="none" lIns="91440" tIns="45720" rIns="91440" bIns="45720">
-            <a:spAutoFit/>
-          </a:bodyPr>
-          <a:lstStyle/>
-          <a:p>
-            <a:pPr algn="ctr"/>
-            <a:r>
-              <a:rPr lang="en-US" sz="2800" dirty="0">
-                <a:ln w="0"/>
-                <a:effectLst>
-                  <a:outerShdw blurRad="38100" dist="19050" dir="2700000" algn="tl" rotWithShape="0">
-                    <a:schemeClr val="dk1">
-                      <a:alpha val="40000"/>
-                    </a:schemeClr>
-                  </a:outerShdw>
-                </a:effectLst>
-                <a:latin typeface="Courier" pitchFamily="2" charset="0"/>
-              </a:rPr>
-              <a:t>4</a:t>
-            </a:r>
-          </a:p>
-        </p:txBody>
-      </p:sp>
-      <p:sp>
-        <p:nvSpPr>
-          <p:cNvPr id="24" name="Rectangle 23">
-            <a:extLst>
-              <a:ext uri="{FF2B5EF4-FFF2-40B4-BE49-F238E27FC236}">
-                <a16:creationId xmlns:a16="http://schemas.microsoft.com/office/drawing/2014/main" id="{D169869C-A7E9-7264-54FD-F5560683ACC8}"/>
-              </a:ext>
-            </a:extLst>
-          </p:cNvPr>
-          <p:cNvSpPr/>
-          <p:nvPr/>
-        </p:nvSpPr>
-        <p:spPr>
-          <a:xfrm>
-            <a:off x="4622516" y="3255801"/>
-            <a:ext cx="399468" cy="523220"/>
-          </a:xfrm>
-          <a:prstGeom prst="rect">
-            <a:avLst/>
-          </a:prstGeom>
-          <a:noFill/>
-        </p:spPr>
-        <p:txBody>
-          <a:bodyPr wrap="none" lIns="91440" tIns="45720" rIns="91440" bIns="45720">
-            <a:spAutoFit/>
-          </a:bodyPr>
-          <a:lstStyle/>
-          <a:p>
-            <a:pPr algn="ctr"/>
-            <a:r>
-              <a:rPr lang="en-US" sz="2800" dirty="0">
-                <a:ln w="0"/>
-                <a:effectLst>
-                  <a:outerShdw blurRad="38100" dist="19050" dir="2700000" algn="tl" rotWithShape="0">
-                    <a:schemeClr val="dk1">
-                      <a:alpha val="40000"/>
-                    </a:schemeClr>
-                  </a:outerShdw>
-                </a:effectLst>
-                <a:latin typeface="Courier" pitchFamily="2" charset="0"/>
-              </a:rPr>
-              <a:t>5</a:t>
-            </a:r>
-          </a:p>
-        </p:txBody>
-      </p:sp>
-      <p:sp>
-        <p:nvSpPr>
-          <p:cNvPr id="41" name="Rectangle 40">
-            <a:extLst>
-              <a:ext uri="{FF2B5EF4-FFF2-40B4-BE49-F238E27FC236}">
-                <a16:creationId xmlns:a16="http://schemas.microsoft.com/office/drawing/2014/main" id="{025C2D13-524F-1E10-B836-6CBEBEC1CB9C}"/>
-              </a:ext>
-            </a:extLst>
-          </p:cNvPr>
-          <p:cNvSpPr/>
-          <p:nvPr/>
-        </p:nvSpPr>
-        <p:spPr>
-          <a:xfrm>
-            <a:off x="7193440" y="2261894"/>
-            <a:ext cx="399468" cy="523220"/>
-          </a:xfrm>
-          <a:prstGeom prst="rect">
-            <a:avLst/>
-          </a:prstGeom>
-          <a:noFill/>
-        </p:spPr>
-        <p:txBody>
-          <a:bodyPr wrap="none" lIns="91440" tIns="45720" rIns="91440" bIns="45720">
-            <a:spAutoFit/>
-          </a:bodyPr>
-          <a:lstStyle/>
-          <a:p>
-            <a:pPr algn="ctr"/>
-            <a:r>
-              <a:rPr lang="en-US" sz="2800" dirty="0">
-                <a:ln w="0"/>
-                <a:effectLst>
-                  <a:outerShdw blurRad="38100" dist="19050" dir="2700000" algn="tl" rotWithShape="0">
-                    <a:schemeClr val="dk1">
-                      <a:alpha val="40000"/>
-                    </a:schemeClr>
-                  </a:outerShdw>
-                </a:effectLst>
-                <a:latin typeface="Courier" pitchFamily="2" charset="0"/>
-              </a:rPr>
-              <a:t>4</a:t>
+                <a:latin typeface="Courier" pitchFamily="2" charset="0"/>
+              </a:rPr>
+              <a:t>	mutate(popular = prop &gt; 0.01)</a:t>
             </a:r>
           </a:p>
         </p:txBody>
@@ -9187,7 +13339,241 @@
     </p:spTree>
     <p:extLst>
       <p:ext uri="{BB962C8B-B14F-4D97-AF65-F5344CB8AC3E}">
-        <p14:creationId xmlns:p14="http://schemas.microsoft.com/office/powerpoint/2010/main" val="3698510600"/>
+        <p14:creationId xmlns:p14="http://schemas.microsoft.com/office/powerpoint/2010/main" val="2139104862"/>
+      </p:ext>
+    </p:extLst>
+  </p:cSld>
+  <p:clrMapOvr>
+    <a:masterClrMapping/>
+  </p:clrMapOvr>
+</p:sld>
+</file>
+
+<file path=ppt/slides/slide9.xml><?xml version="1.0" encoding="utf-8"?>
+<p:sld xmlns:a="http://schemas.openxmlformats.org/drawingml/2006/main" xmlns:r="http://schemas.openxmlformats.org/officeDocument/2006/relationships" xmlns:p="http://schemas.openxmlformats.org/presentationml/2006/main">
+  <p:cSld>
+    <p:spTree>
+      <p:nvGrpSpPr>
+        <p:cNvPr id="1" name=""/>
+        <p:cNvGrpSpPr/>
+        <p:nvPr/>
+      </p:nvGrpSpPr>
+      <p:grpSpPr>
+        <a:xfrm>
+          <a:off x="0" y="0"/>
+          <a:ext cx="0" cy="0"/>
+          <a:chOff x="0" y="0"/>
+          <a:chExt cx="0" cy="0"/>
+        </a:xfrm>
+      </p:grpSpPr>
+      <p:sp>
+        <p:nvSpPr>
+          <p:cNvPr id="2" name="Title 1">
+            <a:extLst>
+              <a:ext uri="{FF2B5EF4-FFF2-40B4-BE49-F238E27FC236}">
+                <a16:creationId xmlns:a16="http://schemas.microsoft.com/office/drawing/2014/main" id="{A37F20A1-B9B8-F8C1-AC48-36671967C2B5}"/>
+              </a:ext>
+            </a:extLst>
+          </p:cNvPr>
+          <p:cNvSpPr>
+            <a:spLocks noGrp="1"/>
+          </p:cNvSpPr>
+          <p:nvPr>
+            <p:ph type="title"/>
+          </p:nvPr>
+        </p:nvSpPr>
+        <p:spPr/>
+        <p:txBody>
+          <a:bodyPr/>
+          <a:lstStyle/>
+          <a:p>
+            <a:r>
+              <a:rPr lang="en-US" dirty="0"/>
+              <a:t>rename</a:t>
+            </a:r>
+            <a:endParaRPr lang="en-US" dirty="0">
+              <a:latin typeface="Courier" pitchFamily="2" charset="0"/>
+            </a:endParaRPr>
+          </a:p>
+        </p:txBody>
+      </p:sp>
+      <p:sp>
+        <p:nvSpPr>
+          <p:cNvPr id="3" name="Content Placeholder 2">
+            <a:extLst>
+              <a:ext uri="{FF2B5EF4-FFF2-40B4-BE49-F238E27FC236}">
+                <a16:creationId xmlns:a16="http://schemas.microsoft.com/office/drawing/2014/main" id="{EE2D95F3-876D-BA1B-1C7A-74E262A4A6CD}"/>
+              </a:ext>
+            </a:extLst>
+          </p:cNvPr>
+          <p:cNvSpPr>
+            <a:spLocks noGrp="1"/>
+          </p:cNvSpPr>
+          <p:nvPr>
+            <p:ph idx="1"/>
+          </p:nvPr>
+        </p:nvSpPr>
+        <p:spPr>
+          <a:xfrm>
+            <a:off x="3869268" y="864108"/>
+            <a:ext cx="7750646" cy="5120640"/>
+          </a:xfrm>
+        </p:spPr>
+        <p:txBody>
+          <a:bodyPr anchor="t">
+            <a:normAutofit/>
+          </a:bodyPr>
+          <a:lstStyle/>
+          <a:p>
+            <a:pPr marL="0" indent="0">
+              <a:buNone/>
+            </a:pPr>
+            <a:r>
+              <a:rPr lang="en-US" sz="2800" b="1" dirty="0">
+                <a:latin typeface="Courier" pitchFamily="2" charset="0"/>
+              </a:rPr>
+              <a:t>rename() </a:t>
+            </a:r>
+            <a:r>
+              <a:rPr lang="en-US" sz="2800" dirty="0"/>
+              <a:t>change the name of a variable</a:t>
+            </a:r>
+          </a:p>
+          <a:p>
+            <a:pPr marL="0" indent="0">
+              <a:buNone/>
+            </a:pPr>
+            <a:endParaRPr lang="en-US" sz="2800" dirty="0"/>
+          </a:p>
+          <a:p>
+            <a:pPr marL="0" indent="0">
+              <a:buNone/>
+            </a:pPr>
+            <a:endParaRPr lang="en-US" sz="2800" dirty="0"/>
+          </a:p>
+        </p:txBody>
+      </p:sp>
+      <p:sp>
+        <p:nvSpPr>
+          <p:cNvPr id="4" name="Rectangle 3">
+            <a:extLst>
+              <a:ext uri="{FF2B5EF4-FFF2-40B4-BE49-F238E27FC236}">
+                <a16:creationId xmlns:a16="http://schemas.microsoft.com/office/drawing/2014/main" id="{2A18648A-7D41-17F8-09DB-C3A68AFC4E5A}"/>
+              </a:ext>
+            </a:extLst>
+          </p:cNvPr>
+          <p:cNvSpPr/>
+          <p:nvPr/>
+        </p:nvSpPr>
+        <p:spPr>
+          <a:xfrm>
+            <a:off x="3528646" y="1838050"/>
+            <a:ext cx="8208499" cy="1503026"/>
+          </a:xfrm>
+          <a:prstGeom prst="rect">
+            <a:avLst/>
+          </a:prstGeom>
+          <a:solidFill>
+            <a:schemeClr val="bg1">
+              <a:lumMod val="95000"/>
+            </a:schemeClr>
+          </a:solidFill>
+          <a:ln>
+            <a:noFill/>
+          </a:ln>
+        </p:spPr>
+        <p:style>
+          <a:lnRef idx="2">
+            <a:schemeClr val="accent4">
+              <a:shade val="50000"/>
+            </a:schemeClr>
+          </a:lnRef>
+          <a:fillRef idx="1">
+            <a:schemeClr val="accent4"/>
+          </a:fillRef>
+          <a:effectRef idx="0">
+            <a:schemeClr val="accent4"/>
+          </a:effectRef>
+          <a:fontRef idx="minor">
+            <a:schemeClr val="lt1"/>
+          </a:fontRef>
+        </p:style>
+        <p:txBody>
+          <a:bodyPr rtlCol="0" anchor="ctr"/>
+          <a:lstStyle/>
+          <a:p>
+            <a:r>
+              <a:rPr lang="en-US" sz="3200" dirty="0" err="1">
+                <a:solidFill>
+                  <a:schemeClr val="tx1"/>
+                </a:solidFill>
+                <a:latin typeface="Courier" pitchFamily="2" charset="0"/>
+              </a:rPr>
+              <a:t>babynames</a:t>
+            </a:r>
+            <a:r>
+              <a:rPr lang="en-US" sz="3200" dirty="0">
+                <a:solidFill>
+                  <a:schemeClr val="tx1"/>
+                </a:solidFill>
+                <a:latin typeface="Courier" pitchFamily="2" charset="0"/>
+              </a:rPr>
+              <a:t> &lt;- </a:t>
+            </a:r>
+            <a:r>
+              <a:rPr lang="en-US" sz="3200" dirty="0" err="1">
+                <a:solidFill>
+                  <a:schemeClr val="tx1"/>
+                </a:solidFill>
+                <a:latin typeface="Courier" pitchFamily="2" charset="0"/>
+              </a:rPr>
+              <a:t>babynames</a:t>
+            </a:r>
+            <a:r>
+              <a:rPr lang="en-US" sz="3200" dirty="0">
+                <a:solidFill>
+                  <a:schemeClr val="tx1"/>
+                </a:solidFill>
+                <a:latin typeface="Courier" pitchFamily="2" charset="0"/>
+              </a:rPr>
+              <a:t> %&gt;%</a:t>
+            </a:r>
+          </a:p>
+          <a:p>
+            <a:r>
+              <a:rPr lang="en-US" sz="3200" dirty="0">
+                <a:solidFill>
+                  <a:schemeClr val="tx1"/>
+                </a:solidFill>
+                <a:latin typeface="Courier" pitchFamily="2" charset="0"/>
+              </a:rPr>
+              <a:t>	rename(</a:t>
+            </a:r>
+            <a:r>
+              <a:rPr lang="en-US" sz="3200" dirty="0" err="1">
+                <a:solidFill>
+                  <a:schemeClr val="tx1"/>
+                </a:solidFill>
+                <a:latin typeface="Courier" pitchFamily="2" charset="0"/>
+              </a:rPr>
+              <a:t>is_popular</a:t>
+            </a:r>
+            <a:r>
+              <a:rPr lang="en-US" sz="3200" dirty="0">
+                <a:solidFill>
+                  <a:schemeClr val="tx1"/>
+                </a:solidFill>
+                <a:latin typeface="Courier" pitchFamily="2" charset="0"/>
+              </a:rPr>
+              <a:t> = popular)</a:t>
+            </a:r>
+          </a:p>
+        </p:txBody>
+      </p:sp>
+    </p:spTree>
+    <p:extLst>
+      <p:ext uri="{BB962C8B-B14F-4D97-AF65-F5344CB8AC3E}">
+        <p14:creationId xmlns:p14="http://schemas.microsoft.com/office/powerpoint/2010/main" val="1862891891"/>
       </p:ext>
     </p:extLst>
   </p:cSld>

--- a/slides/10-data-wrangling-mutate-arr-sum.pptx
+++ b/slides/10-data-wrangling-mutate-arr-sum.pptx
@@ -218,7 +218,7 @@
           <a:p>
             <a:fld id="{9C3DEDD4-2C78-554A-AEF5-E26038B7904F}" type="datetimeFigureOut">
               <a:rPr lang="en-US" smtClean="0"/>
-              <a:t>10/1/23</a:t>
+              <a:t>10/4/23</a:t>
             </a:fld>
             <a:endParaRPr lang="en-US"/>
           </a:p>
@@ -710,7 +710,7 @@
             <a:fld id="{5586B75A-687E-405C-8A0B-8D00578BA2C3}" type="datetimeFigureOut">
               <a:rPr lang="en-US" smtClean="0"/>
               <a:pPr/>
-              <a:t>10/1/23</a:t>
+              <a:t>10/4/23</a:t>
             </a:fld>
             <a:endParaRPr lang="en-US" dirty="0"/>
           </a:p>
@@ -882,7 +882,7 @@
             <a:fld id="{5586B75A-687E-405C-8A0B-8D00578BA2C3}" type="datetimeFigureOut">
               <a:rPr lang="en-US" smtClean="0"/>
               <a:pPr/>
-              <a:t>10/1/23</a:t>
+              <a:t>10/4/23</a:t>
             </a:fld>
             <a:endParaRPr lang="en-US" dirty="0"/>
           </a:p>
@@ -1064,7 +1064,7 @@
             <a:fld id="{5586B75A-687E-405C-8A0B-8D00578BA2C3}" type="datetimeFigureOut">
               <a:rPr lang="en-US" smtClean="0"/>
               <a:pPr/>
-              <a:t>10/1/23</a:t>
+              <a:t>10/4/23</a:t>
             </a:fld>
             <a:endParaRPr lang="en-US" dirty="0"/>
           </a:p>
@@ -1236,7 +1236,7 @@
             <a:fld id="{5586B75A-687E-405C-8A0B-8D00578BA2C3}" type="datetimeFigureOut">
               <a:rPr lang="en-US" smtClean="0"/>
               <a:pPr/>
-              <a:t>10/1/23</a:t>
+              <a:t>10/4/23</a:t>
             </a:fld>
             <a:endParaRPr lang="en-US" dirty="0"/>
           </a:p>
@@ -1492,7 +1492,7 @@
             <a:fld id="{5586B75A-687E-405C-8A0B-8D00578BA2C3}" type="datetimeFigureOut">
               <a:rPr lang="en-US" smtClean="0"/>
               <a:pPr/>
-              <a:t>10/1/23</a:t>
+              <a:t>10/4/23</a:t>
             </a:fld>
             <a:endParaRPr lang="en-US" dirty="0"/>
           </a:p>
@@ -1782,7 +1782,7 @@
             <a:fld id="{5586B75A-687E-405C-8A0B-8D00578BA2C3}" type="datetimeFigureOut">
               <a:rPr lang="en-US" smtClean="0"/>
               <a:pPr/>
-              <a:t>10/1/23</a:t>
+              <a:t>10/4/23</a:t>
             </a:fld>
             <a:endParaRPr lang="en-US" dirty="0"/>
           </a:p>
@@ -2226,7 +2226,7 @@
             <a:fld id="{5586B75A-687E-405C-8A0B-8D00578BA2C3}" type="datetimeFigureOut">
               <a:rPr lang="en-US" smtClean="0"/>
               <a:pPr/>
-              <a:t>10/1/23</a:t>
+              <a:t>10/4/23</a:t>
             </a:fld>
             <a:endParaRPr lang="en-US" dirty="0"/>
           </a:p>
@@ -2346,7 +2346,7 @@
             <a:fld id="{5586B75A-687E-405C-8A0B-8D00578BA2C3}" type="datetimeFigureOut">
               <a:rPr lang="en-US" smtClean="0"/>
               <a:pPr/>
-              <a:t>10/1/23</a:t>
+              <a:t>10/4/23</a:t>
             </a:fld>
             <a:endParaRPr lang="en-US" dirty="0"/>
           </a:p>
@@ -2443,7 +2443,7 @@
             <a:fld id="{5586B75A-687E-405C-8A0B-8D00578BA2C3}" type="datetimeFigureOut">
               <a:rPr lang="en-US" smtClean="0"/>
               <a:pPr/>
-              <a:t>10/1/23</a:t>
+              <a:t>10/4/23</a:t>
             </a:fld>
             <a:endParaRPr lang="en-US" dirty="0"/>
           </a:p>
@@ -2733,7 +2733,7 @@
             <a:fld id="{5586B75A-687E-405C-8A0B-8D00578BA2C3}" type="datetimeFigureOut">
               <a:rPr lang="en-US" smtClean="0"/>
               <a:pPr/>
-              <a:t>10/1/23</a:t>
+              <a:t>10/4/23</a:t>
             </a:fld>
             <a:endParaRPr lang="en-US" dirty="0"/>
           </a:p>
@@ -3008,7 +3008,7 @@
             <a:fld id="{5586B75A-687E-405C-8A0B-8D00578BA2C3}" type="datetimeFigureOut">
               <a:rPr lang="en-US" smtClean="0"/>
               <a:pPr/>
-              <a:t>10/1/23</a:t>
+              <a:t>10/4/23</a:t>
             </a:fld>
             <a:endParaRPr lang="en-US" dirty="0"/>
           </a:p>
@@ -3307,7 +3307,7 @@
             <a:fld id="{5586B75A-687E-405C-8A0B-8D00578BA2C3}" type="datetimeFigureOut">
               <a:rPr lang="en-US" smtClean="0"/>
               <a:pPr/>
-              <a:t>10/1/23</a:t>
+              <a:t>10/4/23</a:t>
             </a:fld>
             <a:endParaRPr lang="en-US" dirty="0"/>
           </a:p>
